--- a/01-intro.pptx
+++ b/01-intro.pptx
@@ -3234,7 +3234,7 @@
   <dgm:whole/>
   <dgm:extLst>
     <a:ext uri="http://schemas.microsoft.com/office/drawing/2008/diagram">
-      <dsp:dataModelExt xmlns:dsp="http://schemas.microsoft.com/office/drawing/2008/diagram" relId="rId6" minVer="http://schemas.openxmlformats.org/drawingml/2006/diagram"/>
+      <dsp:dataModelExt xmlns:dsp="http://schemas.microsoft.com/office/drawing/2008/diagram" relId="rId7" minVer="http://schemas.openxmlformats.org/drawingml/2006/diagram"/>
     </a:ext>
   </dgm:extLst>
 </dgm:dataModel>
@@ -3789,7 +3789,7 @@
   <dgm:whole/>
   <dgm:extLst>
     <a:ext uri="http://schemas.microsoft.com/office/drawing/2008/diagram">
-      <dsp:dataModelExt xmlns:dsp="http://schemas.microsoft.com/office/drawing/2008/diagram" relId="rId6" minVer="http://schemas.openxmlformats.org/drawingml/2006/diagram"/>
+      <dsp:dataModelExt xmlns:dsp="http://schemas.microsoft.com/office/drawing/2008/diagram" relId="rId7" minVer="http://schemas.openxmlformats.org/drawingml/2006/diagram"/>
     </a:ext>
   </dgm:extLst>
 </dgm:dataModel>
@@ -4367,7 +4367,7 @@
   <dgm:whole/>
   <dgm:extLst>
     <a:ext uri="http://schemas.microsoft.com/office/drawing/2008/diagram">
-      <dsp:dataModelExt xmlns:dsp="http://schemas.microsoft.com/office/drawing/2008/diagram" relId="rId6" minVer="http://schemas.openxmlformats.org/drawingml/2006/diagram"/>
+      <dsp:dataModelExt xmlns:dsp="http://schemas.microsoft.com/office/drawing/2008/diagram" relId="rId7" minVer="http://schemas.openxmlformats.org/drawingml/2006/diagram"/>
     </a:ext>
   </dgm:extLst>
 </dgm:dataModel>
@@ -9827,7 +9827,7 @@
               <a:rPr lang="en-US" smtClean="0">
                 <a:latin typeface="Segoe UI" pitchFamily="34" charset="0"/>
               </a:rPr>
-              <a:t>3/14/19 1:45 PM</a:t>
+              <a:t>3/6/20 3:29 PM</a:t>
             </a:fld>
             <a:endParaRPr lang="en-US" dirty="0">
               <a:latin typeface="Segoe UI" pitchFamily="34" charset="0"/>
@@ -10124,7 +10124,7 @@
           <a:p>
             <a:fld id="{D18B56EA-E28F-4F92-9F16-7A6F2501B303}" type="datetime8">
               <a:rPr lang="en-US" smtClean="0"/>
-              <a:t>3/14/19 1:45 PM</a:t>
+              <a:t>3/6/20 3:29 PM</a:t>
             </a:fld>
             <a:endParaRPr lang="en-US" dirty="0"/>
           </a:p>
@@ -10507,7 +10507,7 @@
           <a:p>
             <a:fld id="{D18B56EA-E28F-4F92-9F16-7A6F2501B303}" type="datetime8">
               <a:rPr lang="en-US" smtClean="0"/>
-              <a:t>3/14/19 1:46 PM</a:t>
+              <a:t>3/6/20 3:29 PM</a:t>
             </a:fld>
             <a:endParaRPr lang="en-US" dirty="0"/>
           </a:p>
@@ -10541,6 +10541,368 @@
     <p:extLst>
       <p:ext uri="{BB962C8B-B14F-4D97-AF65-F5344CB8AC3E}">
         <p14:creationId xmlns:p14="http://schemas.microsoft.com/office/powerpoint/2010/main" val="909857904"/>
+      </p:ext>
+    </p:extLst>
+  </p:cSld>
+  <p:clrMapOvr>
+    <a:masterClrMapping/>
+  </p:clrMapOvr>
+</p:notes>
+</file>
+
+<file path=ppt/notesSlides/notesSlide10.xml><?xml version="1.0" encoding="utf-8"?>
+<p:notes xmlns:a="http://schemas.openxmlformats.org/drawingml/2006/main" xmlns:r="http://schemas.openxmlformats.org/officeDocument/2006/relationships" xmlns:p="http://schemas.openxmlformats.org/presentationml/2006/main">
+  <p:cSld>
+    <p:spTree>
+      <p:nvGrpSpPr>
+        <p:cNvPr id="1" name=""/>
+        <p:cNvGrpSpPr/>
+        <p:nvPr/>
+      </p:nvGrpSpPr>
+      <p:grpSpPr>
+        <a:xfrm>
+          <a:off x="0" y="0"/>
+          <a:ext cx="0" cy="0"/>
+          <a:chOff x="0" y="0"/>
+          <a:chExt cx="0" cy="0"/>
+        </a:xfrm>
+      </p:grpSpPr>
+      <p:sp>
+        <p:nvSpPr>
+          <p:cNvPr id="2" name="Slide Image Placeholder 1"/>
+          <p:cNvSpPr>
+            <a:spLocks noGrp="1" noRot="1" noChangeAspect="1"/>
+          </p:cNvSpPr>
+          <p:nvPr>
+            <p:ph type="sldImg"/>
+          </p:nvPr>
+        </p:nvSpPr>
+        <p:spPr/>
+      </p:sp>
+      <p:sp>
+        <p:nvSpPr>
+          <p:cNvPr id="3" name="Notes Placeholder 2"/>
+          <p:cNvSpPr>
+            <a:spLocks noGrp="1"/>
+          </p:cNvSpPr>
+          <p:nvPr>
+            <p:ph type="body" idx="1"/>
+          </p:nvPr>
+        </p:nvSpPr>
+        <p:spPr/>
+        <p:txBody>
+          <a:bodyPr/>
+          <a:lstStyle/>
+          <a:p>
+            <a:endParaRPr lang="en-US"/>
+          </a:p>
+        </p:txBody>
+      </p:sp>
+      <p:sp>
+        <p:nvSpPr>
+          <p:cNvPr id="4" name="Header Placeholder 3"/>
+          <p:cNvSpPr>
+            <a:spLocks noGrp="1"/>
+          </p:cNvSpPr>
+          <p:nvPr>
+            <p:ph type="hdr" sz="quarter" idx="10"/>
+          </p:nvPr>
+        </p:nvSpPr>
+        <p:spPr/>
+        <p:txBody>
+          <a:bodyPr/>
+          <a:lstStyle/>
+          <a:p>
+            <a:endParaRPr lang="en-US" dirty="0"/>
+          </a:p>
+        </p:txBody>
+      </p:sp>
+      <p:sp>
+        <p:nvSpPr>
+          <p:cNvPr id="5" name="Footer Placeholder 4"/>
+          <p:cNvSpPr>
+            <a:spLocks noGrp="1"/>
+          </p:cNvSpPr>
+          <p:nvPr>
+            <p:ph type="ftr" sz="quarter" idx="11"/>
+          </p:nvPr>
+        </p:nvSpPr>
+        <p:spPr/>
+        <p:txBody>
+          <a:bodyPr/>
+          <a:lstStyle/>
+          <a:p>
+            <a:pPr defTabSz="914099" eaLnBrk="0" hangingPunct="0"/>
+            <a:r>
+              <a:rPr lang="en-US" sz="400">
+                <a:gradFill>
+                  <a:gsLst>
+                    <a:gs pos="0">
+                      <a:prstClr val="black"/>
+                    </a:gs>
+                    <a:gs pos="100000">
+                      <a:prstClr val="black"/>
+                    </a:gs>
+                  </a:gsLst>
+                  <a:lin ang="5400000" scaled="0"/>
+                </a:gradFill>
+                <a:latin typeface="Segoe UI" pitchFamily="34" charset="0"/>
+                <a:ea typeface="Segoe UI" pitchFamily="34" charset="0"/>
+                <a:cs typeface="Segoe UI" pitchFamily="34" charset="0"/>
+              </a:rPr>
+              <a:t>© Microsoft Corporation. All rights reserved. MICROSOFT MAKES NO WARRANTIES, EXPRESS, IMPLIED OR STATUTORY, AS TO THE INFORMATION IN THIS PRESENTATION.</a:t>
+            </a:r>
+            <a:endParaRPr lang="en-US" sz="400" dirty="0">
+              <a:gradFill>
+                <a:gsLst>
+                  <a:gs pos="0">
+                    <a:prstClr val="black"/>
+                  </a:gs>
+                  <a:gs pos="100000">
+                    <a:prstClr val="black"/>
+                  </a:gs>
+                </a:gsLst>
+                <a:lin ang="5400000" scaled="0"/>
+              </a:gradFill>
+              <a:latin typeface="Segoe UI" pitchFamily="34" charset="0"/>
+              <a:ea typeface="Segoe UI" pitchFamily="34" charset="0"/>
+              <a:cs typeface="Segoe UI" pitchFamily="34" charset="0"/>
+            </a:endParaRPr>
+          </a:p>
+        </p:txBody>
+      </p:sp>
+      <p:sp>
+        <p:nvSpPr>
+          <p:cNvPr id="6" name="Date Placeholder 5"/>
+          <p:cNvSpPr>
+            <a:spLocks noGrp="1"/>
+          </p:cNvSpPr>
+          <p:nvPr>
+            <p:ph type="dt" idx="12"/>
+          </p:nvPr>
+        </p:nvSpPr>
+        <p:spPr/>
+        <p:txBody>
+          <a:bodyPr/>
+          <a:lstStyle/>
+          <a:p>
+            <a:fld id="{D18B56EA-E28F-4F92-9F16-7A6F2501B303}" type="datetime8">
+              <a:rPr lang="en-US" smtClean="0"/>
+              <a:t>3/6/20 3:29 PM</a:t>
+            </a:fld>
+            <a:endParaRPr lang="en-US" dirty="0"/>
+          </a:p>
+        </p:txBody>
+      </p:sp>
+      <p:sp>
+        <p:nvSpPr>
+          <p:cNvPr id="7" name="Slide Number Placeholder 6"/>
+          <p:cNvSpPr>
+            <a:spLocks noGrp="1"/>
+          </p:cNvSpPr>
+          <p:nvPr>
+            <p:ph type="sldNum" sz="quarter" idx="13"/>
+          </p:nvPr>
+        </p:nvSpPr>
+        <p:spPr/>
+        <p:txBody>
+          <a:bodyPr/>
+          <a:lstStyle/>
+          <a:p>
+            <a:fld id="{B4008EB6-D09E-4580-8CD6-DDB14511944F}" type="slidenum">
+              <a:rPr lang="en-US" smtClean="0"/>
+              <a:pPr/>
+              <a:t>11</a:t>
+            </a:fld>
+            <a:endParaRPr lang="en-US" dirty="0"/>
+          </a:p>
+        </p:txBody>
+      </p:sp>
+    </p:spTree>
+    <p:extLst>
+      <p:ext uri="{BB962C8B-B14F-4D97-AF65-F5344CB8AC3E}">
+        <p14:creationId xmlns:p14="http://schemas.microsoft.com/office/powerpoint/2010/main" val="2510823477"/>
+      </p:ext>
+    </p:extLst>
+  </p:cSld>
+  <p:clrMapOvr>
+    <a:masterClrMapping/>
+  </p:clrMapOvr>
+</p:notes>
+</file>
+
+<file path=ppt/notesSlides/notesSlide11.xml><?xml version="1.0" encoding="utf-8"?>
+<p:notes xmlns:a="http://schemas.openxmlformats.org/drawingml/2006/main" xmlns:r="http://schemas.openxmlformats.org/officeDocument/2006/relationships" xmlns:p="http://schemas.openxmlformats.org/presentationml/2006/main">
+  <p:cSld>
+    <p:spTree>
+      <p:nvGrpSpPr>
+        <p:cNvPr id="1" name=""/>
+        <p:cNvGrpSpPr/>
+        <p:nvPr/>
+      </p:nvGrpSpPr>
+      <p:grpSpPr>
+        <a:xfrm>
+          <a:off x="0" y="0"/>
+          <a:ext cx="0" cy="0"/>
+          <a:chOff x="0" y="0"/>
+          <a:chExt cx="0" cy="0"/>
+        </a:xfrm>
+      </p:grpSpPr>
+      <p:sp>
+        <p:nvSpPr>
+          <p:cNvPr id="2" name="Slide Image Placeholder 1"/>
+          <p:cNvSpPr>
+            <a:spLocks noGrp="1" noRot="1" noChangeAspect="1"/>
+          </p:cNvSpPr>
+          <p:nvPr>
+            <p:ph type="sldImg"/>
+          </p:nvPr>
+        </p:nvSpPr>
+        <p:spPr/>
+      </p:sp>
+      <p:sp>
+        <p:nvSpPr>
+          <p:cNvPr id="3" name="Notes Placeholder 2"/>
+          <p:cNvSpPr>
+            <a:spLocks noGrp="1"/>
+          </p:cNvSpPr>
+          <p:nvPr>
+            <p:ph type="body" idx="1"/>
+          </p:nvPr>
+        </p:nvSpPr>
+        <p:spPr/>
+        <p:txBody>
+          <a:bodyPr/>
+          <a:lstStyle/>
+          <a:p>
+            <a:endParaRPr lang="en-US"/>
+          </a:p>
+        </p:txBody>
+      </p:sp>
+      <p:sp>
+        <p:nvSpPr>
+          <p:cNvPr id="4" name="Header Placeholder 3"/>
+          <p:cNvSpPr>
+            <a:spLocks noGrp="1"/>
+          </p:cNvSpPr>
+          <p:nvPr>
+            <p:ph type="hdr" sz="quarter" idx="10"/>
+          </p:nvPr>
+        </p:nvSpPr>
+        <p:spPr/>
+        <p:txBody>
+          <a:bodyPr/>
+          <a:lstStyle/>
+          <a:p>
+            <a:endParaRPr lang="en-US" dirty="0"/>
+          </a:p>
+        </p:txBody>
+      </p:sp>
+      <p:sp>
+        <p:nvSpPr>
+          <p:cNvPr id="5" name="Footer Placeholder 4"/>
+          <p:cNvSpPr>
+            <a:spLocks noGrp="1"/>
+          </p:cNvSpPr>
+          <p:nvPr>
+            <p:ph type="ftr" sz="quarter" idx="11"/>
+          </p:nvPr>
+        </p:nvSpPr>
+        <p:spPr/>
+        <p:txBody>
+          <a:bodyPr/>
+          <a:lstStyle/>
+          <a:p>
+            <a:pPr defTabSz="914099" eaLnBrk="0" hangingPunct="0"/>
+            <a:r>
+              <a:rPr lang="en-US" sz="400">
+                <a:gradFill>
+                  <a:gsLst>
+                    <a:gs pos="0">
+                      <a:prstClr val="black"/>
+                    </a:gs>
+                    <a:gs pos="100000">
+                      <a:prstClr val="black"/>
+                    </a:gs>
+                  </a:gsLst>
+                  <a:lin ang="5400000" scaled="0"/>
+                </a:gradFill>
+                <a:latin typeface="Segoe UI" pitchFamily="34" charset="0"/>
+                <a:ea typeface="Segoe UI" pitchFamily="34" charset="0"/>
+                <a:cs typeface="Segoe UI" pitchFamily="34" charset="0"/>
+              </a:rPr>
+              <a:t>© Microsoft Corporation. All rights reserved. MICROSOFT MAKES NO WARRANTIES, EXPRESS, IMPLIED OR STATUTORY, AS TO THE INFORMATION IN THIS PRESENTATION.</a:t>
+            </a:r>
+            <a:endParaRPr lang="en-US" sz="400" dirty="0">
+              <a:gradFill>
+                <a:gsLst>
+                  <a:gs pos="0">
+                    <a:prstClr val="black"/>
+                  </a:gs>
+                  <a:gs pos="100000">
+                    <a:prstClr val="black"/>
+                  </a:gs>
+                </a:gsLst>
+                <a:lin ang="5400000" scaled="0"/>
+              </a:gradFill>
+              <a:latin typeface="Segoe UI" pitchFamily="34" charset="0"/>
+              <a:ea typeface="Segoe UI" pitchFamily="34" charset="0"/>
+              <a:cs typeface="Segoe UI" pitchFamily="34" charset="0"/>
+            </a:endParaRPr>
+          </a:p>
+        </p:txBody>
+      </p:sp>
+      <p:sp>
+        <p:nvSpPr>
+          <p:cNvPr id="6" name="Date Placeholder 5"/>
+          <p:cNvSpPr>
+            <a:spLocks noGrp="1"/>
+          </p:cNvSpPr>
+          <p:nvPr>
+            <p:ph type="dt" idx="12"/>
+          </p:nvPr>
+        </p:nvSpPr>
+        <p:spPr/>
+        <p:txBody>
+          <a:bodyPr/>
+          <a:lstStyle/>
+          <a:p>
+            <a:fld id="{D18B56EA-E28F-4F92-9F16-7A6F2501B303}" type="datetime8">
+              <a:rPr lang="en-US" smtClean="0"/>
+              <a:t>3/6/20 3:29 PM</a:t>
+            </a:fld>
+            <a:endParaRPr lang="en-US" dirty="0"/>
+          </a:p>
+        </p:txBody>
+      </p:sp>
+      <p:sp>
+        <p:nvSpPr>
+          <p:cNvPr id="7" name="Slide Number Placeholder 6"/>
+          <p:cNvSpPr>
+            <a:spLocks noGrp="1"/>
+          </p:cNvSpPr>
+          <p:nvPr>
+            <p:ph type="sldNum" sz="quarter" idx="13"/>
+          </p:nvPr>
+        </p:nvSpPr>
+        <p:spPr/>
+        <p:txBody>
+          <a:bodyPr/>
+          <a:lstStyle/>
+          <a:p>
+            <a:fld id="{B4008EB6-D09E-4580-8CD6-DDB14511944F}" type="slidenum">
+              <a:rPr lang="en-US" smtClean="0"/>
+              <a:pPr/>
+              <a:t>12</a:t>
+            </a:fld>
+            <a:endParaRPr lang="en-US" dirty="0"/>
+          </a:p>
+        </p:txBody>
+      </p:sp>
+    </p:spTree>
+    <p:extLst>
+      <p:ext uri="{BB962C8B-B14F-4D97-AF65-F5344CB8AC3E}">
+        <p14:creationId xmlns:p14="http://schemas.microsoft.com/office/powerpoint/2010/main" val="1685519606"/>
       </p:ext>
     </p:extLst>
   </p:cSld>
@@ -10594,7 +10956,10 @@
           <a:bodyPr/>
           <a:lstStyle/>
           <a:p>
-            <a:endParaRPr lang="en-US"/>
+            <a:r>
+              <a:rPr lang="en-US" dirty="0"/>
+              <a:t>In this unit, you'll learn how to package and deploy SharePoint Framework solutions to production.</a:t>
+            </a:r>
           </a:p>
         </p:txBody>
       </p:sp>
@@ -10688,7 +11053,7 @@
           <a:p>
             <a:fld id="{D18B56EA-E28F-4F92-9F16-7A6F2501B303}" type="datetime8">
               <a:rPr lang="en-US" smtClean="0"/>
-              <a:t>3/14/19 1:45 PM</a:t>
+              <a:t>3/6/20 5:26 PM</a:t>
             </a:fld>
             <a:endParaRPr lang="en-US" dirty="0"/>
           </a:p>
@@ -10775,7 +11140,55 @@
           <a:bodyPr/>
           <a:lstStyle/>
           <a:p>
+            <a:r>
+              <a:rPr lang="en-US" dirty="0"/>
+              <a:t>Let's start by looking at the SharePoint Framework deployment artifacts to understand the different things required for SharePoint Framework solutions to work in production. </a:t>
+            </a:r>
+          </a:p>
+          <a:p>
             <a:endParaRPr lang="en-US" dirty="0"/>
+          </a:p>
+          <a:p>
+            <a:r>
+              <a:rPr lang="en-US" dirty="0"/>
+              <a:t>There are two different kinds of files:</a:t>
+            </a:r>
+          </a:p>
+          <a:p>
+            <a:endParaRPr lang="en-US" dirty="0"/>
+          </a:p>
+          <a:p>
+            <a:r>
+              <a:rPr lang="en-US" dirty="0"/>
+              <a:t>- **Installation and registration**: The installation and registration files are included in SharePoint packages deployed to the SharePoint App Catalogs. These files make SharePoint aware of the components included in the packages.</a:t>
+            </a:r>
+          </a:p>
+          <a:p>
+            <a:endParaRPr lang="en-US" dirty="0"/>
+          </a:p>
+          <a:p>
+            <a:r>
+              <a:rPr lang="en-US" dirty="0"/>
+              <a:t>    These files include an app manifest file, feature framework files, and other files that SharePoint needs to provision the components. It doesn't include files that make the application run.</a:t>
+            </a:r>
+          </a:p>
+          <a:p>
+            <a:endParaRPr lang="en-US" dirty="0"/>
+          </a:p>
+          <a:p>
+            <a:r>
+              <a:rPr lang="en-US" dirty="0"/>
+              <a:t>- **Component runtime files and dependencies**: These are the files that are needed to run the SharePoint Framework component once it's been deployed and installed in a SharePoint environment. Any dependencies your component uses, such as third-party web framework libraries, can optionally be included in the component's bundle or loaded at runtime from an external CDN. The component's manifest file defines all dependencies the component requires to be present on the page prior to it loading and running.</a:t>
+            </a:r>
+          </a:p>
+          <a:p>
+            <a:endParaRPr lang="en-US" dirty="0"/>
+          </a:p>
+          <a:p>
+            <a:r>
+              <a:rPr lang="en-US" dirty="0"/>
+              <a:t>    These files include JavaScript bundles of your components, images, CSS files, and JavaScript libraries or assets your component depends on.</a:t>
+            </a:r>
           </a:p>
         </p:txBody>
       </p:sp>
@@ -10937,7 +11350,287 @@
           <a:bodyPr/>
           <a:lstStyle/>
           <a:p>
-            <a:endParaRPr lang="en-US"/>
+            <a:r>
+              <a:rPr lang="en-US" dirty="0"/>
+              <a:t>SharePoint Framework projects are deployed to production using *packages*. A package filename ends with the **</a:t>
+            </a:r>
+            <a:r>
+              <a:rPr lang="en-US" dirty="0" err="1"/>
+              <a:t>sppkg</a:t>
+            </a:r>
+            <a:r>
+              <a:rPr lang="en-US" dirty="0"/>
+              <a:t>** extension. There are three steps to creating the package.</a:t>
+            </a:r>
+          </a:p>
+          <a:p>
+            <a:endParaRPr lang="en-US" dirty="0"/>
+          </a:p>
+          <a:p>
+            <a:r>
+              <a:rPr lang="en-US" dirty="0"/>
+              <a:t>### Build</a:t>
+            </a:r>
+          </a:p>
+          <a:p>
+            <a:endParaRPr lang="en-US" dirty="0"/>
+          </a:p>
+          <a:p>
+            <a:r>
+              <a:rPr lang="en-US" dirty="0"/>
+              <a:t>The build phase </a:t>
+            </a:r>
+            <a:r>
+              <a:rPr lang="en-US" dirty="0" err="1"/>
+              <a:t>transpiles</a:t>
+            </a:r>
+            <a:r>
+              <a:rPr lang="en-US" dirty="0"/>
+              <a:t> all TypeScript to </a:t>
+            </a:r>
+            <a:r>
+              <a:rPr lang="en-US" dirty="0" err="1"/>
+              <a:t>Javascript</a:t>
+            </a:r>
+            <a:r>
+              <a:rPr lang="en-US" dirty="0"/>
+              <a:t>, generates TypeScript type declarations from you TypeScript files, and </a:t>
+            </a:r>
+            <a:r>
+              <a:rPr lang="en-US" dirty="0" err="1"/>
+              <a:t>transpiles</a:t>
+            </a:r>
+            <a:r>
+              <a:rPr lang="en-US" dirty="0"/>
+              <a:t> SCSS files to CSS. All these files are placed in the **lib** folder in your project.</a:t>
+            </a:r>
+          </a:p>
+          <a:p>
+            <a:endParaRPr lang="en-US" dirty="0"/>
+          </a:p>
+          <a:p>
+            <a:r>
+              <a:rPr lang="en-US" dirty="0"/>
+              <a:t>The build process is initiated when you run the gulp task **build** from the command line:</a:t>
+            </a:r>
+          </a:p>
+          <a:p>
+            <a:endParaRPr lang="en-US" dirty="0"/>
+          </a:p>
+          <a:p>
+            <a:r>
+              <a:rPr lang="en-US" dirty="0"/>
+              <a:t>```shell</a:t>
+            </a:r>
+          </a:p>
+          <a:p>
+            <a:r>
+              <a:rPr lang="en-US" dirty="0"/>
+              <a:t>gulp build</a:t>
+            </a:r>
+          </a:p>
+          <a:p>
+            <a:r>
+              <a:rPr lang="en-US" dirty="0"/>
+              <a:t>```</a:t>
+            </a:r>
+          </a:p>
+          <a:p>
+            <a:endParaRPr lang="en-US" dirty="0"/>
+          </a:p>
+          <a:p>
+            <a:r>
+              <a:rPr lang="en-US" dirty="0"/>
+              <a:t>### Bundle</a:t>
+            </a:r>
+          </a:p>
+          <a:p>
+            <a:endParaRPr lang="en-US" dirty="0"/>
+          </a:p>
+          <a:p>
+            <a:r>
+              <a:rPr lang="en-US" dirty="0"/>
+              <a:t>The next phase is bundling. The bundling phase generates a JavaScript bundle and the manifest for the SharePoint Framework component.</a:t>
+            </a:r>
+          </a:p>
+          <a:p>
+            <a:endParaRPr lang="en-US" dirty="0"/>
+          </a:p>
+          <a:p>
+            <a:r>
+              <a:rPr lang="en-US" dirty="0"/>
+              <a:t>Bundling takes all the JavaScript and CSS files referenced in your project and combines them into a single JavaScript bundle. A configuration file enables developers to specify if multiple bundles generated with specific components in them, or if all components in the project are grouped into a single bundle.</a:t>
+            </a:r>
+          </a:p>
+          <a:p>
+            <a:endParaRPr lang="en-US" dirty="0"/>
+          </a:p>
+          <a:p>
+            <a:r>
+              <a:rPr lang="en-US" dirty="0"/>
+              <a:t>The popular open source tool Webpack is used to create the JavaScript bundle file. Normally developers need to create a configuration file and pass it into webpack when bundling, but the SharePoint Framework does this for you. When the bundling task is executed, the SharePoint Framework build toolchain dynamically creates the webpack configuration using configuration files in the project.</a:t>
+            </a:r>
+          </a:p>
+          <a:p>
+            <a:endParaRPr lang="en-US" dirty="0"/>
+          </a:p>
+          <a:p>
+            <a:r>
+              <a:rPr lang="en-US" dirty="0"/>
+              <a:t>The files generated in the bundling phase are saved to the **</a:t>
+            </a:r>
+            <a:r>
+              <a:rPr lang="en-US" dirty="0" err="1"/>
+              <a:t>dist</a:t>
+            </a:r>
+            <a:r>
+              <a:rPr lang="en-US" dirty="0"/>
+              <a:t>** folder in the project.</a:t>
+            </a:r>
+          </a:p>
+          <a:p>
+            <a:endParaRPr lang="en-US" dirty="0"/>
+          </a:p>
+          <a:p>
+            <a:r>
+              <a:rPr lang="en-US" dirty="0"/>
+              <a:t>The bundling process is initiated when you run the gulp task **bundle** from the command line. When you add the optional `--ship` or `-p` to the command, the bundling process will also minify the resulting bundle and manifest file. Minification removes all code comments and white space in the file to create the smallest possible file that's downloaded when the component is loaded on the page.</a:t>
+            </a:r>
+          </a:p>
+          <a:p>
+            <a:endParaRPr lang="en-US" dirty="0"/>
+          </a:p>
+          <a:p>
+            <a:r>
+              <a:rPr lang="en-US" dirty="0"/>
+              <a:t>```shell</a:t>
+            </a:r>
+          </a:p>
+          <a:p>
+            <a:r>
+              <a:rPr lang="en-US" dirty="0"/>
+              <a:t>gulp bundle</a:t>
+            </a:r>
+          </a:p>
+          <a:p>
+            <a:r>
+              <a:rPr lang="en-US" dirty="0"/>
+              <a:t>```</a:t>
+            </a:r>
+          </a:p>
+          <a:p>
+            <a:endParaRPr lang="en-US" dirty="0"/>
+          </a:p>
+          <a:p>
+            <a:r>
+              <a:rPr lang="en-US" dirty="0"/>
+              <a:t>### Package solution</a:t>
+            </a:r>
+          </a:p>
+          <a:p>
+            <a:endParaRPr lang="en-US" dirty="0"/>
+          </a:p>
+          <a:p>
+            <a:r>
+              <a:rPr lang="en-US" dirty="0"/>
+              <a:t>The last phase is packaging. The packaging phase generates all the files necessary to deploy your SharePoint Framework solution to SharePoint. These files are combined in to a ZIP archive with the file name **\*.</a:t>
+            </a:r>
+            <a:r>
+              <a:rPr lang="en-US" dirty="0" err="1"/>
+              <a:t>sppkg</a:t>
+            </a:r>
+            <a:r>
+              <a:rPr lang="en-US" dirty="0"/>
+              <a:t>** that's saved to the **</a:t>
+            </a:r>
+            <a:r>
+              <a:rPr lang="en-US" dirty="0" err="1"/>
+              <a:t>sharepoint</a:t>
+            </a:r>
+            <a:r>
+              <a:rPr lang="en-US" dirty="0"/>
+              <a:t>** folder in your project. This file is referred to as the *SharePoint package*.</a:t>
+            </a:r>
+          </a:p>
+          <a:p>
+            <a:endParaRPr lang="en-US" dirty="0"/>
+          </a:p>
+          <a:p>
+            <a:r>
+              <a:rPr lang="en-US" dirty="0"/>
+              <a:t>Prior to packaging all the files into the SharePoint package, the package solution phase generates multiple files necessary for deployment. This includes creating the app manifest, any feature definitions and element manifests necessary for provisioning the components, and collecting all the runtime files such as the bundle, component manifest and string localization files.</a:t>
+            </a:r>
+          </a:p>
+          <a:p>
+            <a:endParaRPr lang="en-US" dirty="0"/>
+          </a:p>
+          <a:p>
+            <a:r>
+              <a:rPr lang="en-US" dirty="0"/>
+              <a:t>Depending on the project configuration, the component runtime files including the bundle, component manifest, localization files, are placed in the **./temp/deploy** folder or added to the package. You can configure this setting using **./config/package-</a:t>
+            </a:r>
+            <a:r>
+              <a:rPr lang="en-US" dirty="0" err="1"/>
+              <a:t>solution.json</a:t>
+            </a:r>
+            <a:r>
+              <a:rPr lang="en-US" dirty="0"/>
+              <a:t>** file using the `</a:t>
+            </a:r>
+            <a:r>
+              <a:rPr lang="en-US" dirty="0" err="1"/>
+              <a:t>includeClientSideAssets</a:t>
+            </a:r>
+            <a:r>
+              <a:rPr lang="en-US" dirty="0"/>
+              <a:t>` property. When set to `true`, the files are added to the package and are automatically provisioned to the SharePoint library **</a:t>
+            </a:r>
+            <a:r>
+              <a:rPr lang="en-US" dirty="0" err="1"/>
+              <a:t>ClientSideAssets</a:t>
+            </a:r>
+            <a:r>
+              <a:rPr lang="en-US" dirty="0"/>
+              <a:t>** in the root of the site collection where the app is installed. Otherwise, when the property is set to `false`, you are responsible for deploying the files to a location your users can access, such as an Azure CDN.</a:t>
+            </a:r>
+          </a:p>
+          <a:p>
+            <a:endParaRPr lang="en-US" dirty="0"/>
+          </a:p>
+          <a:p>
+            <a:r>
+              <a:rPr lang="en-US" dirty="0"/>
+              <a:t>The packaging process is initiated when you run the gulp task **package-solution** from the command line. When you add the optional `--ship` or `-p` to the command, the packaging process will also modify manifest files for production, setting the URL where the component's runtime files can be located. This location is defined in the **./config/write-</a:t>
+            </a:r>
+            <a:r>
+              <a:rPr lang="en-US" dirty="0" err="1"/>
+              <a:t>manifests.json</a:t>
+            </a:r>
+            <a:r>
+              <a:rPr lang="en-US" dirty="0"/>
+              <a:t>** file.</a:t>
+            </a:r>
+          </a:p>
+          <a:p>
+            <a:endParaRPr lang="en-US" dirty="0"/>
+          </a:p>
+          <a:p>
+            <a:r>
+              <a:rPr lang="en-US" dirty="0"/>
+              <a:t>```shell</a:t>
+            </a:r>
+          </a:p>
+          <a:p>
+            <a:r>
+              <a:rPr lang="en-US" dirty="0"/>
+              <a:t>gulp package-solution</a:t>
+            </a:r>
+          </a:p>
+          <a:p>
+            <a:r>
+              <a:rPr lang="en-US" dirty="0"/>
+              <a:t>```</a:t>
+            </a:r>
           </a:p>
         </p:txBody>
       </p:sp>
@@ -10948,7 +11641,7 @@
             <a:spLocks noGrp="1"/>
           </p:cNvSpPr>
           <p:nvPr>
-            <p:ph type="hdr" sz="quarter" idx="10"/>
+            <p:ph type="hdr" sz="quarter"/>
           </p:nvPr>
         </p:nvSpPr>
         <p:spPr/>
@@ -10956,6 +11649,10 @@
           <a:bodyPr/>
           <a:lstStyle/>
           <a:p>
+            <a:r>
+              <a:rPr lang="en-US"/>
+              <a:t>SharePoint Framework</a:t>
+            </a:r>
             <a:endParaRPr lang="en-US" dirty="0"/>
           </a:p>
         </p:txBody>
@@ -10967,7 +11664,7 @@
             <a:spLocks noGrp="1"/>
           </p:cNvSpPr>
           <p:nvPr>
-            <p:ph type="ftr" sz="quarter" idx="11"/>
+            <p:ph type="ftr" sz="quarter" idx="4"/>
           </p:nvPr>
         </p:nvSpPr>
         <p:spPr/>
@@ -11021,7 +11718,7 @@
             <a:spLocks noGrp="1"/>
           </p:cNvSpPr>
           <p:nvPr>
-            <p:ph type="dt" idx="12"/>
+            <p:ph type="dt" idx="1"/>
           </p:nvPr>
         </p:nvSpPr>
         <p:spPr/>
@@ -11031,7 +11728,7 @@
           <a:p>
             <a:fld id="{D18B56EA-E28F-4F92-9F16-7A6F2501B303}" type="datetime8">
               <a:rPr lang="en-US" smtClean="0"/>
-              <a:t>3/14/19 2:48 PM</a:t>
+              <a:t>3/7/20 4:56 AM</a:t>
             </a:fld>
             <a:endParaRPr lang="en-US" dirty="0"/>
           </a:p>
@@ -11044,7 +11741,7 @@
             <a:spLocks noGrp="1"/>
           </p:cNvSpPr>
           <p:nvPr>
-            <p:ph type="sldNum" sz="quarter" idx="13"/>
+            <p:ph type="sldNum" sz="quarter" idx="5"/>
           </p:nvPr>
         </p:nvSpPr>
         <p:spPr/>
@@ -11055,7 +11752,7 @@
             <a:fld id="{B4008EB6-D09E-4580-8CD6-DDB14511944F}" type="slidenum">
               <a:rPr lang="en-US" smtClean="0"/>
               <a:pPr/>
-              <a:t>8</a:t>
+              <a:t>4</a:t>
             </a:fld>
             <a:endParaRPr lang="en-US" dirty="0"/>
           </a:p>
@@ -11064,7 +11761,7 @@
     </p:spTree>
     <p:extLst>
       <p:ext uri="{BB962C8B-B14F-4D97-AF65-F5344CB8AC3E}">
-        <p14:creationId xmlns:p14="http://schemas.microsoft.com/office/powerpoint/2010/main" val="3738293785"/>
+        <p14:creationId xmlns:p14="http://schemas.microsoft.com/office/powerpoint/2010/main" val="4009473812"/>
       </p:ext>
     </p:extLst>
   </p:cSld>
@@ -11118,6 +11815,116 @@
           <a:bodyPr/>
           <a:lstStyle/>
           <a:p>
+            <a:r>
+              <a:rPr lang="en-US" dirty="0"/>
+              <a:t>In the previous section, you learned that two of the gulp tasks used in creating a SharePoint package support an optional `--ship` switch. This switch indicates you are bundling and packaging for production. When the switch isn't present, it indicates you are bundling and packaging for development or debugging.</a:t>
+            </a:r>
+          </a:p>
+          <a:p>
+            <a:endParaRPr lang="en-US" dirty="0"/>
+          </a:p>
+          <a:p>
+            <a:r>
+              <a:rPr lang="en-US" dirty="0"/>
+              <a:t>The gulp **build** task doesn't have any switches, but both the **bundle** and **package-solution** tasks support the optional `--ship` switch. When running **bundle** and **package-solution**, make sure both either use or don't use the `--ship` switch. In other worse, don't use it on one and not the other.</a:t>
+            </a:r>
+          </a:p>
+          <a:p>
+            <a:endParaRPr lang="en-US" dirty="0"/>
+          </a:p>
+          <a:p>
+            <a:r>
+              <a:rPr lang="en-US" dirty="0"/>
+              <a:t>### Debug mode</a:t>
+            </a:r>
+          </a:p>
+          <a:p>
+            <a:endParaRPr lang="en-US" dirty="0"/>
+          </a:p>
+          <a:p>
+            <a:r>
+              <a:rPr lang="en-US" dirty="0"/>
+              <a:t>When bundling and packaging the solution in debug mode, all generated files are left un-minified. This means the code comments and white space is left in the generated bundle and component manifest files.</a:t>
+            </a:r>
+          </a:p>
+          <a:p>
+            <a:endParaRPr lang="en-US" dirty="0"/>
+          </a:p>
+          <a:p>
+            <a:r>
+              <a:rPr lang="en-US" dirty="0"/>
+              <a:t>The bundling process also generates JavaScript source map files that can be used when debugging the component at runtime. Source map files map the generated JavaScript to the source TypeScript code so when a breakpoint is hit in JavaScript, you'll be able to easily debug the TypeScript and not have to figure out what TypeScript code mapped to the generated JavaScript code.</a:t>
+            </a:r>
+          </a:p>
+          <a:p>
+            <a:endParaRPr lang="en-US" dirty="0"/>
+          </a:p>
+          <a:p>
+            <a:r>
+              <a:rPr lang="en-US" dirty="0"/>
+              <a:t>The debug mode assumes that all files are served from the local web server. Even if you deploy and install the SharePoint package in a SharePoint environment, SharePoint will look for the component's bundle and manifest file on the local web server.</a:t>
+            </a:r>
+          </a:p>
+          <a:p>
+            <a:endParaRPr lang="en-US" dirty="0"/>
+          </a:p>
+          <a:p>
+            <a:r>
+              <a:rPr lang="en-US" dirty="0"/>
+              <a:t>## Production mode</a:t>
+            </a:r>
+          </a:p>
+          <a:p>
+            <a:endParaRPr lang="en-US" dirty="0"/>
+          </a:p>
+          <a:p>
+            <a:r>
+              <a:rPr lang="en-US" dirty="0"/>
+              <a:t>When bundling and packaging the solution in production mode, all generated files are minified. This means the code comments and white space is removed in the generated bundle and component manifest files to create the smallest files that will be downloaded at runtime in the browser.</a:t>
+            </a:r>
+          </a:p>
+          <a:p>
+            <a:endParaRPr lang="en-US" dirty="0"/>
+          </a:p>
+          <a:p>
+            <a:r>
+              <a:rPr lang="en-US" dirty="0"/>
+              <a:t>Unlike the debug mode, the production mode does not generate source map files.</a:t>
+            </a:r>
+          </a:p>
+          <a:p>
+            <a:endParaRPr lang="en-US" dirty="0"/>
+          </a:p>
+          <a:p>
+            <a:r>
+              <a:rPr lang="en-US" dirty="0"/>
+              <a:t>&gt; [!TIP]</a:t>
+            </a:r>
+          </a:p>
+          <a:p>
+            <a:r>
+              <a:rPr lang="en-US" dirty="0"/>
+              <a:t>&gt; Developers can configure the webpack configuration using the SharePoint Framework build toolchain API to generate source map files when bundling in production mode.</a:t>
+            </a:r>
+          </a:p>
+          <a:p>
+            <a:endParaRPr lang="en-US" dirty="0"/>
+          </a:p>
+          <a:p>
+            <a:r>
+              <a:rPr lang="en-US" dirty="0"/>
+              <a:t>The production mode assumes that all files are served from their production locations. This is defined in the **./config/write-</a:t>
+            </a:r>
+            <a:r>
+              <a:rPr lang="en-US" dirty="0" err="1"/>
+              <a:t>manifests.json</a:t>
+            </a:r>
+            <a:r>
+              <a:rPr lang="en-US" dirty="0"/>
+              <a:t>** configuration file.</a:t>
+            </a:r>
+          </a:p>
+          <a:p>
             <a:endParaRPr lang="en-US" dirty="0"/>
           </a:p>
         </p:txBody>
@@ -11129,7 +11936,7 @@
             <a:spLocks noGrp="1"/>
           </p:cNvSpPr>
           <p:nvPr>
-            <p:ph type="hdr" sz="quarter" idx="10"/>
+            <p:ph type="hdr" sz="quarter"/>
           </p:nvPr>
         </p:nvSpPr>
         <p:spPr/>
@@ -11137,6 +11944,10 @@
           <a:bodyPr/>
           <a:lstStyle/>
           <a:p>
+            <a:r>
+              <a:rPr lang="en-US"/>
+              <a:t>SharePoint Framework</a:t>
+            </a:r>
             <a:endParaRPr lang="en-US" dirty="0"/>
           </a:p>
         </p:txBody>
@@ -11148,7 +11959,7 @@
             <a:spLocks noGrp="1"/>
           </p:cNvSpPr>
           <p:nvPr>
-            <p:ph type="ftr" sz="quarter" idx="11"/>
+            <p:ph type="ftr" sz="quarter" idx="4"/>
           </p:nvPr>
         </p:nvSpPr>
         <p:spPr/>
@@ -11202,7 +12013,7 @@
             <a:spLocks noGrp="1"/>
           </p:cNvSpPr>
           <p:nvPr>
-            <p:ph type="dt" idx="12"/>
+            <p:ph type="dt" idx="1"/>
           </p:nvPr>
         </p:nvSpPr>
         <p:spPr/>
@@ -11212,7 +12023,7 @@
           <a:p>
             <a:fld id="{D18B56EA-E28F-4F92-9F16-7A6F2501B303}" type="datetime8">
               <a:rPr lang="en-US" smtClean="0"/>
-              <a:t>3/14/19 1:59 PM</a:t>
+              <a:t>3/7/20 5:07 AM</a:t>
             </a:fld>
             <a:endParaRPr lang="en-US" dirty="0"/>
           </a:p>
@@ -11225,7 +12036,7 @@
             <a:spLocks noGrp="1"/>
           </p:cNvSpPr>
           <p:nvPr>
-            <p:ph type="sldNum" sz="quarter" idx="13"/>
+            <p:ph type="sldNum" sz="quarter" idx="5"/>
           </p:nvPr>
         </p:nvSpPr>
         <p:spPr/>
@@ -11236,7 +12047,7 @@
             <a:fld id="{B4008EB6-D09E-4580-8CD6-DDB14511944F}" type="slidenum">
               <a:rPr lang="en-US" smtClean="0"/>
               <a:pPr/>
-              <a:t>10</a:t>
+              <a:t>5</a:t>
             </a:fld>
             <a:endParaRPr lang="en-US" dirty="0"/>
           </a:p>
@@ -11245,7 +12056,7 @@
     </p:spTree>
     <p:extLst>
       <p:ext uri="{BB962C8B-B14F-4D97-AF65-F5344CB8AC3E}">
-        <p14:creationId xmlns:p14="http://schemas.microsoft.com/office/powerpoint/2010/main" val="3282806226"/>
+        <p14:creationId xmlns:p14="http://schemas.microsoft.com/office/powerpoint/2010/main" val="293988904"/>
       </p:ext>
     </p:extLst>
   </p:cSld>
@@ -11299,7 +12110,116 @@
           <a:bodyPr/>
           <a:lstStyle/>
           <a:p>
-            <a:endParaRPr lang="en-US"/>
+            <a:r>
+              <a:rPr lang="en-US" dirty="0"/>
+              <a:t>After creating the SharePoint package, the next step is to deploy it to a SharePoint environment. There are two ways to deploy SharePoint packages. Both options are SharePoint App Catalogs.</a:t>
+            </a:r>
+          </a:p>
+          <a:p>
+            <a:endParaRPr lang="en-US" dirty="0"/>
+          </a:p>
+          <a:p>
+            <a:r>
+              <a:rPr lang="en-US" dirty="0"/>
+              <a:t>SharePoint Online supports two types of App Catalogs: tenant-scoped and site collection-scoped.</a:t>
+            </a:r>
+          </a:p>
+          <a:p>
+            <a:endParaRPr lang="en-US" dirty="0"/>
+          </a:p>
+          <a:p>
+            <a:r>
+              <a:rPr lang="en-US" dirty="0"/>
+              <a:t>The other part of package deployment addresses the runtime files required for your component to function. This includes your component's JavaScript bundle and manifest files as well as any external dependencies. These files must be deployed to a hosting location that all the users on a site can access.</a:t>
+            </a:r>
+          </a:p>
+          <a:p>
+            <a:endParaRPr lang="en-US" dirty="0"/>
+          </a:p>
+          <a:p>
+            <a:r>
+              <a:rPr lang="en-US" dirty="0"/>
+              <a:t>### Deploying component runtime files</a:t>
+            </a:r>
+          </a:p>
+          <a:p>
+            <a:endParaRPr lang="en-US" dirty="0"/>
+          </a:p>
+          <a:p>
+            <a:r>
+              <a:rPr lang="en-US" dirty="0"/>
+              <a:t>The decision on where to host these runtime files falls into two categories. The first category are manual options. With this option, you manually copy or upload files to the target location. Some examples of the manual deployment option include the Office 365 CDN, an Azure CDN, or any location that is on a public or internal URL. The only requirement is that the files must be accessible to the users of your site.</a:t>
+            </a:r>
+          </a:p>
+          <a:p>
+            <a:endParaRPr lang="en-US" dirty="0"/>
+          </a:p>
+          <a:p>
+            <a:r>
+              <a:rPr lang="en-US" dirty="0"/>
+              <a:t>The other option to deploy the runtime files is more automatic. In late 2017, Microsoft introduced a setting `</a:t>
+            </a:r>
+            <a:r>
+              <a:rPr lang="en-US" dirty="0" err="1"/>
+              <a:t>includeClientAssets</a:t>
+            </a:r>
+            <a:r>
+              <a:rPr lang="en-US" dirty="0"/>
+              <a:t>` to the **./</a:t>
+            </a:r>
+            <a:r>
+              <a:rPr lang="en-US" dirty="0" err="1"/>
+              <a:t>src</a:t>
+            </a:r>
+            <a:r>
+              <a:rPr lang="en-US" dirty="0"/>
+              <a:t>/config/package-</a:t>
+            </a:r>
+            <a:r>
+              <a:rPr lang="en-US" dirty="0" err="1"/>
+              <a:t>solution.json</a:t>
+            </a:r>
+            <a:r>
+              <a:rPr lang="en-US" dirty="0"/>
+              <a:t>** file. When this property is set to true, the runtime files are included in the SharePoint package.</a:t>
+            </a:r>
+          </a:p>
+          <a:p>
+            <a:endParaRPr lang="en-US" dirty="0"/>
+          </a:p>
+          <a:p>
+            <a:r>
+              <a:rPr lang="en-US" dirty="0"/>
+              <a:t>When you install an app from the SharePoint package in a site collection, SharePoint will copy the runtime files to a hidden library, **</a:t>
+            </a:r>
+            <a:r>
+              <a:rPr lang="en-US" dirty="0" err="1"/>
+              <a:t>ClientSideAssets</a:t>
+            </a:r>
+            <a:r>
+              <a:rPr lang="en-US" dirty="0"/>
+              <a:t>**, in the root of the site collection. Your component's manifest file contains a special URL that is replaced at runtime by the SharePoint Framework to point to the site collection's **</a:t>
+            </a:r>
+            <a:r>
+              <a:rPr lang="en-US" dirty="0" err="1"/>
+              <a:t>ClientSideAssets</a:t>
+            </a:r>
+            <a:r>
+              <a:rPr lang="en-US" dirty="0"/>
+              <a:t>** library.</a:t>
+            </a:r>
+          </a:p>
+          <a:p>
+            <a:endParaRPr lang="en-US" dirty="0"/>
+          </a:p>
+          <a:p>
+            <a:r>
+              <a:rPr lang="en-US" dirty="0"/>
+              <a:t>If you've enabled the Office 365 CDN, this library is included in the list of libraries that are backed by the CDN. </a:t>
+            </a:r>
+          </a:p>
+          <a:p>
+            <a:endParaRPr lang="en-US" dirty="0"/>
           </a:p>
         </p:txBody>
       </p:sp>
@@ -11310,7 +12230,7 @@
             <a:spLocks noGrp="1"/>
           </p:cNvSpPr>
           <p:nvPr>
-            <p:ph type="hdr" sz="quarter" idx="10"/>
+            <p:ph type="hdr" sz="quarter"/>
           </p:nvPr>
         </p:nvSpPr>
         <p:spPr/>
@@ -11318,6 +12238,10 @@
           <a:bodyPr/>
           <a:lstStyle/>
           <a:p>
+            <a:r>
+              <a:rPr lang="en-US"/>
+              <a:t>SharePoint Framework</a:t>
+            </a:r>
             <a:endParaRPr lang="en-US" dirty="0"/>
           </a:p>
         </p:txBody>
@@ -11329,7 +12253,7 @@
             <a:spLocks noGrp="1"/>
           </p:cNvSpPr>
           <p:nvPr>
-            <p:ph type="ftr" sz="quarter" idx="11"/>
+            <p:ph type="ftr" sz="quarter" idx="4"/>
           </p:nvPr>
         </p:nvSpPr>
         <p:spPr/>
@@ -11383,7 +12307,7 @@
             <a:spLocks noGrp="1"/>
           </p:cNvSpPr>
           <p:nvPr>
-            <p:ph type="dt" idx="12"/>
+            <p:ph type="dt" idx="1"/>
           </p:nvPr>
         </p:nvSpPr>
         <p:spPr/>
@@ -11393,7 +12317,7 @@
           <a:p>
             <a:fld id="{D18B56EA-E28F-4F92-9F16-7A6F2501B303}" type="datetime8">
               <a:rPr lang="en-US" smtClean="0"/>
-              <a:t>3/14/19 1:45 PM</a:t>
+              <a:t>3/8/20 6:58 AM</a:t>
             </a:fld>
             <a:endParaRPr lang="en-US" dirty="0"/>
           </a:p>
@@ -11406,7 +12330,7 @@
             <a:spLocks noGrp="1"/>
           </p:cNvSpPr>
           <p:nvPr>
-            <p:ph type="sldNum" sz="quarter" idx="13"/>
+            <p:ph type="sldNum" sz="quarter" idx="5"/>
           </p:nvPr>
         </p:nvSpPr>
         <p:spPr/>
@@ -11417,7 +12341,7 @@
             <a:fld id="{B4008EB6-D09E-4580-8CD6-DDB14511944F}" type="slidenum">
               <a:rPr lang="en-US" smtClean="0"/>
               <a:pPr/>
-              <a:t>11</a:t>
+              <a:t>6</a:t>
             </a:fld>
             <a:endParaRPr lang="en-US" dirty="0"/>
           </a:p>
@@ -11426,7 +12350,7 @@
     </p:spTree>
     <p:extLst>
       <p:ext uri="{BB962C8B-B14F-4D97-AF65-F5344CB8AC3E}">
-        <p14:creationId xmlns:p14="http://schemas.microsoft.com/office/powerpoint/2010/main" val="2510823477"/>
+        <p14:creationId xmlns:p14="http://schemas.microsoft.com/office/powerpoint/2010/main" val="3275783804"/>
       </p:ext>
     </p:extLst>
   </p:cSld>
@@ -11480,7 +12404,74 @@
           <a:bodyPr/>
           <a:lstStyle/>
           <a:p>
-            <a:endParaRPr lang="en-US"/>
+            <a:r>
+              <a:rPr lang="en-US" dirty="0"/>
+              <a:t>Let's review the deployment and installation steps for a SharePoint Framework solution.</a:t>
+            </a:r>
+          </a:p>
+          <a:p>
+            <a:endParaRPr lang="en-US" dirty="0"/>
+          </a:p>
+          <a:p>
+            <a:pPr marL="171450" indent="-171450">
+              <a:buFont typeface="Arial" panose="020B0604020202020204" pitchFamily="34" charset="0"/>
+              <a:buChar char="•"/>
+            </a:pPr>
+            <a:r>
+              <a:rPr lang="en-US" dirty="0"/>
+              <a:t>Build the project: The first step is to build your project with the **gulp build** command. This will create all the files that are used in the deployment of your solution. </a:t>
+            </a:r>
+          </a:p>
+          <a:p>
+            <a:pPr marL="171450" indent="-171450">
+              <a:buFont typeface="Arial" panose="020B0604020202020204" pitchFamily="34" charset="0"/>
+              <a:buChar char="•"/>
+            </a:pPr>
+            <a:r>
+              <a:rPr lang="en-US" dirty="0"/>
+              <a:t>Generate the bundle and manifest: Next, create the component bundle and manifest files for production using the **gulp bundle --ship** command. This step takes the files from the build step and creates the files that will be deployed to SharePoint.</a:t>
+            </a:r>
+          </a:p>
+          <a:p>
+            <a:pPr marL="171450" indent="-171450">
+              <a:buFont typeface="Arial" panose="020B0604020202020204" pitchFamily="34" charset="0"/>
+              <a:buChar char="•"/>
+            </a:pPr>
+            <a:r>
+              <a:rPr lang="en-US" dirty="0"/>
+              <a:t>Generate the SharePoint package: The final step in the packaging process is to create the SharePoint package with the **gulp package-solution --ship** command. This step takes the results from the bundle phase, generates the necessary deployment files including an app manifest and associated feature files, and packages them into a single archive named **\*.</a:t>
+            </a:r>
+            <a:r>
+              <a:rPr lang="en-US" dirty="0" err="1"/>
+              <a:t>sppkg</a:t>
+            </a:r>
+            <a:r>
+              <a:rPr lang="en-US" dirty="0"/>
+              <a:t>**.</a:t>
+            </a:r>
+          </a:p>
+          <a:p>
+            <a:pPr marL="171450" indent="-171450">
+              <a:buFont typeface="Arial" panose="020B0604020202020204" pitchFamily="34" charset="0"/>
+              <a:buChar char="•"/>
+            </a:pPr>
+            <a:r>
+              <a:rPr lang="en-US" dirty="0"/>
+              <a:t>Upload the package to the App Catalog: Now that you've created the package, the next step is to upload the package to one of the SharePoint App Catalogs. Part of this process is to also trust the package, indicating to SharePoint the app within the SharePoint package are safe to run in your environment. This step makes the components available for installation and use within your SharePoint environment.</a:t>
+            </a:r>
+          </a:p>
+          <a:p>
+            <a:pPr marL="171450" indent="-171450">
+              <a:buFont typeface="Arial" panose="020B0604020202020204" pitchFamily="34" charset="0"/>
+              <a:buChar char="•"/>
+            </a:pPr>
+            <a:r>
+              <a:rPr lang="en-US" dirty="0"/>
+              <a:t>Install the app from the site collection's Site Contents page: The last step is to install the app from the package into a site collection. This is done from the **New &gt; App** menu in the **Site Contents** library in a site collection.</a:t>
+            </a:r>
+          </a:p>
+          <a:p>
+            <a:endParaRPr lang="en-US" dirty="0"/>
           </a:p>
         </p:txBody>
       </p:sp>
@@ -11491,7 +12482,7 @@
             <a:spLocks noGrp="1"/>
           </p:cNvSpPr>
           <p:nvPr>
-            <p:ph type="hdr" sz="quarter" idx="10"/>
+            <p:ph type="hdr" sz="quarter"/>
           </p:nvPr>
         </p:nvSpPr>
         <p:spPr/>
@@ -11499,6 +12490,10 @@
           <a:bodyPr/>
           <a:lstStyle/>
           <a:p>
+            <a:r>
+              <a:rPr lang="en-US"/>
+              <a:t>SharePoint Framework</a:t>
+            </a:r>
             <a:endParaRPr lang="en-US" dirty="0"/>
           </a:p>
         </p:txBody>
@@ -11510,7 +12505,7 @@
             <a:spLocks noGrp="1"/>
           </p:cNvSpPr>
           <p:nvPr>
-            <p:ph type="ftr" sz="quarter" idx="11"/>
+            <p:ph type="ftr" sz="quarter" idx="4"/>
           </p:nvPr>
         </p:nvSpPr>
         <p:spPr/>
@@ -11564,6 +12559,187 @@
             <a:spLocks noGrp="1"/>
           </p:cNvSpPr>
           <p:nvPr>
+            <p:ph type="dt" idx="1"/>
+          </p:nvPr>
+        </p:nvSpPr>
+        <p:spPr/>
+        <p:txBody>
+          <a:bodyPr/>
+          <a:lstStyle/>
+          <a:p>
+            <a:fld id="{D18B56EA-E28F-4F92-9F16-7A6F2501B303}" type="datetime8">
+              <a:rPr lang="en-US" smtClean="0"/>
+              <a:t>3/8/20 7:11 AM</a:t>
+            </a:fld>
+            <a:endParaRPr lang="en-US" dirty="0"/>
+          </a:p>
+        </p:txBody>
+      </p:sp>
+      <p:sp>
+        <p:nvSpPr>
+          <p:cNvPr id="7" name="Slide Number Placeholder 6"/>
+          <p:cNvSpPr>
+            <a:spLocks noGrp="1"/>
+          </p:cNvSpPr>
+          <p:nvPr>
+            <p:ph type="sldNum" sz="quarter" idx="5"/>
+          </p:nvPr>
+        </p:nvSpPr>
+        <p:spPr/>
+        <p:txBody>
+          <a:bodyPr/>
+          <a:lstStyle/>
+          <a:p>
+            <a:fld id="{B4008EB6-D09E-4580-8CD6-DDB14511944F}" type="slidenum">
+              <a:rPr lang="en-US" smtClean="0"/>
+              <a:pPr/>
+              <a:t>7</a:t>
+            </a:fld>
+            <a:endParaRPr lang="en-US" dirty="0"/>
+          </a:p>
+        </p:txBody>
+      </p:sp>
+    </p:spTree>
+    <p:extLst>
+      <p:ext uri="{BB962C8B-B14F-4D97-AF65-F5344CB8AC3E}">
+        <p14:creationId xmlns:p14="http://schemas.microsoft.com/office/powerpoint/2010/main" val="3142137961"/>
+      </p:ext>
+    </p:extLst>
+  </p:cSld>
+  <p:clrMapOvr>
+    <a:masterClrMapping/>
+  </p:clrMapOvr>
+</p:notes>
+</file>
+
+<file path=ppt/notesSlides/notesSlide8.xml><?xml version="1.0" encoding="utf-8"?>
+<p:notes xmlns:a="http://schemas.openxmlformats.org/drawingml/2006/main" xmlns:r="http://schemas.openxmlformats.org/officeDocument/2006/relationships" xmlns:p="http://schemas.openxmlformats.org/presentationml/2006/main">
+  <p:cSld>
+    <p:spTree>
+      <p:nvGrpSpPr>
+        <p:cNvPr id="1" name=""/>
+        <p:cNvGrpSpPr/>
+        <p:nvPr/>
+      </p:nvGrpSpPr>
+      <p:grpSpPr>
+        <a:xfrm>
+          <a:off x="0" y="0"/>
+          <a:ext cx="0" cy="0"/>
+          <a:chOff x="0" y="0"/>
+          <a:chExt cx="0" cy="0"/>
+        </a:xfrm>
+      </p:grpSpPr>
+      <p:sp>
+        <p:nvSpPr>
+          <p:cNvPr id="2" name="Slide Image Placeholder 1"/>
+          <p:cNvSpPr>
+            <a:spLocks noGrp="1" noRot="1" noChangeAspect="1"/>
+          </p:cNvSpPr>
+          <p:nvPr>
+            <p:ph type="sldImg"/>
+          </p:nvPr>
+        </p:nvSpPr>
+        <p:spPr/>
+      </p:sp>
+      <p:sp>
+        <p:nvSpPr>
+          <p:cNvPr id="3" name="Notes Placeholder 2"/>
+          <p:cNvSpPr>
+            <a:spLocks noGrp="1"/>
+          </p:cNvSpPr>
+          <p:nvPr>
+            <p:ph type="body" idx="1"/>
+          </p:nvPr>
+        </p:nvSpPr>
+        <p:spPr/>
+        <p:txBody>
+          <a:bodyPr/>
+          <a:lstStyle/>
+          <a:p>
+            <a:endParaRPr lang="en-US"/>
+          </a:p>
+        </p:txBody>
+      </p:sp>
+      <p:sp>
+        <p:nvSpPr>
+          <p:cNvPr id="4" name="Header Placeholder 3"/>
+          <p:cNvSpPr>
+            <a:spLocks noGrp="1"/>
+          </p:cNvSpPr>
+          <p:nvPr>
+            <p:ph type="hdr" sz="quarter" idx="10"/>
+          </p:nvPr>
+        </p:nvSpPr>
+        <p:spPr/>
+        <p:txBody>
+          <a:bodyPr/>
+          <a:lstStyle/>
+          <a:p>
+            <a:endParaRPr lang="en-US" dirty="0"/>
+          </a:p>
+        </p:txBody>
+      </p:sp>
+      <p:sp>
+        <p:nvSpPr>
+          <p:cNvPr id="5" name="Footer Placeholder 4"/>
+          <p:cNvSpPr>
+            <a:spLocks noGrp="1"/>
+          </p:cNvSpPr>
+          <p:nvPr>
+            <p:ph type="ftr" sz="quarter" idx="11"/>
+          </p:nvPr>
+        </p:nvSpPr>
+        <p:spPr/>
+        <p:txBody>
+          <a:bodyPr/>
+          <a:lstStyle/>
+          <a:p>
+            <a:pPr defTabSz="914099" eaLnBrk="0" hangingPunct="0"/>
+            <a:r>
+              <a:rPr lang="en-US" sz="400">
+                <a:gradFill>
+                  <a:gsLst>
+                    <a:gs pos="0">
+                      <a:prstClr val="black"/>
+                    </a:gs>
+                    <a:gs pos="100000">
+                      <a:prstClr val="black"/>
+                    </a:gs>
+                  </a:gsLst>
+                  <a:lin ang="5400000" scaled="0"/>
+                </a:gradFill>
+                <a:latin typeface="Segoe UI" pitchFamily="34" charset="0"/>
+                <a:ea typeface="Segoe UI" pitchFamily="34" charset="0"/>
+                <a:cs typeface="Segoe UI" pitchFamily="34" charset="0"/>
+              </a:rPr>
+              <a:t>© Microsoft Corporation. All rights reserved. MICROSOFT MAKES NO WARRANTIES, EXPRESS, IMPLIED OR STATUTORY, AS TO THE INFORMATION IN THIS PRESENTATION.</a:t>
+            </a:r>
+            <a:endParaRPr lang="en-US" sz="400" dirty="0">
+              <a:gradFill>
+                <a:gsLst>
+                  <a:gs pos="0">
+                    <a:prstClr val="black"/>
+                  </a:gs>
+                  <a:gs pos="100000">
+                    <a:prstClr val="black"/>
+                  </a:gs>
+                </a:gsLst>
+                <a:lin ang="5400000" scaled="0"/>
+              </a:gradFill>
+              <a:latin typeface="Segoe UI" pitchFamily="34" charset="0"/>
+              <a:ea typeface="Segoe UI" pitchFamily="34" charset="0"/>
+              <a:cs typeface="Segoe UI" pitchFamily="34" charset="0"/>
+            </a:endParaRPr>
+          </a:p>
+        </p:txBody>
+      </p:sp>
+      <p:sp>
+        <p:nvSpPr>
+          <p:cNvPr id="6" name="Date Placeholder 5"/>
+          <p:cNvSpPr>
+            <a:spLocks noGrp="1"/>
+          </p:cNvSpPr>
+          <p:nvPr>
             <p:ph type="dt" idx="12"/>
           </p:nvPr>
         </p:nvSpPr>
@@ -11574,7 +12750,7 @@
           <a:p>
             <a:fld id="{D18B56EA-E28F-4F92-9F16-7A6F2501B303}" type="datetime8">
               <a:rPr lang="en-US" smtClean="0"/>
-              <a:t>3/14/19 1:45 PM</a:t>
+              <a:t>3/6/20 3:29 PM</a:t>
             </a:fld>
             <a:endParaRPr lang="en-US" dirty="0"/>
           </a:p>
@@ -11598,7 +12774,7 @@
             <a:fld id="{B4008EB6-D09E-4580-8CD6-DDB14511944F}" type="slidenum">
               <a:rPr lang="en-US" smtClean="0"/>
               <a:pPr/>
-              <a:t>12</a:t>
+              <a:t>8</a:t>
             </a:fld>
             <a:endParaRPr lang="en-US" dirty="0"/>
           </a:p>
@@ -11607,7 +12783,188 @@
     </p:spTree>
     <p:extLst>
       <p:ext uri="{BB962C8B-B14F-4D97-AF65-F5344CB8AC3E}">
-        <p14:creationId xmlns:p14="http://schemas.microsoft.com/office/powerpoint/2010/main" val="1685519606"/>
+        <p14:creationId xmlns:p14="http://schemas.microsoft.com/office/powerpoint/2010/main" val="3738293785"/>
+      </p:ext>
+    </p:extLst>
+  </p:cSld>
+  <p:clrMapOvr>
+    <a:masterClrMapping/>
+  </p:clrMapOvr>
+</p:notes>
+</file>
+
+<file path=ppt/notesSlides/notesSlide9.xml><?xml version="1.0" encoding="utf-8"?>
+<p:notes xmlns:a="http://schemas.openxmlformats.org/drawingml/2006/main" xmlns:r="http://schemas.openxmlformats.org/officeDocument/2006/relationships" xmlns:p="http://schemas.openxmlformats.org/presentationml/2006/main">
+  <p:cSld>
+    <p:spTree>
+      <p:nvGrpSpPr>
+        <p:cNvPr id="1" name=""/>
+        <p:cNvGrpSpPr/>
+        <p:nvPr/>
+      </p:nvGrpSpPr>
+      <p:grpSpPr>
+        <a:xfrm>
+          <a:off x="0" y="0"/>
+          <a:ext cx="0" cy="0"/>
+          <a:chOff x="0" y="0"/>
+          <a:chExt cx="0" cy="0"/>
+        </a:xfrm>
+      </p:grpSpPr>
+      <p:sp>
+        <p:nvSpPr>
+          <p:cNvPr id="2" name="Slide Image Placeholder 1"/>
+          <p:cNvSpPr>
+            <a:spLocks noGrp="1" noRot="1" noChangeAspect="1"/>
+          </p:cNvSpPr>
+          <p:nvPr>
+            <p:ph type="sldImg"/>
+          </p:nvPr>
+        </p:nvSpPr>
+        <p:spPr/>
+      </p:sp>
+      <p:sp>
+        <p:nvSpPr>
+          <p:cNvPr id="3" name="Notes Placeholder 2"/>
+          <p:cNvSpPr>
+            <a:spLocks noGrp="1"/>
+          </p:cNvSpPr>
+          <p:nvPr>
+            <p:ph type="body" idx="1"/>
+          </p:nvPr>
+        </p:nvSpPr>
+        <p:spPr/>
+        <p:txBody>
+          <a:bodyPr/>
+          <a:lstStyle/>
+          <a:p>
+            <a:endParaRPr lang="en-US" dirty="0"/>
+          </a:p>
+        </p:txBody>
+      </p:sp>
+      <p:sp>
+        <p:nvSpPr>
+          <p:cNvPr id="4" name="Header Placeholder 3"/>
+          <p:cNvSpPr>
+            <a:spLocks noGrp="1"/>
+          </p:cNvSpPr>
+          <p:nvPr>
+            <p:ph type="hdr" sz="quarter" idx="10"/>
+          </p:nvPr>
+        </p:nvSpPr>
+        <p:spPr/>
+        <p:txBody>
+          <a:bodyPr/>
+          <a:lstStyle/>
+          <a:p>
+            <a:endParaRPr lang="en-US" dirty="0"/>
+          </a:p>
+        </p:txBody>
+      </p:sp>
+      <p:sp>
+        <p:nvSpPr>
+          <p:cNvPr id="5" name="Footer Placeholder 4"/>
+          <p:cNvSpPr>
+            <a:spLocks noGrp="1"/>
+          </p:cNvSpPr>
+          <p:nvPr>
+            <p:ph type="ftr" sz="quarter" idx="11"/>
+          </p:nvPr>
+        </p:nvSpPr>
+        <p:spPr/>
+        <p:txBody>
+          <a:bodyPr/>
+          <a:lstStyle/>
+          <a:p>
+            <a:pPr defTabSz="914099" eaLnBrk="0" hangingPunct="0"/>
+            <a:r>
+              <a:rPr lang="en-US" sz="400">
+                <a:gradFill>
+                  <a:gsLst>
+                    <a:gs pos="0">
+                      <a:prstClr val="black"/>
+                    </a:gs>
+                    <a:gs pos="100000">
+                      <a:prstClr val="black"/>
+                    </a:gs>
+                  </a:gsLst>
+                  <a:lin ang="5400000" scaled="0"/>
+                </a:gradFill>
+                <a:latin typeface="Segoe UI" pitchFamily="34" charset="0"/>
+                <a:ea typeface="Segoe UI" pitchFamily="34" charset="0"/>
+                <a:cs typeface="Segoe UI" pitchFamily="34" charset="0"/>
+              </a:rPr>
+              <a:t>© Microsoft Corporation. All rights reserved. MICROSOFT MAKES NO WARRANTIES, EXPRESS, IMPLIED OR STATUTORY, AS TO THE INFORMATION IN THIS PRESENTATION.</a:t>
+            </a:r>
+            <a:endParaRPr lang="en-US" sz="400" dirty="0">
+              <a:gradFill>
+                <a:gsLst>
+                  <a:gs pos="0">
+                    <a:prstClr val="black"/>
+                  </a:gs>
+                  <a:gs pos="100000">
+                    <a:prstClr val="black"/>
+                  </a:gs>
+                </a:gsLst>
+                <a:lin ang="5400000" scaled="0"/>
+              </a:gradFill>
+              <a:latin typeface="Segoe UI" pitchFamily="34" charset="0"/>
+              <a:ea typeface="Segoe UI" pitchFamily="34" charset="0"/>
+              <a:cs typeface="Segoe UI" pitchFamily="34" charset="0"/>
+            </a:endParaRPr>
+          </a:p>
+        </p:txBody>
+      </p:sp>
+      <p:sp>
+        <p:nvSpPr>
+          <p:cNvPr id="6" name="Date Placeholder 5"/>
+          <p:cNvSpPr>
+            <a:spLocks noGrp="1"/>
+          </p:cNvSpPr>
+          <p:nvPr>
+            <p:ph type="dt" idx="12"/>
+          </p:nvPr>
+        </p:nvSpPr>
+        <p:spPr/>
+        <p:txBody>
+          <a:bodyPr/>
+          <a:lstStyle/>
+          <a:p>
+            <a:fld id="{D18B56EA-E28F-4F92-9F16-7A6F2501B303}" type="datetime8">
+              <a:rPr lang="en-US" smtClean="0"/>
+              <a:t>3/6/20 3:29 PM</a:t>
+            </a:fld>
+            <a:endParaRPr lang="en-US" dirty="0"/>
+          </a:p>
+        </p:txBody>
+      </p:sp>
+      <p:sp>
+        <p:nvSpPr>
+          <p:cNvPr id="7" name="Slide Number Placeholder 6"/>
+          <p:cNvSpPr>
+            <a:spLocks noGrp="1"/>
+          </p:cNvSpPr>
+          <p:nvPr>
+            <p:ph type="sldNum" sz="quarter" idx="13"/>
+          </p:nvPr>
+        </p:nvSpPr>
+        <p:spPr/>
+        <p:txBody>
+          <a:bodyPr/>
+          <a:lstStyle/>
+          <a:p>
+            <a:fld id="{B4008EB6-D09E-4580-8CD6-DDB14511944F}" type="slidenum">
+              <a:rPr lang="en-US" smtClean="0"/>
+              <a:pPr/>
+              <a:t>10</a:t>
+            </a:fld>
+            <a:endParaRPr lang="en-US" dirty="0"/>
+          </a:p>
+        </p:txBody>
+      </p:sp>
+    </p:spTree>
+    <p:extLst>
+      <p:ext uri="{BB962C8B-B14F-4D97-AF65-F5344CB8AC3E}">
+        <p14:creationId xmlns:p14="http://schemas.microsoft.com/office/powerpoint/2010/main" val="3282806226"/>
       </p:ext>
     </p:extLst>
   </p:cSld>
@@ -24142,7 +25499,7 @@
       </a:lvl9pPr>
     </p:otherStyle>
   </p:txStyles>
-  <p:extLst mod="1">
+  <p:extLst>
     <p:ext uri="{27BBF7A9-308A-43DC-89C8-2F10F3537804}">
       <p15:sldGuideLst xmlns:p15="http://schemas.microsoft.com/office/powerpoint/2012/main">
         <p15:guide id="3" pos="1381" userDrawn="1">
@@ -25217,7 +26574,7 @@
         </p:xfrm>
         <a:graphic>
           <a:graphicData uri="http://schemas.openxmlformats.org/drawingml/2006/diagram">
-            <dgm:relIds xmlns:dgm="http://schemas.openxmlformats.org/drawingml/2006/diagram" xmlns:r="http://schemas.openxmlformats.org/officeDocument/2006/relationships" r:dm="rId2" r:lo="rId3" r:qs="rId4" r:cs="rId5"/>
+            <dgm:relIds xmlns:dgm="http://schemas.openxmlformats.org/drawingml/2006/diagram" xmlns:r="http://schemas.openxmlformats.org/officeDocument/2006/relationships" r:dm="rId3" r:lo="rId4" r:qs="rId5" r:cs="rId6"/>
           </a:graphicData>
         </a:graphic>
       </p:graphicFrame>
@@ -25311,7 +26668,7 @@
         </p:xfrm>
         <a:graphic>
           <a:graphicData uri="http://schemas.openxmlformats.org/drawingml/2006/diagram">
-            <dgm:relIds xmlns:dgm="http://schemas.openxmlformats.org/drawingml/2006/diagram" xmlns:r="http://schemas.openxmlformats.org/officeDocument/2006/relationships" r:dm="rId2" r:lo="rId3" r:qs="rId4" r:cs="rId5"/>
+            <dgm:relIds xmlns:dgm="http://schemas.openxmlformats.org/drawingml/2006/diagram" xmlns:r="http://schemas.openxmlformats.org/officeDocument/2006/relationships" r:dm="rId3" r:lo="rId4" r:qs="rId5" r:cs="rId6"/>
           </a:graphicData>
         </a:graphic>
       </p:graphicFrame>
@@ -25405,7 +26762,7 @@
         </p:xfrm>
         <a:graphic>
           <a:graphicData uri="http://schemas.openxmlformats.org/drawingml/2006/diagram">
-            <dgm:relIds xmlns:dgm="http://schemas.openxmlformats.org/drawingml/2006/diagram" xmlns:r="http://schemas.openxmlformats.org/officeDocument/2006/relationships" r:dm="rId2" r:lo="rId3" r:qs="rId4" r:cs="rId5"/>
+            <dgm:relIds xmlns:dgm="http://schemas.openxmlformats.org/drawingml/2006/diagram" xmlns:r="http://schemas.openxmlformats.org/officeDocument/2006/relationships" r:dm="rId3" r:lo="rId4" r:qs="rId5" r:cs="rId6"/>
           </a:graphicData>
         </a:graphic>
       </p:graphicFrame>
@@ -25643,7 +27000,7 @@
           <p:nvPr/>
         </p:nvPicPr>
         <p:blipFill rotWithShape="1">
-          <a:blip r:embed="rId2"/>
+          <a:blip r:embed="rId3"/>
           <a:srcRect r="26524"/>
           <a:stretch/>
         </p:blipFill>
@@ -25672,7 +27029,7 @@
           <p:nvPr/>
         </p:nvPicPr>
         <p:blipFill>
-          <a:blip r:embed="rId3"/>
+          <a:blip r:embed="rId4"/>
           <a:stretch>
             <a:fillRect/>
           </a:stretch>

--- a/01-intro.pptx
+++ b/01-intro.pptx
@@ -3195,15 +3195,15 @@
     <dgm:cxn modelId="{BA45D132-B22A-E241-A492-626F11536B69}" type="presOf" srcId="{2D3B96C6-1E1C-7240-98B3-69ED9FA9FCDA}" destId="{2C4520AC-9D4A-BC47-AFD0-546668CFEF6C}" srcOrd="0" destOrd="1" presId="urn:microsoft.com/office/officeart/2005/8/layout/hList1"/>
     <dgm:cxn modelId="{5102D93C-2AC1-8345-B36E-252498EDC9BE}" srcId="{0EBBACFB-224E-6B4B-909A-2816577CED77}" destId="{FF0B3A82-6073-1D40-8151-20E19DA82546}" srcOrd="0" destOrd="0" parTransId="{A3D9A9F6-472D-6F47-A359-02DA8FBEF969}" sibTransId="{441CA8A1-4F1D-4348-90AB-1BE42DC126E6}"/>
     <dgm:cxn modelId="{693AE93F-89A5-2C4E-8468-0C79900E2C9F}" type="presOf" srcId="{356BA6F2-DA31-A74F-B748-FAD9B63702F7}" destId="{76F2FD95-1575-944F-B97E-E290885EA905}" srcOrd="0" destOrd="0" presId="urn:microsoft.com/office/officeart/2005/8/layout/hList1"/>
+    <dgm:cxn modelId="{260E3062-E808-DD4B-B5D4-AAE403390DA2}" type="presOf" srcId="{0A40D671-F6BE-EB44-9974-5A3E60D66181}" destId="{2C4520AC-9D4A-BC47-AFD0-546668CFEF6C}" srcOrd="0" destOrd="3" presId="urn:microsoft.com/office/officeart/2005/8/layout/hList1"/>
+    <dgm:cxn modelId="{FB0FCF63-EDCE-C540-A9C7-9423B96372EC}" srcId="{880506F6-0F9F-1644-802C-4BA1599DF55A}" destId="{356BA6F2-DA31-A74F-B748-FAD9B63702F7}" srcOrd="1" destOrd="0" parTransId="{0C12A86F-200D-6B45-9AA6-C5A3B390EDD9}" sibTransId="{26C89A25-AFB3-1742-B2F1-E9B386F2DB15}"/>
     <dgm:cxn modelId="{03E72F48-C275-5A4A-9765-E2E1DE141062}" type="presOf" srcId="{FF0B3A82-6073-1D40-8151-20E19DA82546}" destId="{2C4520AC-9D4A-BC47-AFD0-546668CFEF6C}" srcOrd="0" destOrd="0" presId="urn:microsoft.com/office/officeart/2005/8/layout/hList1"/>
     <dgm:cxn modelId="{D441664A-B1DA-8A49-A3B6-40D6A5DC1134}" type="presOf" srcId="{6EB2E288-3D12-E54D-A023-D2C643A5FFC6}" destId="{94701F3D-C5AB-ED43-A43A-96F1573EBFF4}" srcOrd="0" destOrd="1" presId="urn:microsoft.com/office/officeart/2005/8/layout/hList1"/>
     <dgm:cxn modelId="{536FA94B-A04A-1D4C-A03F-1EC5ADD50949}" srcId="{0EBBACFB-224E-6B4B-909A-2816577CED77}" destId="{8D160A57-840F-7B48-93F3-0C3801F7CBF7}" srcOrd="4" destOrd="0" parTransId="{817A9263-06C2-8F4F-97F9-EBB85DF2FCB1}" sibTransId="{9F6B8907-5C16-224A-89E5-8BA7202AE319}"/>
+    <dgm:cxn modelId="{F83BD66F-75A5-7644-947D-004A8161C6A5}" type="presOf" srcId="{DC2300DB-A572-BC4D-AC01-801CE0C4FC98}" destId="{94701F3D-C5AB-ED43-A43A-96F1573EBFF4}" srcOrd="0" destOrd="0" presId="urn:microsoft.com/office/officeart/2005/8/layout/hList1"/>
+    <dgm:cxn modelId="{1885C473-4105-2441-97E1-5A2CDC8D8CEF}" type="presOf" srcId="{C47B14EB-3D25-0A42-8C11-6DFAFA4CE412}" destId="{55DA91CA-40A7-F24E-8912-D4AAE15E7451}" srcOrd="0" destOrd="0" presId="urn:microsoft.com/office/officeart/2005/8/layout/hList1"/>
     <dgm:cxn modelId="{AA211854-FB14-914D-AAE3-198F99292829}" srcId="{C47B14EB-3D25-0A42-8C11-6DFAFA4CE412}" destId="{DC2300DB-A572-BC4D-AC01-801CE0C4FC98}" srcOrd="0" destOrd="0" parTransId="{1E819D1C-D9C5-0548-B6D8-DC0104AEED47}" sibTransId="{B5ED62F5-43DC-594F-905D-B3D7F45BE8B8}"/>
     <dgm:cxn modelId="{E3EDF654-B822-D244-BCF6-19CBEF902D1A}" srcId="{356BA6F2-DA31-A74F-B748-FAD9B63702F7}" destId="{6DC1113A-C09E-244B-B754-AEF7DC4E0D1F}" srcOrd="0" destOrd="0" parTransId="{E5760176-7B56-E64B-9AEC-284624ADE1CA}" sibTransId="{986660AA-50C9-7348-B7BA-1D54061D3A69}"/>
-    <dgm:cxn modelId="{260E3062-E808-DD4B-B5D4-AAE403390DA2}" type="presOf" srcId="{0A40D671-F6BE-EB44-9974-5A3E60D66181}" destId="{2C4520AC-9D4A-BC47-AFD0-546668CFEF6C}" srcOrd="0" destOrd="3" presId="urn:microsoft.com/office/officeart/2005/8/layout/hList1"/>
-    <dgm:cxn modelId="{FB0FCF63-EDCE-C540-A9C7-9423B96372EC}" srcId="{880506F6-0F9F-1644-802C-4BA1599DF55A}" destId="{356BA6F2-DA31-A74F-B748-FAD9B63702F7}" srcOrd="1" destOrd="0" parTransId="{0C12A86F-200D-6B45-9AA6-C5A3B390EDD9}" sibTransId="{26C89A25-AFB3-1742-B2F1-E9B386F2DB15}"/>
-    <dgm:cxn modelId="{F83BD66F-75A5-7644-947D-004A8161C6A5}" type="presOf" srcId="{DC2300DB-A572-BC4D-AC01-801CE0C4FC98}" destId="{94701F3D-C5AB-ED43-A43A-96F1573EBFF4}" srcOrd="0" destOrd="0" presId="urn:microsoft.com/office/officeart/2005/8/layout/hList1"/>
-    <dgm:cxn modelId="{1885C473-4105-2441-97E1-5A2CDC8D8CEF}" type="presOf" srcId="{C47B14EB-3D25-0A42-8C11-6DFAFA4CE412}" destId="{55DA91CA-40A7-F24E-8912-D4AAE15E7451}" srcOrd="0" destOrd="0" presId="urn:microsoft.com/office/officeart/2005/8/layout/hList1"/>
     <dgm:cxn modelId="{A20D947C-37FE-C040-B684-32AE893755C4}" srcId="{C47B14EB-3D25-0A42-8C11-6DFAFA4CE412}" destId="{C8CCF840-4DCA-124E-B442-189DDE6E6D85}" srcOrd="4" destOrd="0" parTransId="{5AC6A237-BA25-604D-A7ED-E12EE8BAC57A}" sibTransId="{CA7476F4-6D50-EC4E-AB5C-D1803D2EF5E3}"/>
     <dgm:cxn modelId="{1A554A99-C17A-FB4F-8B93-A8E5B8D4CAFB}" srcId="{356BA6F2-DA31-A74F-B748-FAD9B63702F7}" destId="{F055A004-3C1D-0D40-9BBD-619BA986A0F9}" srcOrd="3" destOrd="0" parTransId="{664AFBB3-7A85-C148-B66C-A75F55E45DDB}" sibTransId="{41A3ADCB-B632-B041-ACFC-E92D555B74C1}"/>
     <dgm:cxn modelId="{4F982D9F-05A1-F643-86F6-27306EFB2DC6}" type="presOf" srcId="{C8CCF840-4DCA-124E-B442-189DDE6E6D85}" destId="{94701F3D-C5AB-ED43-A43A-96F1573EBFF4}" srcOrd="0" destOrd="4" presId="urn:microsoft.com/office/officeart/2005/8/layout/hList1"/>
@@ -3755,10 +3755,10 @@
     <dgm:cxn modelId="{359BFA01-0E83-FF4E-96ED-953EB372D29A}" srcId="{7DB09EC8-FD25-E145-8CE2-BF16481AF541}" destId="{E167859A-E813-044A-B3AB-6CA3F2586A8E}" srcOrd="2" destOrd="0" parTransId="{E16C9E97-5E6E-2A4A-93BB-279A1C49C9AF}" sibTransId="{23AC9937-853F-C949-89D9-566D6EE19C95}"/>
     <dgm:cxn modelId="{26D58E14-D724-C64B-8EE9-AD59DB65C323}" type="presOf" srcId="{9781AD9A-F44F-824E-9C6C-5448DE1CB4AA}" destId="{EDE7B1CE-9F65-5145-BD39-D2B7300D4AEA}" srcOrd="0" destOrd="3" presId="urn:microsoft.com/office/officeart/2005/8/layout/hList1"/>
     <dgm:cxn modelId="{13E5E816-B312-324E-B588-49848029E8F1}" srcId="{06F94589-FF43-C847-A40C-95C8A0F2098F}" destId="{1303F77A-823B-F24F-BC8C-44EE34194DAA}" srcOrd="2" destOrd="0" parTransId="{B8468FF1-35BC-F740-AC9A-188460C6810A}" sibTransId="{3288F804-8F4C-CF43-AF6A-1640D6F0FB89}"/>
-    <dgm:cxn modelId="{72BD105A-491B-6248-8040-6008BF192949}" type="presOf" srcId="{0BD9C940-EE39-9243-B135-9158DE22D1B8}" destId="{BA0B0F0D-C1A2-A543-9D81-E0023AD41733}" srcOrd="0" destOrd="1" presId="urn:microsoft.com/office/officeart/2005/8/layout/hList1"/>
     <dgm:cxn modelId="{B08EA261-B055-8348-9222-12A91F818528}" type="presOf" srcId="{E167859A-E813-044A-B3AB-6CA3F2586A8E}" destId="{EDE7B1CE-9F65-5145-BD39-D2B7300D4AEA}" srcOrd="0" destOrd="2" presId="urn:microsoft.com/office/officeart/2005/8/layout/hList1"/>
     <dgm:cxn modelId="{44F33762-329C-3340-A556-53840FAAA87A}" srcId="{7DB09EC8-FD25-E145-8CE2-BF16481AF541}" destId="{9580C340-CAEA-564F-B7F8-C85D2F4A66BC}" srcOrd="1" destOrd="0" parTransId="{5E89A9CD-413D-564F-9549-A1B435C07A30}" sibTransId="{5D5F9B31-0ED8-FD4A-AEFB-F07E13BD65C2}"/>
     <dgm:cxn modelId="{33E4E874-5CE4-E54E-90A1-28CC93151E38}" type="presOf" srcId="{1303F77A-823B-F24F-BC8C-44EE34194DAA}" destId="{BA0B0F0D-C1A2-A543-9D81-E0023AD41733}" srcOrd="0" destOrd="2" presId="urn:microsoft.com/office/officeart/2005/8/layout/hList1"/>
+    <dgm:cxn modelId="{72BD105A-491B-6248-8040-6008BF192949}" type="presOf" srcId="{0BD9C940-EE39-9243-B135-9158DE22D1B8}" destId="{BA0B0F0D-C1A2-A543-9D81-E0023AD41733}" srcOrd="0" destOrd="1" presId="urn:microsoft.com/office/officeart/2005/8/layout/hList1"/>
     <dgm:cxn modelId="{A71E7587-0D4B-1E42-88A1-8354128901C6}" type="presOf" srcId="{CD08757C-4D54-D646-99F0-41F3AA9ACAB1}" destId="{EDE7B1CE-9F65-5145-BD39-D2B7300D4AEA}" srcOrd="0" destOrd="4" presId="urn:microsoft.com/office/officeart/2005/8/layout/hList1"/>
     <dgm:cxn modelId="{21C4A98C-CE46-E642-858F-CC43D91BB966}" srcId="{E5A3B105-6DDB-1048-9FF0-770C9E4B6699}" destId="{7DB09EC8-FD25-E145-8CE2-BF16481AF541}" srcOrd="1" destOrd="0" parTransId="{D5F3623E-3A11-DF45-A2BE-8BF9B2CB3F8C}" sibTransId="{F9D52172-6533-134F-B06E-639A86C4F608}"/>
     <dgm:cxn modelId="{B46B4191-4C89-BE41-8718-0E7AC9344C3E}" srcId="{06F94589-FF43-C847-A40C-95C8A0F2098F}" destId="{5C57599B-9A0A-E041-BDB5-E42D0883B734}" srcOrd="4" destOrd="0" parTransId="{E4906946-6C40-7540-902D-C93F589267A3}" sibTransId="{51EE859E-0E50-0B43-A523-A84E0F6A33CA}"/>
@@ -4344,8 +4344,8 @@
     <dgm:cxn modelId="{C5731229-423F-0A40-8697-FDB45A2FE7EE}" srcId="{7EBF4009-A9A6-5A44-B3C9-B43FC11DC5DA}" destId="{2936C287-6849-2D47-9F34-1559699D2FE4}" srcOrd="0" destOrd="0" parTransId="{DAB63FA4-13F3-F442-A848-B226281CF076}" sibTransId="{BE4A322B-57C7-FF4B-B4D4-F0D55A7FD288}"/>
     <dgm:cxn modelId="{B80E5035-F269-3849-955B-DE7ADAA9FC36}" srcId="{D9C02B27-90A5-4447-8F97-CA1FF4020D33}" destId="{7EBF4009-A9A6-5A44-B3C9-B43FC11DC5DA}" srcOrd="2" destOrd="0" parTransId="{A30BF236-3D51-9D4F-88D5-71515F8119ED}" sibTransId="{FAFFAF87-6B97-8E46-9777-0749931E2F2B}"/>
     <dgm:cxn modelId="{12CA5B43-61CF-0B4A-82DB-62D6FDA20E33}" type="presOf" srcId="{D6BDA6D3-B53B-8A4D-AA13-843AD4F48615}" destId="{D590C922-94BA-9F4D-B8F8-A8E428A9D936}" srcOrd="0" destOrd="4" presId="urn:microsoft.com/office/officeart/2005/8/layout/vList2"/>
+    <dgm:cxn modelId="{CD26B664-0725-864D-A546-F0C6FD9E50BD}" type="presOf" srcId="{5D430FDB-4F7F-BD4F-A8A2-ACE3B19E5491}" destId="{71E57A2F-7FFD-0640-81DE-62B470CD78FC}" srcOrd="0" destOrd="1" presId="urn:microsoft.com/office/officeart/2005/8/layout/vList2"/>
     <dgm:cxn modelId="{B8DE8851-F7C1-FB42-A83C-BFD0783405C3}" type="presOf" srcId="{25FDB71C-6DE1-C942-A0FC-22E8CF8B5E0A}" destId="{D590C922-94BA-9F4D-B8F8-A8E428A9D936}" srcOrd="0" destOrd="7" presId="urn:microsoft.com/office/officeart/2005/8/layout/vList2"/>
-    <dgm:cxn modelId="{CD26B664-0725-864D-A546-F0C6FD9E50BD}" type="presOf" srcId="{5D430FDB-4F7F-BD4F-A8A2-ACE3B19E5491}" destId="{71E57A2F-7FFD-0640-81DE-62B470CD78FC}" srcOrd="0" destOrd="1" presId="urn:microsoft.com/office/officeart/2005/8/layout/vList2"/>
     <dgm:cxn modelId="{7870C879-A540-1B41-BB4D-F8E5A852EA21}" srcId="{7C2F12C8-AAC5-0946-8C31-3D66181674BC}" destId="{CDAF1557-FB57-1B4F-9A30-DF2781A7EC13}" srcOrd="0" destOrd="0" parTransId="{1CD1455C-B4E9-B948-97CB-8030B6BBD61D}" sibTransId="{037DE8BC-6AE0-4940-A600-ADE5C3D93EF9}"/>
     <dgm:cxn modelId="{BF8E4F7B-0A44-9B41-9465-2B7608CA6FC0}" type="presOf" srcId="{7C2F12C8-AAC5-0946-8C31-3D66181674BC}" destId="{54E3C766-1B43-6F43-8ADC-A212F4EDFF69}" srcOrd="0" destOrd="0" presId="urn:microsoft.com/office/officeart/2005/8/layout/vList2"/>
     <dgm:cxn modelId="{49E2007C-38CC-364D-95AB-5521E0C219CA}" srcId="{10505F77-3304-374E-AE8F-0790E0912397}" destId="{7F6822FB-2DC8-D648-A9A4-9DD60DE95D50}" srcOrd="1" destOrd="0" parTransId="{84ACAC37-E2E2-0545-856D-931C01570186}" sibTransId="{9F22BB0C-5AE5-F940-9A70-23415763B841}"/>
@@ -4388,8 +4388,8 @@
       </dsp:nvSpPr>
       <dsp:spPr>
         <a:xfrm>
-          <a:off x="3616" y="75693"/>
-          <a:ext cx="3526453" cy="1387219"/>
+          <a:off x="3616" y="69853"/>
+          <a:ext cx="3526453" cy="1398900"/>
         </a:xfrm>
         <a:prstGeom prst="rect">
           <a:avLst/>
@@ -4455,8 +4455,8 @@
         </a:p>
       </dsp:txBody>
       <dsp:txXfrm>
-        <a:off x="3616" y="75693"/>
-        <a:ext cx="3526453" cy="1387219"/>
+        <a:off x="3616" y="69853"/>
+        <a:ext cx="3526453" cy="1398900"/>
       </dsp:txXfrm>
     </dsp:sp>
     <dsp:sp modelId="{94701F3D-C5AB-ED43-A43A-96F1573EBFF4}">
@@ -4466,7 +4466,7 @@
       </dsp:nvSpPr>
       <dsp:spPr>
         <a:xfrm>
-          <a:off x="3616" y="1462913"/>
+          <a:off x="3616" y="1468753"/>
           <a:ext cx="3526453" cy="3752071"/>
         </a:xfrm>
         <a:prstGeom prst="rect">
@@ -4625,7 +4625,7 @@
         </a:p>
       </dsp:txBody>
       <dsp:txXfrm>
-        <a:off x="3616" y="1462913"/>
+        <a:off x="3616" y="1468753"/>
         <a:ext cx="3526453" cy="3752071"/>
       </dsp:txXfrm>
     </dsp:sp>
@@ -4636,8 +4636,8 @@
       </dsp:nvSpPr>
       <dsp:spPr>
         <a:xfrm>
-          <a:off x="4023773" y="75693"/>
-          <a:ext cx="3526453" cy="1387219"/>
+          <a:off x="4023773" y="69853"/>
+          <a:ext cx="3526453" cy="1398900"/>
         </a:xfrm>
         <a:prstGeom prst="rect">
           <a:avLst/>
@@ -4703,8 +4703,8 @@
         </a:p>
       </dsp:txBody>
       <dsp:txXfrm>
-        <a:off x="4023773" y="75693"/>
-        <a:ext cx="3526453" cy="1387219"/>
+        <a:off x="4023773" y="69853"/>
+        <a:ext cx="3526453" cy="1398900"/>
       </dsp:txXfrm>
     </dsp:sp>
     <dsp:sp modelId="{35D0C4CB-977A-234C-8250-7907B6A18896}">
@@ -4714,7 +4714,7 @@
       </dsp:nvSpPr>
       <dsp:spPr>
         <a:xfrm>
-          <a:off x="4023773" y="1462913"/>
+          <a:off x="4023773" y="1468753"/>
           <a:ext cx="3526453" cy="3752071"/>
         </a:xfrm>
         <a:prstGeom prst="rect">
@@ -4854,7 +4854,7 @@
         </a:p>
       </dsp:txBody>
       <dsp:txXfrm>
-        <a:off x="4023773" y="1462913"/>
+        <a:off x="4023773" y="1468753"/>
         <a:ext cx="3526453" cy="3752071"/>
       </dsp:txXfrm>
     </dsp:sp>
@@ -4865,8 +4865,8 @@
       </dsp:nvSpPr>
       <dsp:spPr>
         <a:xfrm>
-          <a:off x="8043930" y="75693"/>
-          <a:ext cx="3526453" cy="1387219"/>
+          <a:off x="8043930" y="69853"/>
+          <a:ext cx="3526453" cy="1398900"/>
         </a:xfrm>
         <a:prstGeom prst="rect">
           <a:avLst/>
@@ -4932,8 +4932,8 @@
         </a:p>
       </dsp:txBody>
       <dsp:txXfrm>
-        <a:off x="8043930" y="75693"/>
-        <a:ext cx="3526453" cy="1387219"/>
+        <a:off x="8043930" y="69853"/>
+        <a:ext cx="3526453" cy="1398900"/>
       </dsp:txXfrm>
     </dsp:sp>
     <dsp:sp modelId="{2C4520AC-9D4A-BC47-AFD0-546668CFEF6C}">
@@ -4943,7 +4943,7 @@
       </dsp:nvSpPr>
       <dsp:spPr>
         <a:xfrm>
-          <a:off x="8043930" y="1462913"/>
+          <a:off x="8043930" y="1468753"/>
           <a:ext cx="3526453" cy="3752071"/>
         </a:xfrm>
         <a:prstGeom prst="rect">
@@ -5096,7 +5096,7 @@
         </a:p>
       </dsp:txBody>
       <dsp:txXfrm>
-        <a:off x="8043930" y="1462913"/>
+        <a:off x="8043930" y="1468753"/>
         <a:ext cx="3526453" cy="3752071"/>
       </dsp:txXfrm>
     </dsp:sp>
@@ -9827,7 +9827,7 @@
               <a:rPr lang="en-US" smtClean="0">
                 <a:latin typeface="Segoe UI" pitchFamily="34" charset="0"/>
               </a:rPr>
-              <a:t>3/6/20 3:29 PM</a:t>
+              <a:t>8/29/2020 5:36 PM</a:t>
             </a:fld>
             <a:endParaRPr lang="en-US" dirty="0">
               <a:latin typeface="Segoe UI" pitchFamily="34" charset="0"/>
@@ -10124,7 +10124,7 @@
           <a:p>
             <a:fld id="{D18B56EA-E28F-4F92-9F16-7A6F2501B303}" type="datetime8">
               <a:rPr lang="en-US" smtClean="0"/>
-              <a:t>3/6/20 3:29 PM</a:t>
+              <a:t>8/29/2020 5:36 PM</a:t>
             </a:fld>
             <a:endParaRPr lang="en-US" dirty="0"/>
           </a:p>
@@ -10507,7 +10507,7 @@
           <a:p>
             <a:fld id="{D18B56EA-E28F-4F92-9F16-7A6F2501B303}" type="datetime8">
               <a:rPr lang="en-US" smtClean="0"/>
-              <a:t>3/6/20 3:29 PM</a:t>
+              <a:t>8/29/2020 5:36 PM</a:t>
             </a:fld>
             <a:endParaRPr lang="en-US" dirty="0"/>
           </a:p>
@@ -10688,7 +10688,7 @@
           <a:p>
             <a:fld id="{D18B56EA-E28F-4F92-9F16-7A6F2501B303}" type="datetime8">
               <a:rPr lang="en-US" smtClean="0"/>
-              <a:t>3/6/20 3:29 PM</a:t>
+              <a:t>8/29/2020 5:36 PM</a:t>
             </a:fld>
             <a:endParaRPr lang="en-US" dirty="0"/>
           </a:p>
@@ -10869,7 +10869,7 @@
           <a:p>
             <a:fld id="{D18B56EA-E28F-4F92-9F16-7A6F2501B303}" type="datetime8">
               <a:rPr lang="en-US" smtClean="0"/>
-              <a:t>3/6/20 3:29 PM</a:t>
+              <a:t>8/29/2020 5:36 PM</a:t>
             </a:fld>
             <a:endParaRPr lang="en-US" dirty="0"/>
           </a:p>
@@ -11053,7 +11053,7 @@
           <a:p>
             <a:fld id="{D18B56EA-E28F-4F92-9F16-7A6F2501B303}" type="datetime8">
               <a:rPr lang="en-US" smtClean="0"/>
-              <a:t>3/6/20 5:26 PM</a:t>
+              <a:t>8/29/2020 5:36 PM</a:t>
             </a:fld>
             <a:endParaRPr lang="en-US" dirty="0"/>
           </a:p>
@@ -11459,7 +11459,15 @@
           <a:p>
             <a:r>
               <a:rPr lang="en-US" dirty="0"/>
-              <a:t>Bundling takes all the JavaScript and CSS files referenced in your project and combines them into a single JavaScript bundle. A configuration file enables developers to specify if multiple bundles generated with specific components in them, or if all components in the project are grouped into a single bundle.</a:t>
+              <a:t>Bundling takes all the JavaScript and CSS files referenced in your project and combines them into a single JavaScript bundle. A configuration file enables developers to specify if multiple </a:t>
+            </a:r>
+            <a:r>
+              <a:rPr lang="en-US"/>
+              <a:t>bundles are generated </a:t>
+            </a:r>
+            <a:r>
+              <a:rPr lang="en-US" dirty="0"/>
+              <a:t>with specific components in them, or if all components in the project are grouped into a single bundle.</a:t>
             </a:r>
           </a:p>
           <a:p>
@@ -11728,7 +11736,7 @@
           <a:p>
             <a:fld id="{D18B56EA-E28F-4F92-9F16-7A6F2501B303}" type="datetime8">
               <a:rPr lang="en-US" smtClean="0"/>
-              <a:t>3/7/20 4:56 AM</a:t>
+              <a:t>8/29/2020 5:36 PM</a:t>
             </a:fld>
             <a:endParaRPr lang="en-US" dirty="0"/>
           </a:p>
@@ -12023,7 +12031,7 @@
           <a:p>
             <a:fld id="{D18B56EA-E28F-4F92-9F16-7A6F2501B303}" type="datetime8">
               <a:rPr lang="en-US" smtClean="0"/>
-              <a:t>3/7/20 5:07 AM</a:t>
+              <a:t>8/29/2020 5:36 PM</a:t>
             </a:fld>
             <a:endParaRPr lang="en-US" dirty="0"/>
           </a:p>
@@ -12317,7 +12325,7 @@
           <a:p>
             <a:fld id="{D18B56EA-E28F-4F92-9F16-7A6F2501B303}" type="datetime8">
               <a:rPr lang="en-US" smtClean="0"/>
-              <a:t>3/8/20 6:58 AM</a:t>
+              <a:t>8/29/2020 5:36 PM</a:t>
             </a:fld>
             <a:endParaRPr lang="en-US" dirty="0"/>
           </a:p>
@@ -12569,7 +12577,7 @@
           <a:p>
             <a:fld id="{D18B56EA-E28F-4F92-9F16-7A6F2501B303}" type="datetime8">
               <a:rPr lang="en-US" smtClean="0"/>
-              <a:t>3/8/20 7:11 AM</a:t>
+              <a:t>8/29/2020 5:36 PM</a:t>
             </a:fld>
             <a:endParaRPr lang="en-US" dirty="0"/>
           </a:p>
@@ -12750,7 +12758,7 @@
           <a:p>
             <a:fld id="{D18B56EA-E28F-4F92-9F16-7A6F2501B303}" type="datetime8">
               <a:rPr lang="en-US" smtClean="0"/>
-              <a:t>3/6/20 3:29 PM</a:t>
+              <a:t>8/29/2020 5:36 PM</a:t>
             </a:fld>
             <a:endParaRPr lang="en-US" dirty="0"/>
           </a:p>
@@ -12931,7 +12939,7 @@
           <a:p>
             <a:fld id="{D18B56EA-E28F-4F92-9F16-7A6F2501B303}" type="datetime8">
               <a:rPr lang="en-US" smtClean="0"/>
-              <a:t>3/6/20 3:29 PM</a:t>
+              <a:t>8/29/2020 5:36 PM</a:t>
             </a:fld>
             <a:endParaRPr lang="en-US" dirty="0"/>
           </a:p>

--- a/01-intro.pptx
+++ b/01-intro.pptx
@@ -5,10 +5,10 @@
     <p:sldMasterId id="2147484229" r:id="rId2"/>
   </p:sldMasterIdLst>
   <p:notesMasterIdLst>
-    <p:notesMasterId r:id="rId15"/>
+    <p:notesMasterId r:id="rId16"/>
   </p:notesMasterIdLst>
   <p:handoutMasterIdLst>
-    <p:handoutMasterId r:id="rId16"/>
+    <p:handoutMasterId r:id="rId17"/>
   </p:handoutMasterIdLst>
   <p:sldIdLst>
     <p:sldId id="1562" r:id="rId3"/>
@@ -17,12 +17,13 @@
     <p:sldId id="1581" r:id="rId6"/>
     <p:sldId id="1582" r:id="rId7"/>
     <p:sldId id="1583" r:id="rId8"/>
-    <p:sldId id="1584" r:id="rId9"/>
-    <p:sldId id="1589" r:id="rId10"/>
-    <p:sldId id="1577" r:id="rId11"/>
-    <p:sldId id="1578" r:id="rId12"/>
-    <p:sldId id="1579" r:id="rId13"/>
-    <p:sldId id="1580" r:id="rId14"/>
+    <p:sldId id="1556" r:id="rId9"/>
+    <p:sldId id="1584" r:id="rId10"/>
+    <p:sldId id="1589" r:id="rId11"/>
+    <p:sldId id="1577" r:id="rId12"/>
+    <p:sldId id="1578" r:id="rId13"/>
+    <p:sldId id="1579" r:id="rId14"/>
+    <p:sldId id="1580" r:id="rId15"/>
   </p:sldIdLst>
   <p:sldSz cx="12436475" cy="6994525"/>
   <p:notesSz cx="6858000" cy="9144000"/>
@@ -136,6 +137,7 @@
             <p14:sldId id="1581"/>
             <p14:sldId id="1582"/>
             <p14:sldId id="1583"/>
+            <p14:sldId id="1556"/>
             <p14:sldId id="1584"/>
             <p14:sldId id="1589"/>
           </p14:sldIdLst>
@@ -9827,7 +9829,7 @@
               <a:rPr lang="en-US" smtClean="0">
                 <a:latin typeface="Segoe UI" pitchFamily="34" charset="0"/>
               </a:rPr>
-              <a:t>8/29/2020 5:36 PM</a:t>
+              <a:t>4/30/2022 11:15 AM</a:t>
             </a:fld>
             <a:endParaRPr lang="en-US" dirty="0">
               <a:latin typeface="Segoe UI" pitchFamily="34" charset="0"/>
@@ -10124,7 +10126,7 @@
           <a:p>
             <a:fld id="{D18B56EA-E28F-4F92-9F16-7A6F2501B303}" type="datetime8">
               <a:rPr lang="en-US" smtClean="0"/>
-              <a:t>8/29/2020 5:36 PM</a:t>
+              <a:t>4/30/2022 11:15 AM</a:t>
             </a:fld>
             <a:endParaRPr lang="en-US" dirty="0"/>
           </a:p>
@@ -10507,7 +10509,7 @@
           <a:p>
             <a:fld id="{D18B56EA-E28F-4F92-9F16-7A6F2501B303}" type="datetime8">
               <a:rPr lang="en-US" smtClean="0"/>
-              <a:t>8/29/2020 5:36 PM</a:t>
+              <a:t>4/30/2022 11:15 AM</a:t>
             </a:fld>
             <a:endParaRPr lang="en-US" dirty="0"/>
           </a:p>
@@ -10594,7 +10596,7 @@
           <a:bodyPr/>
           <a:lstStyle/>
           <a:p>
-            <a:endParaRPr lang="en-US"/>
+            <a:endParaRPr lang="en-US" dirty="0"/>
           </a:p>
         </p:txBody>
       </p:sp>
@@ -10688,7 +10690,7 @@
           <a:p>
             <a:fld id="{D18B56EA-E28F-4F92-9F16-7A6F2501B303}" type="datetime8">
               <a:rPr lang="en-US" smtClean="0"/>
-              <a:t>8/29/2020 5:36 PM</a:t>
+              <a:t>4/30/2022 11:15 AM</a:t>
             </a:fld>
             <a:endParaRPr lang="en-US" dirty="0"/>
           </a:p>
@@ -10721,7 +10723,7 @@
     </p:spTree>
     <p:extLst>
       <p:ext uri="{BB962C8B-B14F-4D97-AF65-F5344CB8AC3E}">
-        <p14:creationId xmlns:p14="http://schemas.microsoft.com/office/powerpoint/2010/main" val="2510823477"/>
+        <p14:creationId xmlns:p14="http://schemas.microsoft.com/office/powerpoint/2010/main" val="3282806226"/>
       </p:ext>
     </p:extLst>
   </p:cSld>
@@ -10869,7 +10871,7 @@
           <a:p>
             <a:fld id="{D18B56EA-E28F-4F92-9F16-7A6F2501B303}" type="datetime8">
               <a:rPr lang="en-US" smtClean="0"/>
-              <a:t>8/29/2020 5:36 PM</a:t>
+              <a:t>4/30/2022 11:15 AM</a:t>
             </a:fld>
             <a:endParaRPr lang="en-US" dirty="0"/>
           </a:p>
@@ -10894,6 +10896,187 @@
               <a:rPr lang="en-US" smtClean="0"/>
               <a:pPr/>
               <a:t>12</a:t>
+            </a:fld>
+            <a:endParaRPr lang="en-US" dirty="0"/>
+          </a:p>
+        </p:txBody>
+      </p:sp>
+    </p:spTree>
+    <p:extLst>
+      <p:ext uri="{BB962C8B-B14F-4D97-AF65-F5344CB8AC3E}">
+        <p14:creationId xmlns:p14="http://schemas.microsoft.com/office/powerpoint/2010/main" val="2510823477"/>
+      </p:ext>
+    </p:extLst>
+  </p:cSld>
+  <p:clrMapOvr>
+    <a:masterClrMapping/>
+  </p:clrMapOvr>
+</p:notes>
+</file>
+
+<file path=ppt/notesSlides/notesSlide12.xml><?xml version="1.0" encoding="utf-8"?>
+<p:notes xmlns:a="http://schemas.openxmlformats.org/drawingml/2006/main" xmlns:r="http://schemas.openxmlformats.org/officeDocument/2006/relationships" xmlns:p="http://schemas.openxmlformats.org/presentationml/2006/main">
+  <p:cSld>
+    <p:spTree>
+      <p:nvGrpSpPr>
+        <p:cNvPr id="1" name=""/>
+        <p:cNvGrpSpPr/>
+        <p:nvPr/>
+      </p:nvGrpSpPr>
+      <p:grpSpPr>
+        <a:xfrm>
+          <a:off x="0" y="0"/>
+          <a:ext cx="0" cy="0"/>
+          <a:chOff x="0" y="0"/>
+          <a:chExt cx="0" cy="0"/>
+        </a:xfrm>
+      </p:grpSpPr>
+      <p:sp>
+        <p:nvSpPr>
+          <p:cNvPr id="2" name="Slide Image Placeholder 1"/>
+          <p:cNvSpPr>
+            <a:spLocks noGrp="1" noRot="1" noChangeAspect="1"/>
+          </p:cNvSpPr>
+          <p:nvPr>
+            <p:ph type="sldImg"/>
+          </p:nvPr>
+        </p:nvSpPr>
+        <p:spPr/>
+      </p:sp>
+      <p:sp>
+        <p:nvSpPr>
+          <p:cNvPr id="3" name="Notes Placeholder 2"/>
+          <p:cNvSpPr>
+            <a:spLocks noGrp="1"/>
+          </p:cNvSpPr>
+          <p:nvPr>
+            <p:ph type="body" idx="1"/>
+          </p:nvPr>
+        </p:nvSpPr>
+        <p:spPr/>
+        <p:txBody>
+          <a:bodyPr/>
+          <a:lstStyle/>
+          <a:p>
+            <a:endParaRPr lang="en-US"/>
+          </a:p>
+        </p:txBody>
+      </p:sp>
+      <p:sp>
+        <p:nvSpPr>
+          <p:cNvPr id="4" name="Header Placeholder 3"/>
+          <p:cNvSpPr>
+            <a:spLocks noGrp="1"/>
+          </p:cNvSpPr>
+          <p:nvPr>
+            <p:ph type="hdr" sz="quarter" idx="10"/>
+          </p:nvPr>
+        </p:nvSpPr>
+        <p:spPr/>
+        <p:txBody>
+          <a:bodyPr/>
+          <a:lstStyle/>
+          <a:p>
+            <a:endParaRPr lang="en-US" dirty="0"/>
+          </a:p>
+        </p:txBody>
+      </p:sp>
+      <p:sp>
+        <p:nvSpPr>
+          <p:cNvPr id="5" name="Footer Placeholder 4"/>
+          <p:cNvSpPr>
+            <a:spLocks noGrp="1"/>
+          </p:cNvSpPr>
+          <p:nvPr>
+            <p:ph type="ftr" sz="quarter" idx="11"/>
+          </p:nvPr>
+        </p:nvSpPr>
+        <p:spPr/>
+        <p:txBody>
+          <a:bodyPr/>
+          <a:lstStyle/>
+          <a:p>
+            <a:pPr defTabSz="914099" eaLnBrk="0" hangingPunct="0"/>
+            <a:r>
+              <a:rPr lang="en-US" sz="400">
+                <a:gradFill>
+                  <a:gsLst>
+                    <a:gs pos="0">
+                      <a:prstClr val="black"/>
+                    </a:gs>
+                    <a:gs pos="100000">
+                      <a:prstClr val="black"/>
+                    </a:gs>
+                  </a:gsLst>
+                  <a:lin ang="5400000" scaled="0"/>
+                </a:gradFill>
+                <a:latin typeface="Segoe UI" pitchFamily="34" charset="0"/>
+                <a:ea typeface="Segoe UI" pitchFamily="34" charset="0"/>
+                <a:cs typeface="Segoe UI" pitchFamily="34" charset="0"/>
+              </a:rPr>
+              <a:t>© Microsoft Corporation. All rights reserved. MICROSOFT MAKES NO WARRANTIES, EXPRESS, IMPLIED OR STATUTORY, AS TO THE INFORMATION IN THIS PRESENTATION.</a:t>
+            </a:r>
+            <a:endParaRPr lang="en-US" sz="400" dirty="0">
+              <a:gradFill>
+                <a:gsLst>
+                  <a:gs pos="0">
+                    <a:prstClr val="black"/>
+                  </a:gs>
+                  <a:gs pos="100000">
+                    <a:prstClr val="black"/>
+                  </a:gs>
+                </a:gsLst>
+                <a:lin ang="5400000" scaled="0"/>
+              </a:gradFill>
+              <a:latin typeface="Segoe UI" pitchFamily="34" charset="0"/>
+              <a:ea typeface="Segoe UI" pitchFamily="34" charset="0"/>
+              <a:cs typeface="Segoe UI" pitchFamily="34" charset="0"/>
+            </a:endParaRPr>
+          </a:p>
+        </p:txBody>
+      </p:sp>
+      <p:sp>
+        <p:nvSpPr>
+          <p:cNvPr id="6" name="Date Placeholder 5"/>
+          <p:cNvSpPr>
+            <a:spLocks noGrp="1"/>
+          </p:cNvSpPr>
+          <p:nvPr>
+            <p:ph type="dt" idx="12"/>
+          </p:nvPr>
+        </p:nvSpPr>
+        <p:spPr/>
+        <p:txBody>
+          <a:bodyPr/>
+          <a:lstStyle/>
+          <a:p>
+            <a:fld id="{D18B56EA-E28F-4F92-9F16-7A6F2501B303}" type="datetime8">
+              <a:rPr lang="en-US" smtClean="0"/>
+              <a:t>4/30/2022 11:15 AM</a:t>
+            </a:fld>
+            <a:endParaRPr lang="en-US" dirty="0"/>
+          </a:p>
+        </p:txBody>
+      </p:sp>
+      <p:sp>
+        <p:nvSpPr>
+          <p:cNvPr id="7" name="Slide Number Placeholder 6"/>
+          <p:cNvSpPr>
+            <a:spLocks noGrp="1"/>
+          </p:cNvSpPr>
+          <p:nvPr>
+            <p:ph type="sldNum" sz="quarter" idx="13"/>
+          </p:nvPr>
+        </p:nvSpPr>
+        <p:spPr/>
+        <p:txBody>
+          <a:bodyPr/>
+          <a:lstStyle/>
+          <a:p>
+            <a:fld id="{B4008EB6-D09E-4580-8CD6-DDB14511944F}" type="slidenum">
+              <a:rPr lang="en-US" smtClean="0"/>
+              <a:pPr/>
+              <a:t>13</a:t>
             </a:fld>
             <a:endParaRPr lang="en-US" dirty="0"/>
           </a:p>
@@ -11053,7 +11236,7 @@
           <a:p>
             <a:fld id="{D18B56EA-E28F-4F92-9F16-7A6F2501B303}" type="datetime8">
               <a:rPr lang="en-US" smtClean="0"/>
-              <a:t>8/29/2020 5:36 PM</a:t>
+              <a:t>4/30/2022 11:15 AM</a:t>
             </a:fld>
             <a:endParaRPr lang="en-US" dirty="0"/>
           </a:p>
@@ -11386,15 +11569,7 @@
             </a:r>
             <a:r>
               <a:rPr lang="en-US" dirty="0"/>
-              <a:t> all TypeScript to </a:t>
-            </a:r>
-            <a:r>
-              <a:rPr lang="en-US" dirty="0" err="1"/>
-              <a:t>Javascript</a:t>
-            </a:r>
-            <a:r>
-              <a:rPr lang="en-US" dirty="0"/>
-              <a:t>, generates TypeScript type declarations from you TypeScript files, and </a:t>
+              <a:t> all TypeScript to JavaScript, generates TypeScript type declarations from your TypeScript files, and </a:t>
             </a:r>
             <a:r>
               <a:rPr lang="en-US" dirty="0" err="1"/>
@@ -11402,7 +11577,7 @@
             </a:r>
             <a:r>
               <a:rPr lang="en-US" dirty="0"/>
-              <a:t> SCSS files to CSS. All these files are placed in the **lib** folder in your project.</a:t>
+              <a:t> SCSS files to CSS. All these files are placed in the **./lib** folder in your project.</a:t>
             </a:r>
           </a:p>
           <a:p>
@@ -11411,7 +11586,7 @@
           <a:p>
             <a:r>
               <a:rPr lang="en-US" dirty="0"/>
-              <a:t>The build process is initiated when you run the gulp task **build** from the command line:</a:t>
+              <a:t>The build process is started when you run the gulp task **build** from the command line:</a:t>
             </a:r>
           </a:p>
           <a:p>
@@ -11420,7 +11595,7 @@
           <a:p>
             <a:r>
               <a:rPr lang="en-US" dirty="0"/>
-              <a:t>```shell</a:t>
+              <a:t>```console</a:t>
             </a:r>
           </a:p>
           <a:p>
@@ -11459,15 +11634,7 @@
           <a:p>
             <a:r>
               <a:rPr lang="en-US" dirty="0"/>
-              <a:t>Bundling takes all the JavaScript and CSS files referenced in your project and combines them into a single JavaScript bundle. A configuration file enables developers to specify if multiple </a:t>
-            </a:r>
-            <a:r>
-              <a:rPr lang="en-US"/>
-              <a:t>bundles are generated </a:t>
-            </a:r>
-            <a:r>
-              <a:rPr lang="en-US" dirty="0"/>
-              <a:t>with specific components in them, or if all components in the project are grouped into a single bundle.</a:t>
+              <a:t>Bundling takes all the JavaScript and CSS files referenced in your project and combines them into a single JavaScript bundle. A configuration file enables developers to specify if multiple bundles are generated with specific components in them, or if all components in the project are grouped into a single bundle.</a:t>
             </a:r>
           </a:p>
           <a:p>
@@ -11476,7 +11643,7 @@
           <a:p>
             <a:r>
               <a:rPr lang="en-US" dirty="0"/>
-              <a:t>The popular open source tool Webpack is used to create the JavaScript bundle file. Normally developers need to create a configuration file and pass it into webpack when bundling, but the SharePoint Framework does this for you. When the bundling task is executed, the SharePoint Framework build toolchain dynamically creates the webpack configuration using configuration files in the project.</a:t>
+              <a:t>The popular open-source tool Webpack is used to create the JavaScript bundle file. Normally developers need to create a configuration file and pass it into webpack when bundling, but the SharePoint Framework does this for you. When the bundling task is executed, the SharePoint Framework build toolchain dynamically creates the webpack configuration using configuration files in the project.</a:t>
             </a:r>
           </a:p>
           <a:p>
@@ -11485,7 +11652,7 @@
           <a:p>
             <a:r>
               <a:rPr lang="en-US" dirty="0"/>
-              <a:t>The files generated in the bundling phase are saved to the **</a:t>
+              <a:t>The files generated in the bundling phase are saved to the **./</a:t>
             </a:r>
             <a:r>
               <a:rPr lang="en-US" dirty="0" err="1"/>
@@ -11502,7 +11669,7 @@
           <a:p>
             <a:r>
               <a:rPr lang="en-US" dirty="0"/>
-              <a:t>The bundling process is initiated when you run the gulp task **bundle** from the command line. When you add the optional `--ship` or `-p` to the command, the bundling process will also minify the resulting bundle and manifest file. Minification removes all code comments and white space in the file to create the smallest possible file that's downloaded when the component is loaded on the page.</a:t>
+              <a:t>The bundling process is started when you run the gulp task **bundle** from the command line. When you add the optional `--ship` or `-p` to the command, the bundling process will also minify the resulting bundle and manifest file. Minification removes all code comments and white space in the file to create the smallest possible file that's downloaded when the component is loaded on the page. The minified files are saved to the **./release/assets** folder.</a:t>
             </a:r>
           </a:p>
           <a:p>
@@ -11511,7 +11678,7 @@
           <a:p>
             <a:r>
               <a:rPr lang="en-US" dirty="0"/>
-              <a:t>```shell</a:t>
+              <a:t>```console</a:t>
             </a:r>
           </a:p>
           <a:p>
@@ -11541,7 +11708,7 @@
           <a:p>
             <a:r>
               <a:rPr lang="en-US" dirty="0"/>
-              <a:t>The last phase is packaging. The packaging phase generates all the files necessary to deploy your SharePoint Framework solution to SharePoint. These files are combined in to a ZIP archive with the file name **\*.</a:t>
+              <a:t>The last phase is packaging. The packaging phase generates all the files necessary to deploy your SharePoint Framework solution to SharePoint. These files are combined into a ZIP archive with a **</a:t>
             </a:r>
             <a:r>
               <a:rPr lang="en-US" dirty="0" err="1"/>
@@ -11549,7 +11716,7 @@
             </a:r>
             <a:r>
               <a:rPr lang="en-US" dirty="0"/>
-              <a:t>** that's saved to the **</a:t>
+              <a:t>** extension that's saved to the **./</a:t>
             </a:r>
             <a:r>
               <a:rPr lang="en-US" dirty="0" err="1"/>
@@ -11557,7 +11724,7 @@
             </a:r>
             <a:r>
               <a:rPr lang="en-US" dirty="0"/>
-              <a:t>** folder in your project. This file is referred to as the *SharePoint package*.</a:t>
+              <a:t>/solution** folder in your project. This file is referred to as the *SharePoint package*.</a:t>
             </a:r>
           </a:p>
           <a:p>
@@ -11566,7 +11733,7 @@
           <a:p>
             <a:r>
               <a:rPr lang="en-US" dirty="0"/>
-              <a:t>Prior to packaging all the files into the SharePoint package, the package solution phase generates multiple files necessary for deployment. This includes creating the app manifest, any feature definitions and element manifests necessary for provisioning the components, and collecting all the runtime files such as the bundle, component manifest and string localization files.</a:t>
+              <a:t>Before packaging all the files into the SharePoint package, the package solution phase generates multiple files necessary for deployment. This includes creating the app manifest, any feature definitions and element manifests necessary for provisioning the components, and collecting all the runtime files such as the bundle, component manifest and string localization files.</a:t>
             </a:r>
           </a:p>
           <a:p>
@@ -11575,7 +11742,7 @@
           <a:p>
             <a:r>
               <a:rPr lang="en-US" dirty="0"/>
-              <a:t>Depending on the project configuration, the component runtime files including the bundle, component manifest, localization files, are placed in the **./temp/deploy** folder or added to the package. You can configure this setting using **./config/package-</a:t>
+              <a:t>Depending on the project configuration, the component runtime files including the bundle, component manifest, localization files, are placed in the **./release/assets** folder or added to the package. You can configure this setting using **./config/package-</a:t>
             </a:r>
             <a:r>
               <a:rPr lang="en-US" dirty="0" err="1"/>
@@ -11599,7 +11766,7 @@
             </a:r>
             <a:r>
               <a:rPr lang="en-US" dirty="0"/>
-              <a:t>** in the root of the site collection where the app is installed. Otherwise, when the property is set to `false`, you are responsible for deploying the files to a location your users can access, such as an Azure CDN.</a:t>
+              <a:t>** in the root of the site collection where the app is installed. Otherwise, when the property is set to `false`, you're responsible for deploying the files to a location your users can access, such as an Azure CDN.</a:t>
             </a:r>
           </a:p>
           <a:p>
@@ -11608,7 +11775,7 @@
           <a:p>
             <a:r>
               <a:rPr lang="en-US" dirty="0"/>
-              <a:t>The packaging process is initiated when you run the gulp task **package-solution** from the command line. When you add the optional `--ship` or `-p` to the command, the packaging process will also modify manifest files for production, setting the URL where the component's runtime files can be located. This location is defined in the **./config/write-</a:t>
+              <a:t>The packaging process is started when you run the gulp task **package-solution** from the command line. When you add the optional `--ship` or `-p` to the command, the packaging process will also modify manifest files for production, setting the URL where the component's runtime files can be located. This location is defined in the **./config/write-</a:t>
             </a:r>
             <a:r>
               <a:rPr lang="en-US" dirty="0" err="1"/>
@@ -11625,7 +11792,7 @@
           <a:p>
             <a:r>
               <a:rPr lang="en-US" dirty="0"/>
-              <a:t>```shell</a:t>
+              <a:t>```console</a:t>
             </a:r>
           </a:p>
           <a:p>
@@ -11639,6 +11806,9 @@
               <a:rPr lang="en-US" dirty="0"/>
               <a:t>```</a:t>
             </a:r>
+          </a:p>
+          <a:p>
+            <a:endParaRPr lang="en-US" dirty="0"/>
           </a:p>
         </p:txBody>
       </p:sp>
@@ -11736,7 +11906,7 @@
           <a:p>
             <a:fld id="{D18B56EA-E28F-4F92-9F16-7A6F2501B303}" type="datetime8">
               <a:rPr lang="en-US" smtClean="0"/>
-              <a:t>8/29/2020 5:36 PM</a:t>
+              <a:t>4/30/2022 11:15 AM</a:t>
             </a:fld>
             <a:endParaRPr lang="en-US" dirty="0"/>
           </a:p>
@@ -11825,7 +11995,7 @@
           <a:p>
             <a:r>
               <a:rPr lang="en-US" dirty="0"/>
-              <a:t>In the previous section, you learned that two of the gulp tasks used in creating a SharePoint package support an optional `--ship` switch. This switch indicates you are bundling and packaging for production. When the switch isn't present, it indicates you are bundling and packaging for development or debugging.</a:t>
+              <a:t>In the previous section, you learned that two of the gulp tasks used in creating a SharePoint package support an optional `--ship` switch. This switch indicates you're bundling and packaging for production. When the switch isn't present, it indicates you're bundling and packaging for development or debugging.</a:t>
             </a:r>
           </a:p>
           <a:p>
@@ -11852,7 +12022,15 @@
           <a:p>
             <a:r>
               <a:rPr lang="en-US" dirty="0"/>
-              <a:t>When bundling and packaging the solution in debug mode, all generated files are left un-minified. This means the code comments and white space is left in the generated bundle and component manifest files.</a:t>
+              <a:t>When bundling and packaging the solution in debug mode, all generated files are left </a:t>
+            </a:r>
+            <a:r>
+              <a:rPr lang="en-US" dirty="0" err="1"/>
+              <a:t>unminified</a:t>
+            </a:r>
+            <a:r>
+              <a:rPr lang="en-US" dirty="0"/>
+              <a:t>. This means the code comments and white space is left in the generated bundle and component manifest files.</a:t>
             </a:r>
           </a:p>
           <a:p>
@@ -11861,7 +12039,7 @@
           <a:p>
             <a:r>
               <a:rPr lang="en-US" dirty="0"/>
-              <a:t>The bundling process also generates JavaScript source map files that can be used when debugging the component at runtime. Source map files map the generated JavaScript to the source TypeScript code so when a breakpoint is hit in JavaScript, you'll be able to easily debug the TypeScript and not have to figure out what TypeScript code mapped to the generated JavaScript code.</a:t>
+              <a:t>The bundling process also generates JavaScript source map files that can be used when debugging the component at runtime. Source map files map the generated JavaScript to the source TypeScript code so when a breakpoint is hit in JavaScript, you can easily debug the TypeScript and not have to figure out what TypeScript code mapped to the generated JavaScript code.</a:t>
             </a:r>
           </a:p>
           <a:p>
@@ -11897,7 +12075,7 @@
           <a:p>
             <a:r>
               <a:rPr lang="en-US" dirty="0"/>
-              <a:t>Unlike the debug mode, the production mode does not generate source map files.</a:t>
+              <a:t>Unlike the debug mode, the production mode doesn't generate source map files.</a:t>
             </a:r>
           </a:p>
           <a:p>
@@ -12031,7 +12209,7 @@
           <a:p>
             <a:fld id="{D18B56EA-E28F-4F92-9F16-7A6F2501B303}" type="datetime8">
               <a:rPr lang="en-US" smtClean="0"/>
-              <a:t>8/29/2020 5:36 PM</a:t>
+              <a:t>4/30/2022 11:15 AM</a:t>
             </a:fld>
             <a:endParaRPr lang="en-US" dirty="0"/>
           </a:p>
@@ -12138,7 +12316,7 @@
           <a:p>
             <a:r>
               <a:rPr lang="en-US" dirty="0"/>
-              <a:t>The other part of package deployment addresses the runtime files required for your component to function. This includes your component's JavaScript bundle and manifest files as well as any external dependencies. These files must be deployed to a hosting location that all the users on a site can access.</a:t>
+              <a:t>The other part of package deployment addresses the runtime files required for your component to function. This includes your component's JavaScript bundle and manifest files and any external dependencies. These files must be deployed to a hosting location that all the users on a site can access.</a:t>
             </a:r>
           </a:p>
           <a:p>
@@ -12156,7 +12334,7 @@
           <a:p>
             <a:r>
               <a:rPr lang="en-US" dirty="0"/>
-              <a:t>The decision on where to host these runtime files falls into two categories. The first category are manual options. With this option, you manually copy or upload files to the target location. Some examples of the manual deployment option include the Office 365 CDN, an Azure CDN, or any location that is on a public or internal URL. The only requirement is that the files must be accessible to the users of your site.</a:t>
+              <a:t>The decision on where to host these runtime files falls into two categories. The first category is manual options. With this option, you manually copy or upload files to the target location. Some examples of the manual deployment option include the Office 365 CDN, an Azure CDN, or any location that is on a public or internal URL. The only requirement is that the files must be accessible to the users of your site.</a:t>
             </a:r>
           </a:p>
           <a:p>
@@ -12173,15 +12351,7 @@
             </a:r>
             <a:r>
               <a:rPr lang="en-US" dirty="0"/>
-              <a:t>` to the **./</a:t>
-            </a:r>
-            <a:r>
-              <a:rPr lang="en-US" dirty="0" err="1"/>
-              <a:t>src</a:t>
-            </a:r>
-            <a:r>
-              <a:rPr lang="en-US" dirty="0"/>
-              <a:t>/config/package-</a:t>
+              <a:t>` to the **./config/package-</a:t>
             </a:r>
             <a:r>
               <a:rPr lang="en-US" dirty="0" err="1"/>
@@ -12223,7 +12393,7 @@
           <a:p>
             <a:r>
               <a:rPr lang="en-US" dirty="0"/>
-              <a:t>If you've enabled the Office 365 CDN, this library is included in the list of libraries that are backed by the CDN. </a:t>
+              <a:t>If you've enabled the Office 365 CDN, this library is included in the list of libraries that are backed by the CDN.</a:t>
             </a:r>
           </a:p>
           <a:p>
@@ -12325,7 +12495,7 @@
           <a:p>
             <a:fld id="{D18B56EA-E28F-4F92-9F16-7A6F2501B303}" type="datetime8">
               <a:rPr lang="en-US" smtClean="0"/>
-              <a:t>8/29/2020 5:36 PM</a:t>
+              <a:t>4/30/2022 11:15 AM</a:t>
             </a:fld>
             <a:endParaRPr lang="en-US" dirty="0"/>
           </a:p>
@@ -12414,72 +12584,58 @@
           <a:p>
             <a:r>
               <a:rPr lang="en-US" dirty="0"/>
-              <a:t>Let's review the deployment and installation steps for a SharePoint Framework solution.</a:t>
+              <a:t>You can configure your SharePoint Framework components to be immediately available across the tenant when the solution package is installed to the tenant app catalog, or to be immediately available across the site collection when the solution package is installed to a site collection app catalog. This can be configured by using the `</a:t>
+            </a:r>
+            <a:r>
+              <a:rPr lang="en-US" dirty="0" err="1"/>
+              <a:t>skipFeatureDeployment</a:t>
+            </a:r>
+            <a:r>
+              <a:rPr lang="en-US" dirty="0"/>
+              <a:t>` property of the `solution` object in the **./config/package-</a:t>
+            </a:r>
+            <a:r>
+              <a:rPr lang="en-US" dirty="0" err="1"/>
+              <a:t>solution.json</a:t>
+            </a:r>
+            <a:r>
+              <a:rPr lang="en-US" dirty="0"/>
+              <a:t>** file. </a:t>
             </a:r>
           </a:p>
           <a:p>
             <a:endParaRPr lang="en-US" dirty="0"/>
           </a:p>
           <a:p>
-            <a:pPr marL="171450" indent="-171450">
-              <a:buFont typeface="Arial" panose="020B0604020202020204" pitchFamily="34" charset="0"/>
-              <a:buChar char="•"/>
-            </a:pPr>
-            <a:r>
-              <a:rPr lang="en-US" dirty="0"/>
-              <a:t>Build the project: The first step is to build your project with the **gulp build** command. This will create all the files that are used in the deployment of your solution. </a:t>
-            </a:r>
-          </a:p>
-          <a:p>
-            <a:pPr marL="171450" indent="-171450">
-              <a:buFont typeface="Arial" panose="020B0604020202020204" pitchFamily="34" charset="0"/>
-              <a:buChar char="•"/>
-            </a:pPr>
-            <a:r>
-              <a:rPr lang="en-US" dirty="0"/>
-              <a:t>Generate the bundle and manifest: Next, create the component bundle and manifest files for production using the **gulp bundle --ship** command. This step takes the files from the build step and creates the files that will be deployed to SharePoint.</a:t>
-            </a:r>
-          </a:p>
-          <a:p>
-            <a:pPr marL="171450" indent="-171450">
-              <a:buFont typeface="Arial" panose="020B0604020202020204" pitchFamily="34" charset="0"/>
-              <a:buChar char="•"/>
-            </a:pPr>
-            <a:r>
-              <a:rPr lang="en-US" dirty="0"/>
-              <a:t>Generate the SharePoint package: The final step in the packaging process is to create the SharePoint package with the **gulp package-solution --ship** command. This step takes the results from the bundle phase, generates the necessary deployment files including an app manifest and associated feature files, and packages them into a single archive named **\*.</a:t>
-            </a:r>
-            <a:r>
-              <a:rPr lang="en-US" dirty="0" err="1"/>
-              <a:t>sppkg</a:t>
-            </a:r>
-            <a:r>
-              <a:rPr lang="en-US" dirty="0"/>
-              <a:t>**.</a:t>
-            </a:r>
-          </a:p>
-          <a:p>
-            <a:pPr marL="171450" indent="-171450">
-              <a:buFont typeface="Arial" panose="020B0604020202020204" pitchFamily="34" charset="0"/>
-              <a:buChar char="•"/>
-            </a:pPr>
-            <a:r>
-              <a:rPr lang="en-US" dirty="0"/>
-              <a:t>Upload the package to the App Catalog: Now that you've created the package, the next step is to upload the package to one of the SharePoint App Catalogs. Part of this process is to also trust the package, indicating to SharePoint the app within the SharePoint package are safe to run in your environment. This step makes the components available for installation and use within your SharePoint environment.</a:t>
-            </a:r>
-          </a:p>
-          <a:p>
-            <a:pPr marL="171450" indent="-171450">
-              <a:buFont typeface="Arial" panose="020B0604020202020204" pitchFamily="34" charset="0"/>
-              <a:buChar char="•"/>
-            </a:pPr>
-            <a:r>
-              <a:rPr lang="en-US" dirty="0"/>
-              <a:t>Install the app from the site collection's Site Contents page: The last step is to install the app from the package into a site collection. This is done from the **New &gt; App** menu in the **Site Contents** library in a site collection.</a:t>
+            <a:r>
+              <a:rPr lang="en-US" dirty="0"/>
+              <a:t>When the value of `</a:t>
+            </a:r>
+            <a:r>
+              <a:rPr lang="en-US" dirty="0" err="1"/>
+              <a:t>skipFeatureDeployment</a:t>
+            </a:r>
+            <a:r>
+              <a:rPr lang="en-US" dirty="0"/>
+              <a:t>` is set to **true**, the administrator deploying the package to the app catalog is given the option to enable the app and add it to all sites. This applies to existing sites and sites created in the future.</a:t>
             </a:r>
           </a:p>
           <a:p>
             <a:endParaRPr lang="en-US" dirty="0"/>
+          </a:p>
+          <a:p>
+            <a:r>
+              <a:rPr lang="en-US" dirty="0"/>
+              <a:t>When the value of `</a:t>
+            </a:r>
+            <a:r>
+              <a:rPr lang="en-US" dirty="0" err="1"/>
+              <a:t>skipFeatureDeployment</a:t>
+            </a:r>
+            <a:r>
+              <a:rPr lang="en-US" dirty="0"/>
+              <a:t>` is set to **false**, the administrator deploying the package to the app catalog doesn't have the option described above. The app contained in the package must be manually added to each site where the components will be used.</a:t>
+            </a:r>
           </a:p>
         </p:txBody>
       </p:sp>
@@ -12577,7 +12733,7 @@
           <a:p>
             <a:fld id="{D18B56EA-E28F-4F92-9F16-7A6F2501B303}" type="datetime8">
               <a:rPr lang="en-US" smtClean="0"/>
-              <a:t>8/29/2020 5:36 PM</a:t>
+              <a:t>4/30/2022 11:16 AM</a:t>
             </a:fld>
             <a:endParaRPr lang="en-US" dirty="0"/>
           </a:p>
@@ -12610,7 +12766,7 @@
     </p:spTree>
     <p:extLst>
       <p:ext uri="{BB962C8B-B14F-4D97-AF65-F5344CB8AC3E}">
-        <p14:creationId xmlns:p14="http://schemas.microsoft.com/office/powerpoint/2010/main" val="3142137961"/>
+        <p14:creationId xmlns:p14="http://schemas.microsoft.com/office/powerpoint/2010/main" val="3914521971"/>
       </p:ext>
     </p:extLst>
   </p:cSld>
@@ -12664,7 +12820,74 @@
           <a:bodyPr/>
           <a:lstStyle/>
           <a:p>
-            <a:endParaRPr lang="en-US"/>
+            <a:r>
+              <a:rPr lang="en-US" dirty="0"/>
+              <a:t>Let's review the deployment and installation steps for a SharePoint Framework solution.</a:t>
+            </a:r>
+          </a:p>
+          <a:p>
+            <a:endParaRPr lang="en-US" dirty="0"/>
+          </a:p>
+          <a:p>
+            <a:pPr marL="171450" indent="-171450">
+              <a:buFont typeface="Arial" panose="020B0604020202020204" pitchFamily="34" charset="0"/>
+              <a:buChar char="•"/>
+            </a:pPr>
+            <a:r>
+              <a:rPr lang="en-US" dirty="0"/>
+              <a:t>Build the project: The first step is to build your project with the **gulp build** command. This will create all the files that are used in the deployment of your solution. </a:t>
+            </a:r>
+          </a:p>
+          <a:p>
+            <a:pPr marL="171450" indent="-171450">
+              <a:buFont typeface="Arial" panose="020B0604020202020204" pitchFamily="34" charset="0"/>
+              <a:buChar char="•"/>
+            </a:pPr>
+            <a:r>
+              <a:rPr lang="en-US" dirty="0"/>
+              <a:t>Generate the bundle and manifest: Next, create the component bundle and manifest files for production using the **gulp bundle --ship** command. This step takes the files from the build step and creates the files that will be deployed to SharePoint.</a:t>
+            </a:r>
+          </a:p>
+          <a:p>
+            <a:pPr marL="171450" indent="-171450">
+              <a:buFont typeface="Arial" panose="020B0604020202020204" pitchFamily="34" charset="0"/>
+              <a:buChar char="•"/>
+            </a:pPr>
+            <a:r>
+              <a:rPr lang="en-US" dirty="0"/>
+              <a:t>Generate the SharePoint package: The final step in the packaging process is to create the SharePoint package with the **gulp package-solution --ship** command. This step takes the results from the bundle phase, generates the necessary deployment files including an app manifest and associated feature files, and packages them into a single ZIP archive with a **</a:t>
+            </a:r>
+            <a:r>
+              <a:rPr lang="en-US" dirty="0" err="1"/>
+              <a:t>sppkg</a:t>
+            </a:r>
+            <a:r>
+              <a:rPr lang="en-US" dirty="0"/>
+              <a:t>** extension.</a:t>
+            </a:r>
+          </a:p>
+          <a:p>
+            <a:pPr marL="171450" indent="-171450">
+              <a:buFont typeface="Arial" panose="020B0604020202020204" pitchFamily="34" charset="0"/>
+              <a:buChar char="•"/>
+            </a:pPr>
+            <a:r>
+              <a:rPr lang="en-US" dirty="0"/>
+              <a:t>Upload the package to the App Catalog: Now that you've created the package, the next step is to upload the package to one of the SharePoint App Catalogs. Part of this process is to also enable the package, indicating to SharePoint the app within the SharePoint package are safe to run in your environment. This step makes the components available for installation and use within your SharePoint environment.</a:t>
+            </a:r>
+          </a:p>
+          <a:p>
+            <a:pPr marL="171450" indent="-171450">
+              <a:buFont typeface="Arial" panose="020B0604020202020204" pitchFamily="34" charset="0"/>
+              <a:buChar char="•"/>
+            </a:pPr>
+            <a:r>
+              <a:rPr lang="en-US" dirty="0"/>
+              <a:t>Install the app from the site collection's Site Contents page: The last step is to install the app from the package into a site collection. This is done from the **New &gt; App** menu in the **Site Contents** library in a site collection.</a:t>
+            </a:r>
+          </a:p>
+          <a:p>
+            <a:endParaRPr lang="en-US" dirty="0"/>
           </a:p>
         </p:txBody>
       </p:sp>
@@ -12675,7 +12898,7 @@
             <a:spLocks noGrp="1"/>
           </p:cNvSpPr>
           <p:nvPr>
-            <p:ph type="hdr" sz="quarter" idx="10"/>
+            <p:ph type="hdr" sz="quarter"/>
           </p:nvPr>
         </p:nvSpPr>
         <p:spPr/>
@@ -12683,6 +12906,10 @@
           <a:bodyPr/>
           <a:lstStyle/>
           <a:p>
+            <a:r>
+              <a:rPr lang="en-US"/>
+              <a:t>SharePoint Framework</a:t>
+            </a:r>
             <a:endParaRPr lang="en-US" dirty="0"/>
           </a:p>
         </p:txBody>
@@ -12694,7 +12921,7 @@
             <a:spLocks noGrp="1"/>
           </p:cNvSpPr>
           <p:nvPr>
-            <p:ph type="ftr" sz="quarter" idx="11"/>
+            <p:ph type="ftr" sz="quarter" idx="4"/>
           </p:nvPr>
         </p:nvSpPr>
         <p:spPr/>
@@ -12748,7 +12975,7 @@
             <a:spLocks noGrp="1"/>
           </p:cNvSpPr>
           <p:nvPr>
-            <p:ph type="dt" idx="12"/>
+            <p:ph type="dt" idx="1"/>
           </p:nvPr>
         </p:nvSpPr>
         <p:spPr/>
@@ -12758,7 +12985,7 @@
           <a:p>
             <a:fld id="{D18B56EA-E28F-4F92-9F16-7A6F2501B303}" type="datetime8">
               <a:rPr lang="en-US" smtClean="0"/>
-              <a:t>8/29/2020 5:36 PM</a:t>
+              <a:t>4/30/2022 11:15 AM</a:t>
             </a:fld>
             <a:endParaRPr lang="en-US" dirty="0"/>
           </a:p>
@@ -12771,7 +12998,7 @@
             <a:spLocks noGrp="1"/>
           </p:cNvSpPr>
           <p:nvPr>
-            <p:ph type="sldNum" sz="quarter" idx="13"/>
+            <p:ph type="sldNum" sz="quarter" idx="5"/>
           </p:nvPr>
         </p:nvSpPr>
         <p:spPr/>
@@ -12791,7 +13018,7 @@
     </p:spTree>
     <p:extLst>
       <p:ext uri="{BB962C8B-B14F-4D97-AF65-F5344CB8AC3E}">
-        <p14:creationId xmlns:p14="http://schemas.microsoft.com/office/powerpoint/2010/main" val="3738293785"/>
+        <p14:creationId xmlns:p14="http://schemas.microsoft.com/office/powerpoint/2010/main" val="3142137961"/>
       </p:ext>
     </p:extLst>
   </p:cSld>
@@ -12845,7 +13072,7 @@
           <a:bodyPr/>
           <a:lstStyle/>
           <a:p>
-            <a:endParaRPr lang="en-US" dirty="0"/>
+            <a:endParaRPr lang="en-US"/>
           </a:p>
         </p:txBody>
       </p:sp>
@@ -12939,7 +13166,7 @@
           <a:p>
             <a:fld id="{D18B56EA-E28F-4F92-9F16-7A6F2501B303}" type="datetime8">
               <a:rPr lang="en-US" smtClean="0"/>
-              <a:t>8/29/2020 5:36 PM</a:t>
+              <a:t>4/30/2022 11:15 AM</a:t>
             </a:fld>
             <a:endParaRPr lang="en-US" dirty="0"/>
           </a:p>
@@ -12963,7 +13190,7 @@
             <a:fld id="{B4008EB6-D09E-4580-8CD6-DDB14511944F}" type="slidenum">
               <a:rPr lang="en-US" smtClean="0"/>
               <a:pPr/>
-              <a:t>10</a:t>
+              <a:t>9</a:t>
             </a:fld>
             <a:endParaRPr lang="en-US" dirty="0"/>
           </a:p>
@@ -12972,7 +13199,7 @@
     </p:spTree>
     <p:extLst>
       <p:ext uri="{BB962C8B-B14F-4D97-AF65-F5344CB8AC3E}">
-        <p14:creationId xmlns:p14="http://schemas.microsoft.com/office/powerpoint/2010/main" val="3282806226"/>
+        <p14:creationId xmlns:p14="http://schemas.microsoft.com/office/powerpoint/2010/main" val="3738293785"/>
       </p:ext>
     </p:extLst>
   </p:cSld>
@@ -25740,1421 +25967,6 @@
           <a:chExt cx="0" cy="0"/>
         </a:xfrm>
       </p:grpSpPr>
-      <p:sp>
-        <p:nvSpPr>
-          <p:cNvPr id="4" name="Rectangle 3">
-            <a:extLst>
-              <a:ext uri="{FF2B5EF4-FFF2-40B4-BE49-F238E27FC236}">
-                <a16:creationId xmlns:a16="http://schemas.microsoft.com/office/drawing/2014/main" id="{81B3A684-C5C1-4B91-8D72-E2DBE6DAFFCC}"/>
-              </a:ext>
-            </a:extLst>
-          </p:cNvPr>
-          <p:cNvSpPr/>
-          <p:nvPr/>
-        </p:nvSpPr>
-        <p:spPr bwMode="auto">
-          <a:xfrm>
-            <a:off x="0" y="1504710"/>
-            <a:ext cx="12436475" cy="4857036"/>
-          </a:xfrm>
-          <a:prstGeom prst="rect">
-            <a:avLst/>
-          </a:prstGeom>
-          <a:solidFill>
-            <a:schemeClr val="bg2">
-              <a:lumMod val="95000"/>
-            </a:schemeClr>
-          </a:solidFill>
-          <a:ln>
-            <a:noFill/>
-            <a:headEnd type="none" w="med" len="med"/>
-            <a:tailEnd type="none" w="med" len="med"/>
-          </a:ln>
-          <a:effectLst/>
-        </p:spPr>
-        <p:style>
-          <a:lnRef idx="1">
-            <a:schemeClr val="accent2"/>
-          </a:lnRef>
-          <a:fillRef idx="3">
-            <a:schemeClr val="accent2"/>
-          </a:fillRef>
-          <a:effectRef idx="2">
-            <a:schemeClr val="accent2"/>
-          </a:effectRef>
-          <a:fontRef idx="minor">
-            <a:schemeClr val="lt1"/>
-          </a:fontRef>
-        </p:style>
-        <p:txBody>
-          <a:bodyPr rot="0" spcFirstLastPara="0" vertOverflow="overflow" horzOverflow="overflow" vert="horz" wrap="square" lIns="182880" tIns="146304" rIns="182880" bIns="146304" numCol="1" spcCol="0" rtlCol="0" fromWordArt="0" anchor="t" anchorCtr="0" forceAA="0" compatLnSpc="1">
-            <a:prstTxWarp prst="textNoShape">
-              <a:avLst/>
-            </a:prstTxWarp>
-            <a:noAutofit/>
-          </a:bodyPr>
-          <a:lstStyle/>
-          <a:p>
-            <a:pPr algn="ctr" defTabSz="932472" fontAlgn="base">
-              <a:lnSpc>
-                <a:spcPct val="90000"/>
-              </a:lnSpc>
-              <a:spcBef>
-                <a:spcPct val="0"/>
-              </a:spcBef>
-              <a:spcAft>
-                <a:spcPct val="0"/>
-              </a:spcAft>
-            </a:pPr>
-            <a:endParaRPr lang="en-US" sz="2400" dirty="0" err="1">
-              <a:gradFill>
-                <a:gsLst>
-                  <a:gs pos="0">
-                    <a:srgbClr val="FFFFFF"/>
-                  </a:gs>
-                  <a:gs pos="100000">
-                    <a:srgbClr val="FFFFFF"/>
-                  </a:gs>
-                </a:gsLst>
-                <a:lin ang="5400000" scaled="0"/>
-              </a:gradFill>
-              <a:ea typeface="Segoe UI" pitchFamily="34" charset="0"/>
-              <a:cs typeface="Segoe UI" pitchFamily="34" charset="0"/>
-            </a:endParaRPr>
-          </a:p>
-        </p:txBody>
-      </p:sp>
-      <p:sp>
-        <p:nvSpPr>
-          <p:cNvPr id="2" name="Title 1"/>
-          <p:cNvSpPr>
-            <a:spLocks noGrp="1"/>
-          </p:cNvSpPr>
-          <p:nvPr>
-            <p:ph type="title"/>
-          </p:nvPr>
-        </p:nvSpPr>
-        <p:spPr/>
-        <p:txBody>
-          <a:bodyPr/>
-          <a:lstStyle/>
-          <a:p>
-            <a:r>
-              <a:rPr lang="en-US" dirty="0"/>
-              <a:t>Reading further</a:t>
-            </a:r>
-          </a:p>
-        </p:txBody>
-      </p:sp>
-      <p:sp>
-        <p:nvSpPr>
-          <p:cNvPr id="3" name="Text Placeholder 2"/>
-          <p:cNvSpPr>
-            <a:spLocks noGrp="1"/>
-          </p:cNvSpPr>
-          <p:nvPr>
-            <p:ph type="body" sz="quarter" idx="10"/>
-          </p:nvPr>
-        </p:nvSpPr>
-        <p:spPr>
-          <a:xfrm>
-            <a:off x="465138" y="1930734"/>
-            <a:ext cx="11533187" cy="1661993"/>
-          </a:xfrm>
-        </p:spPr>
-        <p:txBody>
-          <a:bodyPr/>
-          <a:lstStyle/>
-          <a:p>
-            <a:pPr marL="342900" marR="0" lvl="0" indent="-342900" defTabSz="914400" eaLnBrk="1" fontAlgn="auto" latinLnBrk="0" hangingPunct="1">
-              <a:lnSpc>
-                <a:spcPct val="100000"/>
-              </a:lnSpc>
-              <a:spcBef>
-                <a:spcPts val="600"/>
-              </a:spcBef>
-              <a:spcAft>
-                <a:spcPts val="0"/>
-              </a:spcAft>
-              <a:buClrTx/>
-              <a:buSzTx/>
-              <a:buFont typeface="Arial" charset="0"/>
-              <a:buNone/>
-              <a:tabLst/>
-              <a:defRPr/>
-            </a:pPr>
-            <a:r>
-              <a:rPr lang="en-US" sz="1800" dirty="0">
-                <a:latin typeface="+mj-lt"/>
-              </a:rPr>
-              <a:t>SharePoint Framework</a:t>
-            </a:r>
-          </a:p>
-          <a:p>
-            <a:pPr marL="342900" lvl="0" indent="-342900" defTabSz="914400">
-              <a:lnSpc>
-                <a:spcPct val="100000"/>
-              </a:lnSpc>
-              <a:spcBef>
-                <a:spcPts val="600"/>
-              </a:spcBef>
-              <a:buSzTx/>
-              <a:defRPr/>
-            </a:pPr>
-            <a:r>
-              <a:rPr lang="en-US" sz="1800" dirty="0">
-                <a:latin typeface="+mj-lt"/>
-                <a:hlinkClick r:id="rId3"/>
-              </a:rPr>
-              <a:t>https://docs.microsoft.com/en-us/sharepoint/dev/spfx/sharepoint-framework-overview</a:t>
-            </a:r>
-            <a:endParaRPr lang="en-US" sz="1800" dirty="0">
-              <a:latin typeface="+mj-lt"/>
-            </a:endParaRPr>
-          </a:p>
-          <a:p>
-            <a:pPr marL="342900" lvl="0" indent="-342900" defTabSz="914400">
-              <a:lnSpc>
-                <a:spcPct val="100000"/>
-              </a:lnSpc>
-              <a:spcBef>
-                <a:spcPts val="600"/>
-              </a:spcBef>
-              <a:buSzTx/>
-              <a:defRPr/>
-            </a:pPr>
-            <a:endParaRPr lang="en-US" sz="1800" dirty="0">
-              <a:latin typeface="+mj-lt"/>
-            </a:endParaRPr>
-          </a:p>
-          <a:p>
-            <a:pPr marL="342900" lvl="0" indent="-342900" defTabSz="914400">
-              <a:lnSpc>
-                <a:spcPct val="100000"/>
-              </a:lnSpc>
-              <a:spcBef>
-                <a:spcPts val="600"/>
-              </a:spcBef>
-              <a:buSzTx/>
-              <a:defRPr/>
-            </a:pPr>
-            <a:r>
-              <a:rPr lang="en-US" sz="1800" dirty="0">
-                <a:latin typeface="+mj-lt"/>
-              </a:rPr>
-              <a:t>Deploy your client-side web part to a SharePoint page</a:t>
-            </a:r>
-          </a:p>
-          <a:p>
-            <a:pPr marL="342900" lvl="0" indent="-342900" defTabSz="914400">
-              <a:lnSpc>
-                <a:spcPct val="100000"/>
-              </a:lnSpc>
-              <a:spcBef>
-                <a:spcPts val="600"/>
-              </a:spcBef>
-              <a:buSzTx/>
-              <a:defRPr/>
-            </a:pPr>
-            <a:r>
-              <a:rPr lang="en-US" sz="1600" dirty="0">
-                <a:latin typeface="+mj-lt"/>
-                <a:hlinkClick r:id="rId4"/>
-              </a:rPr>
-              <a:t>https://docs.microsoft.com/sharepoint/dev/spfx/web-parts/get-started/serve-your-web-part-in-a-sharepoint-page</a:t>
-            </a:r>
-            <a:r>
-              <a:rPr lang="en-US" sz="1600" dirty="0">
-                <a:latin typeface="+mj-lt"/>
-              </a:rPr>
-              <a:t> </a:t>
-            </a:r>
-          </a:p>
-        </p:txBody>
-      </p:sp>
-    </p:spTree>
-    <p:extLst>
-      <p:ext uri="{BB962C8B-B14F-4D97-AF65-F5344CB8AC3E}">
-        <p14:creationId xmlns:p14="http://schemas.microsoft.com/office/powerpoint/2010/main" val="1745997778"/>
-      </p:ext>
-    </p:extLst>
-  </p:cSld>
-  <p:clrMapOvr>
-    <a:masterClrMapping/>
-  </p:clrMapOvr>
-  <p:transition>
-    <p:fade/>
-  </p:transition>
-</p:sld>
-</file>
-
-<file path=ppt/slides/slide11.xml><?xml version="1.0" encoding="utf-8"?>
-<p:sld xmlns:a="http://schemas.openxmlformats.org/drawingml/2006/main" xmlns:r="http://schemas.openxmlformats.org/officeDocument/2006/relationships" xmlns:p="http://schemas.openxmlformats.org/presentationml/2006/main">
-  <p:cSld>
-    <p:spTree>
-      <p:nvGrpSpPr>
-        <p:cNvPr id="1" name=""/>
-        <p:cNvGrpSpPr/>
-        <p:nvPr/>
-      </p:nvGrpSpPr>
-      <p:grpSpPr>
-        <a:xfrm>
-          <a:off x="0" y="0"/>
-          <a:ext cx="0" cy="0"/>
-          <a:chOff x="0" y="0"/>
-          <a:chExt cx="0" cy="0"/>
-        </a:xfrm>
-      </p:grpSpPr>
-      <p:sp>
-        <p:nvSpPr>
-          <p:cNvPr id="2" name="Title 1"/>
-          <p:cNvSpPr>
-            <a:spLocks noGrp="1"/>
-          </p:cNvSpPr>
-          <p:nvPr>
-            <p:ph type="title"/>
-          </p:nvPr>
-        </p:nvSpPr>
-        <p:spPr/>
-        <p:txBody>
-          <a:bodyPr/>
-          <a:lstStyle/>
-          <a:p>
-            <a:r>
-              <a:rPr lang="en-US" dirty="0"/>
-              <a:t>Thank you.</a:t>
-            </a:r>
-          </a:p>
-        </p:txBody>
-      </p:sp>
-    </p:spTree>
-    <p:extLst>
-      <p:ext uri="{BB962C8B-B14F-4D97-AF65-F5344CB8AC3E}">
-        <p14:creationId xmlns:p14="http://schemas.microsoft.com/office/powerpoint/2010/main" val="1244281241"/>
-      </p:ext>
-    </p:extLst>
-  </p:cSld>
-  <p:clrMapOvr>
-    <a:masterClrMapping/>
-  </p:clrMapOvr>
-  <mc:AlternateContent xmlns:mc="http://schemas.openxmlformats.org/markup-compatibility/2006" xmlns:p14="http://schemas.microsoft.com/office/powerpoint/2010/main">
-    <mc:Choice Requires="p14">
-      <p:transition spd="med" p14:dur="700">
-        <p:fade/>
-      </p:transition>
-    </mc:Choice>
-    <mc:Fallback xmlns="">
-      <p:transition spd="med">
-        <p:fade/>
-      </p:transition>
-    </mc:Fallback>
-  </mc:AlternateContent>
-</p:sld>
-</file>
-
-<file path=ppt/slides/slide12.xml><?xml version="1.0" encoding="utf-8"?>
-<p:sld xmlns:a="http://schemas.openxmlformats.org/drawingml/2006/main" xmlns:r="http://schemas.openxmlformats.org/officeDocument/2006/relationships" xmlns:p="http://schemas.openxmlformats.org/presentationml/2006/main">
-  <p:cSld>
-    <p:spTree>
-      <p:nvGrpSpPr>
-        <p:cNvPr id="1" name=""/>
-        <p:cNvGrpSpPr/>
-        <p:nvPr/>
-      </p:nvGrpSpPr>
-      <p:grpSpPr>
-        <a:xfrm>
-          <a:off x="0" y="0"/>
-          <a:ext cx="0" cy="0"/>
-          <a:chOff x="0" y="0"/>
-          <a:chExt cx="0" cy="0"/>
-        </a:xfrm>
-      </p:grpSpPr>
-    </p:spTree>
-    <p:extLst>
-      <p:ext uri="{BB962C8B-B14F-4D97-AF65-F5344CB8AC3E}">
-        <p14:creationId xmlns:p14="http://schemas.microsoft.com/office/powerpoint/2010/main" val="1778337276"/>
-      </p:ext>
-    </p:extLst>
-  </p:cSld>
-  <p:clrMapOvr>
-    <a:masterClrMapping/>
-  </p:clrMapOvr>
-  <p:transition>
-    <p:fade/>
-  </p:transition>
-</p:sld>
-</file>
-
-<file path=ppt/slides/slide2.xml><?xml version="1.0" encoding="utf-8"?>
-<p:sld xmlns:a="http://schemas.openxmlformats.org/drawingml/2006/main" xmlns:r="http://schemas.openxmlformats.org/officeDocument/2006/relationships" xmlns:p="http://schemas.openxmlformats.org/presentationml/2006/main">
-  <p:cSld>
-    <p:spTree>
-      <p:nvGrpSpPr>
-        <p:cNvPr id="1" name=""/>
-        <p:cNvGrpSpPr/>
-        <p:nvPr/>
-      </p:nvGrpSpPr>
-      <p:grpSpPr>
-        <a:xfrm>
-          <a:off x="0" y="0"/>
-          <a:ext cx="0" cy="0"/>
-          <a:chOff x="0" y="0"/>
-          <a:chExt cx="0" cy="0"/>
-        </a:xfrm>
-      </p:grpSpPr>
-      <p:pic>
-        <p:nvPicPr>
-          <p:cNvPr id="6" name="Picture 5" descr="A person standing in a room&#10;&#10;Description generated with very high confidence">
-            <a:extLst>
-              <a:ext uri="{FF2B5EF4-FFF2-40B4-BE49-F238E27FC236}">
-                <a16:creationId xmlns:a16="http://schemas.microsoft.com/office/drawing/2014/main" id="{297CE05B-2BFB-9245-A0F0-B1C807F7EAA6}"/>
-              </a:ext>
-            </a:extLst>
-          </p:cNvPr>
-          <p:cNvPicPr>
-            <a:picLocks noChangeAspect="1"/>
-          </p:cNvPicPr>
-          <p:nvPr/>
-        </p:nvPicPr>
-        <p:blipFill>
-          <a:blip r:embed="rId3" cstate="screen">
-            <a:extLst>
-              <a:ext uri="{28A0092B-C50C-407E-A947-70E740481C1C}">
-                <a14:useLocalDpi xmlns:a14="http://schemas.microsoft.com/office/drawing/2010/main"/>
-              </a:ext>
-            </a:extLst>
-          </a:blip>
-          <a:stretch>
-            <a:fillRect/>
-          </a:stretch>
-        </p:blipFill>
-        <p:spPr>
-          <a:xfrm>
-            <a:off x="1942064" y="0"/>
-            <a:ext cx="10494411" cy="6994525"/>
-          </a:xfrm>
-          <a:prstGeom prst="rect">
-            <a:avLst/>
-          </a:prstGeom>
-        </p:spPr>
-      </p:pic>
-      <p:sp>
-        <p:nvSpPr>
-          <p:cNvPr id="7" name="Rectangle 6">
-            <a:extLst>
-              <a:ext uri="{FF2B5EF4-FFF2-40B4-BE49-F238E27FC236}">
-                <a16:creationId xmlns:a16="http://schemas.microsoft.com/office/drawing/2014/main" id="{9A852F9E-D476-2648-BBF6-16FE76BAE418}"/>
-              </a:ext>
-            </a:extLst>
-          </p:cNvPr>
-          <p:cNvSpPr/>
-          <p:nvPr/>
-        </p:nvSpPr>
-        <p:spPr bwMode="auto">
-          <a:xfrm>
-            <a:off x="0" y="0"/>
-            <a:ext cx="10048876" cy="6994525"/>
-          </a:xfrm>
-          <a:prstGeom prst="rect">
-            <a:avLst/>
-          </a:prstGeom>
-          <a:gradFill flip="none" rotWithShape="1">
-            <a:gsLst>
-              <a:gs pos="0">
-                <a:schemeClr val="accent1">
-                  <a:lumMod val="5000"/>
-                  <a:lumOff val="95000"/>
-                  <a:alpha val="0"/>
-                </a:schemeClr>
-              </a:gs>
-              <a:gs pos="59000">
-                <a:schemeClr val="bg1"/>
-              </a:gs>
-              <a:gs pos="100000">
-                <a:schemeClr val="bg1"/>
-              </a:gs>
-            </a:gsLst>
-            <a:lin ang="10800000" scaled="0"/>
-            <a:tileRect/>
-          </a:gradFill>
-          <a:ln>
-            <a:noFill/>
-            <a:headEnd type="none" w="med" len="med"/>
-            <a:tailEnd type="none" w="med" len="med"/>
-          </a:ln>
-          <a:effectLst/>
-        </p:spPr>
-        <p:style>
-          <a:lnRef idx="1">
-            <a:schemeClr val="accent2"/>
-          </a:lnRef>
-          <a:fillRef idx="3">
-            <a:schemeClr val="accent2"/>
-          </a:fillRef>
-          <a:effectRef idx="2">
-            <a:schemeClr val="accent2"/>
-          </a:effectRef>
-          <a:fontRef idx="minor">
-            <a:schemeClr val="lt1"/>
-          </a:fontRef>
-        </p:style>
-        <p:txBody>
-          <a:bodyPr rot="0" spcFirstLastPara="0" vertOverflow="overflow" horzOverflow="overflow" vert="horz" wrap="square" lIns="182880" tIns="146304" rIns="182880" bIns="146304" numCol="1" spcCol="0" rtlCol="0" fromWordArt="0" anchor="t" anchorCtr="0" forceAA="0" compatLnSpc="1">
-            <a:prstTxWarp prst="textNoShape">
-              <a:avLst/>
-            </a:prstTxWarp>
-            <a:noAutofit/>
-          </a:bodyPr>
-          <a:lstStyle/>
-          <a:p>
-            <a:pPr algn="ctr" defTabSz="932472" fontAlgn="base">
-              <a:lnSpc>
-                <a:spcPct val="90000"/>
-              </a:lnSpc>
-              <a:spcBef>
-                <a:spcPct val="0"/>
-              </a:spcBef>
-              <a:spcAft>
-                <a:spcPct val="0"/>
-              </a:spcAft>
-            </a:pPr>
-            <a:endParaRPr lang="en-US" sz="2400" err="1">
-              <a:gradFill>
-                <a:gsLst>
-                  <a:gs pos="0">
-                    <a:srgbClr val="FFFFFF"/>
-                  </a:gs>
-                  <a:gs pos="100000">
-                    <a:srgbClr val="FFFFFF"/>
-                  </a:gs>
-                </a:gsLst>
-                <a:lin ang="5400000" scaled="0"/>
-              </a:gradFill>
-              <a:ea typeface="Segoe UI" pitchFamily="34" charset="0"/>
-              <a:cs typeface="Segoe UI" pitchFamily="34" charset="0"/>
-            </a:endParaRPr>
-          </a:p>
-        </p:txBody>
-      </p:sp>
-      <p:sp>
-        <p:nvSpPr>
-          <p:cNvPr id="4" name="Title 3"/>
-          <p:cNvSpPr>
-            <a:spLocks noGrp="1"/>
-          </p:cNvSpPr>
-          <p:nvPr>
-            <p:ph type="title"/>
-          </p:nvPr>
-        </p:nvSpPr>
-        <p:spPr>
-          <a:xfrm>
-            <a:off x="465138" y="960438"/>
-            <a:ext cx="3722689" cy="917575"/>
-          </a:xfrm>
-        </p:spPr>
-        <p:txBody>
-          <a:bodyPr/>
-          <a:lstStyle/>
-          <a:p>
-            <a:r>
-              <a:rPr lang="en-US" sz="2800" dirty="0"/>
-              <a:t>Overview</a:t>
-            </a:r>
-          </a:p>
-        </p:txBody>
-      </p:sp>
-      <p:sp>
-        <p:nvSpPr>
-          <p:cNvPr id="5" name="Text Placeholder 4"/>
-          <p:cNvSpPr>
-            <a:spLocks noGrp="1"/>
-          </p:cNvSpPr>
-          <p:nvPr>
-            <p:ph type="body" sz="quarter" idx="10"/>
-          </p:nvPr>
-        </p:nvSpPr>
-        <p:spPr>
-          <a:xfrm>
-            <a:off x="465138" y="2574721"/>
-            <a:ext cx="3914774" cy="3862387"/>
-          </a:xfrm>
-        </p:spPr>
-        <p:txBody>
-          <a:bodyPr/>
-          <a:lstStyle/>
-          <a:p>
-            <a:pPr>
-              <a:spcBef>
-                <a:spcPts val="1200"/>
-              </a:spcBef>
-            </a:pPr>
-            <a:r>
-              <a:rPr lang="en-US" sz="2000" dirty="0"/>
-              <a:t>Objects &amp; Files involved in Deployment</a:t>
-            </a:r>
-          </a:p>
-          <a:p>
-            <a:pPr>
-              <a:spcBef>
-                <a:spcPts val="1200"/>
-              </a:spcBef>
-            </a:pPr>
-            <a:r>
-              <a:rPr lang="en-US" sz="2000" dirty="0"/>
-              <a:t>Build, Bundle &amp; Ship</a:t>
-            </a:r>
-          </a:p>
-          <a:p>
-            <a:pPr>
-              <a:spcBef>
-                <a:spcPts val="1200"/>
-              </a:spcBef>
-            </a:pPr>
-            <a:r>
-              <a:rPr lang="en-US" sz="2000" dirty="0"/>
-              <a:t>Deploying SharePoint Assets</a:t>
-            </a:r>
-          </a:p>
-          <a:p>
-            <a:pPr>
-              <a:spcBef>
-                <a:spcPts val="1200"/>
-              </a:spcBef>
-            </a:pPr>
-            <a:r>
-              <a:rPr lang="en-US" sz="2000" dirty="0"/>
-              <a:t>Deployment Steps</a:t>
-            </a:r>
-          </a:p>
-        </p:txBody>
-      </p:sp>
-    </p:spTree>
-    <p:extLst>
-      <p:ext uri="{BB962C8B-B14F-4D97-AF65-F5344CB8AC3E}">
-        <p14:creationId xmlns:p14="http://schemas.microsoft.com/office/powerpoint/2010/main" val="1049797930"/>
-      </p:ext>
-    </p:extLst>
-  </p:cSld>
-  <p:clrMapOvr>
-    <a:masterClrMapping/>
-  </p:clrMapOvr>
-  <mc:AlternateContent xmlns:mc="http://schemas.openxmlformats.org/markup-compatibility/2006" xmlns:p159="http://schemas.microsoft.com/office/powerpoint/2015/09/main">
-    <mc:Choice Requires="p159">
-      <p:transition spd="slow">
-        <p159:morph option="byObject"/>
-      </p:transition>
-    </mc:Choice>
-    <mc:Fallback xmlns="">
-      <p:transition spd="slow">
-        <p:fade/>
-      </p:transition>
-    </mc:Fallback>
-  </mc:AlternateContent>
-</p:sld>
-</file>
-
-<file path=ppt/slides/slide3.xml><?xml version="1.0" encoding="utf-8"?>
-<p:sld xmlns:a="http://schemas.openxmlformats.org/drawingml/2006/main" xmlns:r="http://schemas.openxmlformats.org/officeDocument/2006/relationships" xmlns:p="http://schemas.openxmlformats.org/presentationml/2006/main">
-  <p:cSld>
-    <p:spTree>
-      <p:nvGrpSpPr>
-        <p:cNvPr id="1" name=""/>
-        <p:cNvGrpSpPr/>
-        <p:nvPr/>
-      </p:nvGrpSpPr>
-      <p:grpSpPr>
-        <a:xfrm>
-          <a:off x="0" y="0"/>
-          <a:ext cx="0" cy="0"/>
-          <a:chOff x="0" y="0"/>
-          <a:chExt cx="0" cy="0"/>
-        </a:xfrm>
-      </p:grpSpPr>
-      <p:sp>
-        <p:nvSpPr>
-          <p:cNvPr id="4" name="Text Placeholder 3"/>
-          <p:cNvSpPr>
-            <a:spLocks noGrp="1"/>
-          </p:cNvSpPr>
-          <p:nvPr>
-            <p:ph type="body" sz="quarter" idx="10"/>
-          </p:nvPr>
-        </p:nvSpPr>
-        <p:spPr>
-          <a:xfrm>
-            <a:off x="464400" y="1212850"/>
-            <a:ext cx="11574000" cy="5053691"/>
-          </a:xfrm>
-        </p:spPr>
-        <p:txBody>
-          <a:bodyPr/>
-          <a:lstStyle/>
-          <a:p>
-            <a:r>
-              <a:rPr lang="en-US" dirty="0"/>
-              <a:t>Installation &amp; registration files</a:t>
-            </a:r>
-          </a:p>
-          <a:p>
-            <a:pPr lvl="1"/>
-            <a:r>
-              <a:rPr lang="en-US" dirty="0"/>
-              <a:t>Included in SharePoint package deployed to SharePoint app catalogs</a:t>
-            </a:r>
-          </a:p>
-          <a:p>
-            <a:pPr lvl="1"/>
-            <a:r>
-              <a:rPr lang="en-US" dirty="0"/>
-              <a:t>Makes SharePoint aware of components</a:t>
-            </a:r>
-          </a:p>
-          <a:p>
-            <a:pPr lvl="1"/>
-            <a:r>
-              <a:rPr lang="en-US" dirty="0"/>
-              <a:t>Includes:</a:t>
-            </a:r>
-          </a:p>
-          <a:p>
-            <a:pPr lvl="2"/>
-            <a:r>
-              <a:rPr lang="en-US" dirty="0"/>
-              <a:t>App manifest</a:t>
-            </a:r>
-          </a:p>
-          <a:p>
-            <a:pPr lvl="2"/>
-            <a:r>
-              <a:rPr lang="en-US" dirty="0"/>
-              <a:t>Feature framework files</a:t>
-            </a:r>
-          </a:p>
-          <a:p>
-            <a:pPr lvl="2"/>
-            <a:r>
-              <a:rPr lang="en-US" dirty="0"/>
-              <a:t>etc.</a:t>
-            </a:r>
-          </a:p>
-          <a:p>
-            <a:endParaRPr lang="en-US" dirty="0"/>
-          </a:p>
-          <a:p>
-            <a:r>
-              <a:rPr lang="en-US" dirty="0"/>
-              <a:t>Component runtime files &amp; dependencies</a:t>
-            </a:r>
-          </a:p>
-          <a:p>
-            <a:pPr lvl="1"/>
-            <a:r>
-              <a:rPr lang="en-US" dirty="0"/>
-              <a:t>Optionally included in SharePoint package or deployed to another location (CDN)</a:t>
-            </a:r>
-          </a:p>
-          <a:p>
-            <a:pPr lvl="1"/>
-            <a:r>
-              <a:rPr lang="en-US" dirty="0"/>
-              <a:t>Referenced by SharePoint when components are loaded on pages</a:t>
-            </a:r>
-          </a:p>
-          <a:p>
-            <a:pPr lvl="1"/>
-            <a:r>
-              <a:rPr lang="en-US" dirty="0"/>
-              <a:t>Includes:</a:t>
-            </a:r>
-          </a:p>
-          <a:p>
-            <a:pPr lvl="2"/>
-            <a:r>
-              <a:rPr lang="en-US" dirty="0"/>
-              <a:t>JavaScript bundles</a:t>
-            </a:r>
-          </a:p>
-          <a:p>
-            <a:pPr lvl="2"/>
-            <a:r>
-              <a:rPr lang="en-US" dirty="0"/>
-              <a:t>Images</a:t>
-            </a:r>
-          </a:p>
-          <a:p>
-            <a:pPr lvl="2"/>
-            <a:r>
-              <a:rPr lang="en-US" dirty="0"/>
-              <a:t>CSS</a:t>
-            </a:r>
-          </a:p>
-          <a:p>
-            <a:pPr lvl="2"/>
-            <a:r>
-              <a:rPr lang="en-US" dirty="0"/>
-              <a:t>etc.</a:t>
-            </a:r>
-          </a:p>
-        </p:txBody>
-      </p:sp>
-      <p:sp>
-        <p:nvSpPr>
-          <p:cNvPr id="2" name="Title 1"/>
-          <p:cNvSpPr>
-            <a:spLocks noGrp="1"/>
-          </p:cNvSpPr>
-          <p:nvPr>
-            <p:ph type="title"/>
-          </p:nvPr>
-        </p:nvSpPr>
-        <p:spPr>
-          <a:xfrm>
-            <a:off x="464400" y="633600"/>
-            <a:ext cx="11574000" cy="387798"/>
-          </a:xfrm>
-        </p:spPr>
-        <p:txBody>
-          <a:bodyPr/>
-          <a:lstStyle/>
-          <a:p>
-            <a:r>
-              <a:rPr lang="en-US" dirty="0"/>
-              <a:t>SharePoint Framework Deployment Artifacts</a:t>
-            </a:r>
-            <a:endParaRPr lang="fi-FI" dirty="0"/>
-          </a:p>
-        </p:txBody>
-      </p:sp>
-    </p:spTree>
-    <p:extLst>
-      <p:ext uri="{BB962C8B-B14F-4D97-AF65-F5344CB8AC3E}">
-        <p14:creationId xmlns:p14="http://schemas.microsoft.com/office/powerpoint/2010/main" val="616216480"/>
-      </p:ext>
-    </p:extLst>
-  </p:cSld>
-  <p:clrMapOvr>
-    <a:masterClrMapping/>
-  </p:clrMapOvr>
-  <p:transition>
-    <p:fade/>
-  </p:transition>
-</p:sld>
-</file>
-
-<file path=ppt/slides/slide4.xml><?xml version="1.0" encoding="utf-8"?>
-<p:sld xmlns:a="http://schemas.openxmlformats.org/drawingml/2006/main" xmlns:r="http://schemas.openxmlformats.org/officeDocument/2006/relationships" xmlns:p="http://schemas.openxmlformats.org/presentationml/2006/main">
-  <p:cSld>
-    <p:spTree>
-      <p:nvGrpSpPr>
-        <p:cNvPr id="1" name=""/>
-        <p:cNvGrpSpPr/>
-        <p:nvPr/>
-      </p:nvGrpSpPr>
-      <p:grpSpPr>
-        <a:xfrm>
-          <a:off x="0" y="0"/>
-          <a:ext cx="0" cy="0"/>
-          <a:chOff x="0" y="0"/>
-          <a:chExt cx="0" cy="0"/>
-        </a:xfrm>
-      </p:grpSpPr>
-      <p:graphicFrame>
-        <p:nvGraphicFramePr>
-          <p:cNvPr id="4" name="Diagram 3">
-            <a:extLst>
-              <a:ext uri="{FF2B5EF4-FFF2-40B4-BE49-F238E27FC236}">
-                <a16:creationId xmlns:a16="http://schemas.microsoft.com/office/drawing/2014/main" id="{65E1CF3C-9FC3-2441-89BC-49E435641216}"/>
-              </a:ext>
-            </a:extLst>
-          </p:cNvPr>
-          <p:cNvGraphicFramePr/>
-          <p:nvPr>
-            <p:extLst>
-              <p:ext uri="{D42A27DB-BD31-4B8C-83A1-F6EECF244321}">
-                <p14:modId xmlns:p14="http://schemas.microsoft.com/office/powerpoint/2010/main" val="996724043"/>
-              </p:ext>
-            </p:extLst>
-          </p:nvPr>
-        </p:nvGraphicFramePr>
-        <p:xfrm>
-          <a:off x="464400" y="1212850"/>
-          <a:ext cx="11574000" cy="5290679"/>
-        </p:xfrm>
-        <a:graphic>
-          <a:graphicData uri="http://schemas.openxmlformats.org/drawingml/2006/diagram">
-            <dgm:relIds xmlns:dgm="http://schemas.openxmlformats.org/drawingml/2006/diagram" xmlns:r="http://schemas.openxmlformats.org/officeDocument/2006/relationships" r:dm="rId3" r:lo="rId4" r:qs="rId5" r:cs="rId6"/>
-          </a:graphicData>
-        </a:graphic>
-      </p:graphicFrame>
-      <p:sp>
-        <p:nvSpPr>
-          <p:cNvPr id="3" name="Title 2">
-            <a:extLst>
-              <a:ext uri="{FF2B5EF4-FFF2-40B4-BE49-F238E27FC236}">
-                <a16:creationId xmlns:a16="http://schemas.microsoft.com/office/drawing/2014/main" id="{E70447BF-20D5-4444-A33F-9245742A1AA6}"/>
-              </a:ext>
-            </a:extLst>
-          </p:cNvPr>
-          <p:cNvSpPr>
-            <a:spLocks noGrp="1"/>
-          </p:cNvSpPr>
-          <p:nvPr>
-            <p:ph type="title"/>
-          </p:nvPr>
-        </p:nvSpPr>
-        <p:spPr>
-          <a:xfrm>
-            <a:off x="464400" y="633600"/>
-            <a:ext cx="11574000" cy="387798"/>
-          </a:xfrm>
-        </p:spPr>
-        <p:txBody>
-          <a:bodyPr/>
-          <a:lstStyle/>
-          <a:p>
-            <a:r>
-              <a:rPr lang="en-US" dirty="0"/>
-              <a:t>Build, Bundle &amp; Package Solution</a:t>
-            </a:r>
-          </a:p>
-        </p:txBody>
-      </p:sp>
-    </p:spTree>
-    <p:extLst>
-      <p:ext uri="{BB962C8B-B14F-4D97-AF65-F5344CB8AC3E}">
-        <p14:creationId xmlns:p14="http://schemas.microsoft.com/office/powerpoint/2010/main" val="636881059"/>
-      </p:ext>
-    </p:extLst>
-  </p:cSld>
-  <p:clrMapOvr>
-    <a:masterClrMapping/>
-  </p:clrMapOvr>
-  <p:transition>
-    <p:fade/>
-  </p:transition>
-</p:sld>
-</file>
-
-<file path=ppt/slides/slide5.xml><?xml version="1.0" encoding="utf-8"?>
-<p:sld xmlns:a="http://schemas.openxmlformats.org/drawingml/2006/main" xmlns:r="http://schemas.openxmlformats.org/officeDocument/2006/relationships" xmlns:p="http://schemas.openxmlformats.org/presentationml/2006/main">
-  <p:cSld>
-    <p:spTree>
-      <p:nvGrpSpPr>
-        <p:cNvPr id="1" name=""/>
-        <p:cNvGrpSpPr/>
-        <p:nvPr/>
-      </p:nvGrpSpPr>
-      <p:grpSpPr>
-        <a:xfrm>
-          <a:off x="0" y="0"/>
-          <a:ext cx="0" cy="0"/>
-          <a:chOff x="0" y="0"/>
-          <a:chExt cx="0" cy="0"/>
-        </a:xfrm>
-      </p:grpSpPr>
-      <p:graphicFrame>
-        <p:nvGraphicFramePr>
-          <p:cNvPr id="4" name="Diagram 3">
-            <a:extLst>
-              <a:ext uri="{FF2B5EF4-FFF2-40B4-BE49-F238E27FC236}">
-                <a16:creationId xmlns:a16="http://schemas.microsoft.com/office/drawing/2014/main" id="{2FA9A1F6-D5B2-9540-99EF-D9E220537E71}"/>
-              </a:ext>
-            </a:extLst>
-          </p:cNvPr>
-          <p:cNvGraphicFramePr/>
-          <p:nvPr>
-            <p:extLst>
-              <p:ext uri="{D42A27DB-BD31-4B8C-83A1-F6EECF244321}">
-                <p14:modId xmlns:p14="http://schemas.microsoft.com/office/powerpoint/2010/main" val="2083538813"/>
-              </p:ext>
-            </p:extLst>
-          </p:nvPr>
-        </p:nvGraphicFramePr>
-        <p:xfrm>
-          <a:off x="464400" y="1212850"/>
-          <a:ext cx="11574000" cy="2751522"/>
-        </p:xfrm>
-        <a:graphic>
-          <a:graphicData uri="http://schemas.openxmlformats.org/drawingml/2006/diagram">
-            <dgm:relIds xmlns:dgm="http://schemas.openxmlformats.org/drawingml/2006/diagram" xmlns:r="http://schemas.openxmlformats.org/officeDocument/2006/relationships" r:dm="rId3" r:lo="rId4" r:qs="rId5" r:cs="rId6"/>
-          </a:graphicData>
-        </a:graphic>
-      </p:graphicFrame>
-      <p:sp>
-        <p:nvSpPr>
-          <p:cNvPr id="3" name="Title 2">
-            <a:extLst>
-              <a:ext uri="{FF2B5EF4-FFF2-40B4-BE49-F238E27FC236}">
-                <a16:creationId xmlns:a16="http://schemas.microsoft.com/office/drawing/2014/main" id="{DE7A6D9B-CB7A-434E-96DD-43CE1875DA5C}"/>
-              </a:ext>
-            </a:extLst>
-          </p:cNvPr>
-          <p:cNvSpPr>
-            <a:spLocks noGrp="1"/>
-          </p:cNvSpPr>
-          <p:nvPr>
-            <p:ph type="title"/>
-          </p:nvPr>
-        </p:nvSpPr>
-        <p:spPr>
-          <a:xfrm>
-            <a:off x="464400" y="633600"/>
-            <a:ext cx="11574000" cy="387798"/>
-          </a:xfrm>
-        </p:spPr>
-        <p:txBody>
-          <a:bodyPr/>
-          <a:lstStyle/>
-          <a:p>
-            <a:r>
-              <a:rPr lang="en-US" dirty="0"/>
-              <a:t>Different Build / Packaging Modes: Debug &amp; Production</a:t>
-            </a:r>
-          </a:p>
-        </p:txBody>
-      </p:sp>
-    </p:spTree>
-    <p:extLst>
-      <p:ext uri="{BB962C8B-B14F-4D97-AF65-F5344CB8AC3E}">
-        <p14:creationId xmlns:p14="http://schemas.microsoft.com/office/powerpoint/2010/main" val="2649642459"/>
-      </p:ext>
-    </p:extLst>
-  </p:cSld>
-  <p:clrMapOvr>
-    <a:masterClrMapping/>
-  </p:clrMapOvr>
-  <p:transition>
-    <p:fade/>
-  </p:transition>
-</p:sld>
-</file>
-
-<file path=ppt/slides/slide6.xml><?xml version="1.0" encoding="utf-8"?>
-<p:sld xmlns:a="http://schemas.openxmlformats.org/drawingml/2006/main" xmlns:r="http://schemas.openxmlformats.org/officeDocument/2006/relationships" xmlns:p="http://schemas.openxmlformats.org/presentationml/2006/main">
-  <p:cSld>
-    <p:spTree>
-      <p:nvGrpSpPr>
-        <p:cNvPr id="1" name=""/>
-        <p:cNvGrpSpPr/>
-        <p:nvPr/>
-      </p:nvGrpSpPr>
-      <p:grpSpPr>
-        <a:xfrm>
-          <a:off x="0" y="0"/>
-          <a:ext cx="0" cy="0"/>
-          <a:chOff x="0" y="0"/>
-          <a:chExt cx="0" cy="0"/>
-        </a:xfrm>
-      </p:grpSpPr>
-      <p:graphicFrame>
-        <p:nvGraphicFramePr>
-          <p:cNvPr id="6" name="Diagram 5">
-            <a:extLst>
-              <a:ext uri="{FF2B5EF4-FFF2-40B4-BE49-F238E27FC236}">
-                <a16:creationId xmlns:a16="http://schemas.microsoft.com/office/drawing/2014/main" id="{9CC89528-7618-3149-96B1-9679A6B3AB9C}"/>
-              </a:ext>
-            </a:extLst>
-          </p:cNvPr>
-          <p:cNvGraphicFramePr/>
-          <p:nvPr>
-            <p:extLst>
-              <p:ext uri="{D42A27DB-BD31-4B8C-83A1-F6EECF244321}">
-                <p14:modId xmlns:p14="http://schemas.microsoft.com/office/powerpoint/2010/main" val="1853089444"/>
-              </p:ext>
-            </p:extLst>
-          </p:nvPr>
-        </p:nvGraphicFramePr>
-        <p:xfrm>
-          <a:off x="464400" y="1212850"/>
-          <a:ext cx="11574000" cy="3801041"/>
-        </p:xfrm>
-        <a:graphic>
-          <a:graphicData uri="http://schemas.openxmlformats.org/drawingml/2006/diagram">
-            <dgm:relIds xmlns:dgm="http://schemas.openxmlformats.org/drawingml/2006/diagram" xmlns:r="http://schemas.openxmlformats.org/officeDocument/2006/relationships" r:dm="rId3" r:lo="rId4" r:qs="rId5" r:cs="rId6"/>
-          </a:graphicData>
-        </a:graphic>
-      </p:graphicFrame>
-      <p:sp>
-        <p:nvSpPr>
-          <p:cNvPr id="3" name="Title 2">
-            <a:extLst>
-              <a:ext uri="{FF2B5EF4-FFF2-40B4-BE49-F238E27FC236}">
-                <a16:creationId xmlns:a16="http://schemas.microsoft.com/office/drawing/2014/main" id="{CF36977B-B03C-5942-AC28-551CFBC321D9}"/>
-              </a:ext>
-            </a:extLst>
-          </p:cNvPr>
-          <p:cNvSpPr>
-            <a:spLocks noGrp="1"/>
-          </p:cNvSpPr>
-          <p:nvPr>
-            <p:ph type="title"/>
-          </p:nvPr>
-        </p:nvSpPr>
-        <p:spPr/>
-        <p:txBody>
-          <a:bodyPr/>
-          <a:lstStyle/>
-          <a:p>
-            <a:r>
-              <a:rPr lang="en-US" dirty="0"/>
-              <a:t>Deploying SharePoint Assets</a:t>
-            </a:r>
-          </a:p>
-        </p:txBody>
-      </p:sp>
-    </p:spTree>
-    <p:extLst>
-      <p:ext uri="{BB962C8B-B14F-4D97-AF65-F5344CB8AC3E}">
-        <p14:creationId xmlns:p14="http://schemas.microsoft.com/office/powerpoint/2010/main" val="11873069"/>
-      </p:ext>
-    </p:extLst>
-  </p:cSld>
-  <p:clrMapOvr>
-    <a:masterClrMapping/>
-  </p:clrMapOvr>
-  <p:transition>
-    <p:fade/>
-  </p:transition>
-</p:sld>
-</file>
-
-<file path=ppt/slides/slide7.xml><?xml version="1.0" encoding="utf-8"?>
-<p:sld xmlns:a="http://schemas.openxmlformats.org/drawingml/2006/main" xmlns:r="http://schemas.openxmlformats.org/officeDocument/2006/relationships" xmlns:p="http://schemas.openxmlformats.org/presentationml/2006/main">
-  <p:cSld>
-    <p:spTree>
-      <p:nvGrpSpPr>
-        <p:cNvPr id="1" name=""/>
-        <p:cNvGrpSpPr/>
-        <p:nvPr/>
-      </p:nvGrpSpPr>
-      <p:grpSpPr>
-        <a:xfrm>
-          <a:off x="0" y="0"/>
-          <a:ext cx="0" cy="0"/>
-          <a:chOff x="0" y="0"/>
-          <a:chExt cx="0" cy="0"/>
-        </a:xfrm>
-      </p:grpSpPr>
-      <p:sp>
-        <p:nvSpPr>
-          <p:cNvPr id="2" name="Text Placeholder 1">
-            <a:extLst>
-              <a:ext uri="{FF2B5EF4-FFF2-40B4-BE49-F238E27FC236}">
-                <a16:creationId xmlns:a16="http://schemas.microsoft.com/office/drawing/2014/main" id="{FDF2398F-5F8F-D744-94A0-E4BF1AB71E13}"/>
-              </a:ext>
-            </a:extLst>
-          </p:cNvPr>
-          <p:cNvSpPr>
-            <a:spLocks noGrp="1"/>
-          </p:cNvSpPr>
-          <p:nvPr>
-            <p:ph type="body" sz="quarter" idx="10"/>
-          </p:nvPr>
-        </p:nvSpPr>
-        <p:spPr>
-          <a:xfrm>
-            <a:off x="464400" y="1212850"/>
-            <a:ext cx="11574000" cy="5346079"/>
-          </a:xfrm>
-        </p:spPr>
-        <p:txBody>
-          <a:bodyPr/>
-          <a:lstStyle/>
-          <a:p>
-            <a:r>
-              <a:rPr lang="en-US" dirty="0"/>
-              <a:t>Build the project</a:t>
-            </a:r>
-          </a:p>
-          <a:p>
-            <a:pPr lvl="1"/>
-            <a:r>
-              <a:rPr lang="en-US" dirty="0">
-                <a:latin typeface="Courier New" panose="02070309020205020404" pitchFamily="49" charset="0"/>
-                <a:cs typeface="Courier New" panose="02070309020205020404" pitchFamily="49" charset="0"/>
-              </a:rPr>
-              <a:t>gulp build</a:t>
-            </a:r>
-          </a:p>
-          <a:p>
-            <a:endParaRPr lang="en-US" dirty="0"/>
-          </a:p>
-          <a:p>
-            <a:r>
-              <a:rPr lang="en-US" dirty="0"/>
-              <a:t>Generate the bundle &amp; manifests</a:t>
-            </a:r>
-          </a:p>
-          <a:p>
-            <a:pPr lvl="1"/>
-            <a:r>
-              <a:rPr lang="en-US" dirty="0">
-                <a:latin typeface="Courier New" panose="02070309020205020404" pitchFamily="49" charset="0"/>
-                <a:cs typeface="Courier New" panose="02070309020205020404" pitchFamily="49" charset="0"/>
-              </a:rPr>
-              <a:t>gulp bundle --ship</a:t>
-            </a:r>
-          </a:p>
-          <a:p>
-            <a:endParaRPr lang="en-US" dirty="0"/>
-          </a:p>
-          <a:p>
-            <a:r>
-              <a:rPr lang="en-US" dirty="0"/>
-              <a:t>Generate the SharePoint package</a:t>
-            </a:r>
-          </a:p>
-          <a:p>
-            <a:pPr lvl="1"/>
-            <a:r>
-              <a:rPr lang="en-US" dirty="0">
-                <a:latin typeface="Courier New" panose="02070309020205020404" pitchFamily="49" charset="0"/>
-                <a:cs typeface="Courier New" panose="02070309020205020404" pitchFamily="49" charset="0"/>
-              </a:rPr>
-              <a:t>gulp package-solution –ship</a:t>
-            </a:r>
-          </a:p>
-          <a:p>
-            <a:endParaRPr lang="en-US" dirty="0"/>
-          </a:p>
-          <a:p>
-            <a:r>
-              <a:rPr lang="en-US" dirty="0"/>
-              <a:t>Upload the package (*.</a:t>
-            </a:r>
-            <a:r>
-              <a:rPr lang="en-US" dirty="0" err="1"/>
-              <a:t>sppkg</a:t>
-            </a:r>
-            <a:r>
-              <a:rPr lang="en-US" dirty="0"/>
-              <a:t>) to the </a:t>
-            </a:r>
-            <a:br>
-              <a:rPr lang="en-US" dirty="0"/>
-            </a:br>
-            <a:r>
-              <a:rPr lang="en-US" dirty="0"/>
-              <a:t>app catalog</a:t>
-            </a:r>
-          </a:p>
-          <a:p>
-            <a:endParaRPr lang="en-US" dirty="0"/>
-          </a:p>
-          <a:p>
-            <a:r>
-              <a:rPr lang="en-US" dirty="0"/>
-              <a:t>Install the app from the site collection’s </a:t>
-            </a:r>
-            <a:br>
-              <a:rPr lang="en-US" dirty="0"/>
-            </a:br>
-            <a:r>
-              <a:rPr lang="en-US" b="1" dirty="0"/>
-              <a:t>Site Contents </a:t>
-            </a:r>
-            <a:r>
-              <a:rPr lang="en-US" dirty="0"/>
-              <a:t>page</a:t>
-            </a:r>
-          </a:p>
-        </p:txBody>
-      </p:sp>
-      <p:sp>
-        <p:nvSpPr>
-          <p:cNvPr id="3" name="Title 2">
-            <a:extLst>
-              <a:ext uri="{FF2B5EF4-FFF2-40B4-BE49-F238E27FC236}">
-                <a16:creationId xmlns:a16="http://schemas.microsoft.com/office/drawing/2014/main" id="{70344BF1-1627-234B-A27E-01BD0332DA94}"/>
-              </a:ext>
-            </a:extLst>
-          </p:cNvPr>
-          <p:cNvSpPr>
-            <a:spLocks noGrp="1"/>
-          </p:cNvSpPr>
-          <p:nvPr>
-            <p:ph type="title"/>
-          </p:nvPr>
-        </p:nvSpPr>
-        <p:spPr>
-          <a:xfrm>
-            <a:off x="464400" y="633600"/>
-            <a:ext cx="11574000" cy="387798"/>
-          </a:xfrm>
-        </p:spPr>
-        <p:txBody>
-          <a:bodyPr/>
-          <a:lstStyle/>
-          <a:p>
-            <a:r>
-              <a:rPr lang="en-US" dirty="0"/>
-              <a:t>Deployment &amp; Installation Steps</a:t>
-            </a:r>
-          </a:p>
-        </p:txBody>
-      </p:sp>
-      <p:pic>
-        <p:nvPicPr>
-          <p:cNvPr id="4" name="Picture 3">
-            <a:extLst>
-              <a:ext uri="{FF2B5EF4-FFF2-40B4-BE49-F238E27FC236}">
-                <a16:creationId xmlns:a16="http://schemas.microsoft.com/office/drawing/2014/main" id="{6BB014CD-8437-A94D-B9A7-57A1A1AFC567}"/>
-              </a:ext>
-            </a:extLst>
-          </p:cNvPr>
-          <p:cNvPicPr>
-            <a:picLocks noChangeAspect="1"/>
-          </p:cNvPicPr>
-          <p:nvPr/>
-        </p:nvPicPr>
-        <p:blipFill rotWithShape="1">
-          <a:blip r:embed="rId3"/>
-          <a:srcRect r="26524"/>
-          <a:stretch/>
-        </p:blipFill>
-        <p:spPr>
-          <a:xfrm>
-            <a:off x="6504496" y="1349497"/>
-            <a:ext cx="5703216" cy="2945003"/>
-          </a:xfrm>
-          <a:prstGeom prst="rect">
-            <a:avLst/>
-          </a:prstGeom>
-        </p:spPr>
-      </p:pic>
-      <p:pic>
-        <p:nvPicPr>
-          <p:cNvPr id="5" name="Picture 4">
-            <a:extLst>
-              <a:ext uri="{FF2B5EF4-FFF2-40B4-BE49-F238E27FC236}">
-                <a16:creationId xmlns:a16="http://schemas.microsoft.com/office/drawing/2014/main" id="{DA829FA3-08AF-464F-9FE3-6F0FFF83D61C}"/>
-              </a:ext>
-            </a:extLst>
-          </p:cNvPr>
-          <p:cNvPicPr>
-            <a:picLocks noChangeAspect="1"/>
-          </p:cNvPicPr>
-          <p:nvPr/>
-        </p:nvPicPr>
-        <p:blipFill>
-          <a:blip r:embed="rId4"/>
-          <a:stretch>
-            <a:fillRect/>
-          </a:stretch>
-        </p:blipFill>
-        <p:spPr>
-          <a:xfrm>
-            <a:off x="7127335" y="4431147"/>
-            <a:ext cx="4108424" cy="2368463"/>
-          </a:xfrm>
-          <a:prstGeom prst="rect">
-            <a:avLst/>
-          </a:prstGeom>
-        </p:spPr>
-      </p:pic>
-    </p:spTree>
-    <p:extLst>
-      <p:ext uri="{BB962C8B-B14F-4D97-AF65-F5344CB8AC3E}">
-        <p14:creationId xmlns:p14="http://schemas.microsoft.com/office/powerpoint/2010/main" val="2054403159"/>
-      </p:ext>
-    </p:extLst>
-  </p:cSld>
-  <p:clrMapOvr>
-    <a:masterClrMapping/>
-  </p:clrMapOvr>
-  <p:transition>
-    <p:fade/>
-  </p:transition>
-</p:sld>
-</file>
-
-<file path=ppt/slides/slide8.xml><?xml version="1.0" encoding="utf-8"?>
-<p:sld xmlns:a="http://schemas.openxmlformats.org/drawingml/2006/main" xmlns:r="http://schemas.openxmlformats.org/officeDocument/2006/relationships" xmlns:p="http://schemas.openxmlformats.org/presentationml/2006/main">
-  <p:cSld>
-    <p:spTree>
-      <p:nvGrpSpPr>
-        <p:cNvPr id="1" name=""/>
-        <p:cNvGrpSpPr/>
-        <p:nvPr/>
-      </p:nvGrpSpPr>
-      <p:grpSpPr>
-        <a:xfrm>
-          <a:off x="0" y="0"/>
-          <a:ext cx="0" cy="0"/>
-          <a:chOff x="0" y="0"/>
-          <a:chExt cx="0" cy="0"/>
-        </a:xfrm>
-      </p:grpSpPr>
-      <p:sp>
-        <p:nvSpPr>
-          <p:cNvPr id="2" name="Title 1"/>
-          <p:cNvSpPr>
-            <a:spLocks noGrp="1"/>
-          </p:cNvSpPr>
-          <p:nvPr>
-            <p:ph type="title"/>
-          </p:nvPr>
-        </p:nvSpPr>
-        <p:spPr/>
-        <p:txBody>
-          <a:bodyPr/>
-          <a:lstStyle/>
-          <a:p>
-            <a:r>
-              <a:rPr lang="en-US" dirty="0"/>
-              <a:t>Demo</a:t>
-            </a:r>
-            <a:br>
-              <a:rPr lang="en-US" dirty="0"/>
-            </a:br>
-            <a:r>
-              <a:rPr lang="en-US" sz="2400" dirty="0"/>
-              <a:t>Build, Bundle, Package, Deploy &amp; Install</a:t>
-            </a:r>
-            <a:br>
-              <a:rPr lang="en-US" sz="2400" dirty="0"/>
-            </a:br>
-            <a:r>
-              <a:rPr lang="en-US" sz="2400" dirty="0"/>
-              <a:t>a SharePoint Framework Solution</a:t>
-            </a:r>
-            <a:endParaRPr lang="en-US" dirty="0"/>
-          </a:p>
-        </p:txBody>
-      </p:sp>
-    </p:spTree>
-    <p:extLst>
-      <p:ext uri="{BB962C8B-B14F-4D97-AF65-F5344CB8AC3E}">
-        <p14:creationId xmlns:p14="http://schemas.microsoft.com/office/powerpoint/2010/main" val="528453639"/>
-      </p:ext>
-    </p:extLst>
-  </p:cSld>
-  <p:clrMapOvr>
-    <a:masterClrMapping/>
-  </p:clrMapOvr>
-  <p:transition>
-    <p:fade/>
-  </p:transition>
-</p:sld>
-</file>
-
-<file path=ppt/slides/slide9.xml><?xml version="1.0" encoding="utf-8"?>
-<p:sld xmlns:a="http://schemas.openxmlformats.org/drawingml/2006/main" xmlns:r="http://schemas.openxmlformats.org/officeDocument/2006/relationships" xmlns:p="http://schemas.openxmlformats.org/presentationml/2006/main">
-  <p:cSld>
-    <p:spTree>
-      <p:nvGrpSpPr>
-        <p:cNvPr id="1" name=""/>
-        <p:cNvGrpSpPr/>
-        <p:nvPr/>
-      </p:nvGrpSpPr>
-      <p:grpSpPr>
-        <a:xfrm>
-          <a:off x="0" y="0"/>
-          <a:ext cx="0" cy="0"/>
-          <a:chOff x="0" y="0"/>
-          <a:chExt cx="0" cy="0"/>
-        </a:xfrm>
-      </p:grpSpPr>
       <p:pic>
         <p:nvPicPr>
           <p:cNvPr id="5" name="Picture 4" descr="A group of people sitting at a table&#10;&#10;Description generated with high confidence">
@@ -27636,6 +26448,1604 @@
     <p:extLst>
       <p:ext uri="{BB962C8B-B14F-4D97-AF65-F5344CB8AC3E}">
         <p14:creationId xmlns:p14="http://schemas.microsoft.com/office/powerpoint/2010/main" val="139250790"/>
+      </p:ext>
+    </p:extLst>
+  </p:cSld>
+  <p:clrMapOvr>
+    <a:masterClrMapping/>
+  </p:clrMapOvr>
+  <p:transition>
+    <p:fade/>
+  </p:transition>
+</p:sld>
+</file>
+
+<file path=ppt/slides/slide11.xml><?xml version="1.0" encoding="utf-8"?>
+<p:sld xmlns:a="http://schemas.openxmlformats.org/drawingml/2006/main" xmlns:r="http://schemas.openxmlformats.org/officeDocument/2006/relationships" xmlns:p="http://schemas.openxmlformats.org/presentationml/2006/main">
+  <p:cSld>
+    <p:spTree>
+      <p:nvGrpSpPr>
+        <p:cNvPr id="1" name=""/>
+        <p:cNvGrpSpPr/>
+        <p:nvPr/>
+      </p:nvGrpSpPr>
+      <p:grpSpPr>
+        <a:xfrm>
+          <a:off x="0" y="0"/>
+          <a:ext cx="0" cy="0"/>
+          <a:chOff x="0" y="0"/>
+          <a:chExt cx="0" cy="0"/>
+        </a:xfrm>
+      </p:grpSpPr>
+      <p:sp>
+        <p:nvSpPr>
+          <p:cNvPr id="4" name="Rectangle 3">
+            <a:extLst>
+              <a:ext uri="{FF2B5EF4-FFF2-40B4-BE49-F238E27FC236}">
+                <a16:creationId xmlns:a16="http://schemas.microsoft.com/office/drawing/2014/main" id="{81B3A684-C5C1-4B91-8D72-E2DBE6DAFFCC}"/>
+              </a:ext>
+            </a:extLst>
+          </p:cNvPr>
+          <p:cNvSpPr/>
+          <p:nvPr/>
+        </p:nvSpPr>
+        <p:spPr bwMode="auto">
+          <a:xfrm>
+            <a:off x="0" y="1504710"/>
+            <a:ext cx="12436475" cy="4857036"/>
+          </a:xfrm>
+          <a:prstGeom prst="rect">
+            <a:avLst/>
+          </a:prstGeom>
+          <a:solidFill>
+            <a:schemeClr val="bg2">
+              <a:lumMod val="95000"/>
+            </a:schemeClr>
+          </a:solidFill>
+          <a:ln>
+            <a:noFill/>
+            <a:headEnd type="none" w="med" len="med"/>
+            <a:tailEnd type="none" w="med" len="med"/>
+          </a:ln>
+          <a:effectLst/>
+        </p:spPr>
+        <p:style>
+          <a:lnRef idx="1">
+            <a:schemeClr val="accent2"/>
+          </a:lnRef>
+          <a:fillRef idx="3">
+            <a:schemeClr val="accent2"/>
+          </a:fillRef>
+          <a:effectRef idx="2">
+            <a:schemeClr val="accent2"/>
+          </a:effectRef>
+          <a:fontRef idx="minor">
+            <a:schemeClr val="lt1"/>
+          </a:fontRef>
+        </p:style>
+        <p:txBody>
+          <a:bodyPr rot="0" spcFirstLastPara="0" vertOverflow="overflow" horzOverflow="overflow" vert="horz" wrap="square" lIns="182880" tIns="146304" rIns="182880" bIns="146304" numCol="1" spcCol="0" rtlCol="0" fromWordArt="0" anchor="t" anchorCtr="0" forceAA="0" compatLnSpc="1">
+            <a:prstTxWarp prst="textNoShape">
+              <a:avLst/>
+            </a:prstTxWarp>
+            <a:noAutofit/>
+          </a:bodyPr>
+          <a:lstStyle/>
+          <a:p>
+            <a:pPr algn="ctr" defTabSz="932472" fontAlgn="base">
+              <a:lnSpc>
+                <a:spcPct val="90000"/>
+              </a:lnSpc>
+              <a:spcBef>
+                <a:spcPct val="0"/>
+              </a:spcBef>
+              <a:spcAft>
+                <a:spcPct val="0"/>
+              </a:spcAft>
+            </a:pPr>
+            <a:endParaRPr lang="en-US" sz="2400" dirty="0" err="1">
+              <a:gradFill>
+                <a:gsLst>
+                  <a:gs pos="0">
+                    <a:srgbClr val="FFFFFF"/>
+                  </a:gs>
+                  <a:gs pos="100000">
+                    <a:srgbClr val="FFFFFF"/>
+                  </a:gs>
+                </a:gsLst>
+                <a:lin ang="5400000" scaled="0"/>
+              </a:gradFill>
+              <a:ea typeface="Segoe UI" pitchFamily="34" charset="0"/>
+              <a:cs typeface="Segoe UI" pitchFamily="34" charset="0"/>
+            </a:endParaRPr>
+          </a:p>
+        </p:txBody>
+      </p:sp>
+      <p:sp>
+        <p:nvSpPr>
+          <p:cNvPr id="2" name="Title 1"/>
+          <p:cNvSpPr>
+            <a:spLocks noGrp="1"/>
+          </p:cNvSpPr>
+          <p:nvPr>
+            <p:ph type="title"/>
+          </p:nvPr>
+        </p:nvSpPr>
+        <p:spPr/>
+        <p:txBody>
+          <a:bodyPr/>
+          <a:lstStyle/>
+          <a:p>
+            <a:r>
+              <a:rPr lang="en-US" dirty="0"/>
+              <a:t>Reading further</a:t>
+            </a:r>
+          </a:p>
+        </p:txBody>
+      </p:sp>
+      <p:sp>
+        <p:nvSpPr>
+          <p:cNvPr id="3" name="Text Placeholder 2"/>
+          <p:cNvSpPr>
+            <a:spLocks noGrp="1"/>
+          </p:cNvSpPr>
+          <p:nvPr>
+            <p:ph type="body" sz="quarter" idx="10"/>
+          </p:nvPr>
+        </p:nvSpPr>
+        <p:spPr>
+          <a:xfrm>
+            <a:off x="465138" y="1930734"/>
+            <a:ext cx="11533187" cy="1661993"/>
+          </a:xfrm>
+        </p:spPr>
+        <p:txBody>
+          <a:bodyPr/>
+          <a:lstStyle/>
+          <a:p>
+            <a:pPr marL="342900" marR="0" lvl="0" indent="-342900" defTabSz="914400" eaLnBrk="1" fontAlgn="auto" latinLnBrk="0" hangingPunct="1">
+              <a:lnSpc>
+                <a:spcPct val="100000"/>
+              </a:lnSpc>
+              <a:spcBef>
+                <a:spcPts val="600"/>
+              </a:spcBef>
+              <a:spcAft>
+                <a:spcPts val="0"/>
+              </a:spcAft>
+              <a:buClrTx/>
+              <a:buSzTx/>
+              <a:buFont typeface="Arial" charset="0"/>
+              <a:buNone/>
+              <a:tabLst/>
+              <a:defRPr/>
+            </a:pPr>
+            <a:r>
+              <a:rPr lang="en-US" sz="1800" dirty="0">
+                <a:latin typeface="+mj-lt"/>
+              </a:rPr>
+              <a:t>SharePoint Framework</a:t>
+            </a:r>
+          </a:p>
+          <a:p>
+            <a:pPr marL="342900" lvl="0" indent="-342900" defTabSz="914400">
+              <a:lnSpc>
+                <a:spcPct val="100000"/>
+              </a:lnSpc>
+              <a:spcBef>
+                <a:spcPts val="600"/>
+              </a:spcBef>
+              <a:buSzTx/>
+              <a:defRPr/>
+            </a:pPr>
+            <a:r>
+              <a:rPr lang="en-US" sz="1800" dirty="0">
+                <a:latin typeface="+mj-lt"/>
+                <a:hlinkClick r:id="rId3"/>
+              </a:rPr>
+              <a:t>https://docs.microsoft.com/en-us/sharepoint/dev/spfx/sharepoint-framework-overview</a:t>
+            </a:r>
+            <a:endParaRPr lang="en-US" sz="1800" dirty="0">
+              <a:latin typeface="+mj-lt"/>
+            </a:endParaRPr>
+          </a:p>
+          <a:p>
+            <a:pPr marL="342900" lvl="0" indent="-342900" defTabSz="914400">
+              <a:lnSpc>
+                <a:spcPct val="100000"/>
+              </a:lnSpc>
+              <a:spcBef>
+                <a:spcPts val="600"/>
+              </a:spcBef>
+              <a:buSzTx/>
+              <a:defRPr/>
+            </a:pPr>
+            <a:endParaRPr lang="en-US" sz="1800" dirty="0">
+              <a:latin typeface="+mj-lt"/>
+            </a:endParaRPr>
+          </a:p>
+          <a:p>
+            <a:pPr marL="342900" lvl="0" indent="-342900" defTabSz="914400">
+              <a:lnSpc>
+                <a:spcPct val="100000"/>
+              </a:lnSpc>
+              <a:spcBef>
+                <a:spcPts val="600"/>
+              </a:spcBef>
+              <a:buSzTx/>
+              <a:defRPr/>
+            </a:pPr>
+            <a:r>
+              <a:rPr lang="en-US" sz="1800" dirty="0">
+                <a:latin typeface="+mj-lt"/>
+              </a:rPr>
+              <a:t>Deploy your client-side web part to a SharePoint page</a:t>
+            </a:r>
+          </a:p>
+          <a:p>
+            <a:pPr marL="342900" lvl="0" indent="-342900" defTabSz="914400">
+              <a:lnSpc>
+                <a:spcPct val="100000"/>
+              </a:lnSpc>
+              <a:spcBef>
+                <a:spcPts val="600"/>
+              </a:spcBef>
+              <a:buSzTx/>
+              <a:defRPr/>
+            </a:pPr>
+            <a:r>
+              <a:rPr lang="en-US" sz="1600" dirty="0">
+                <a:latin typeface="+mj-lt"/>
+                <a:hlinkClick r:id="rId4"/>
+              </a:rPr>
+              <a:t>https://docs.microsoft.com/sharepoint/dev/spfx/web-parts/get-started/serve-your-web-part-in-a-sharepoint-page</a:t>
+            </a:r>
+            <a:r>
+              <a:rPr lang="en-US" sz="1600" dirty="0">
+                <a:latin typeface="+mj-lt"/>
+              </a:rPr>
+              <a:t> </a:t>
+            </a:r>
+          </a:p>
+        </p:txBody>
+      </p:sp>
+    </p:spTree>
+    <p:extLst>
+      <p:ext uri="{BB962C8B-B14F-4D97-AF65-F5344CB8AC3E}">
+        <p14:creationId xmlns:p14="http://schemas.microsoft.com/office/powerpoint/2010/main" val="1745997778"/>
+      </p:ext>
+    </p:extLst>
+  </p:cSld>
+  <p:clrMapOvr>
+    <a:masterClrMapping/>
+  </p:clrMapOvr>
+  <p:transition>
+    <p:fade/>
+  </p:transition>
+</p:sld>
+</file>
+
+<file path=ppt/slides/slide12.xml><?xml version="1.0" encoding="utf-8"?>
+<p:sld xmlns:a="http://schemas.openxmlformats.org/drawingml/2006/main" xmlns:r="http://schemas.openxmlformats.org/officeDocument/2006/relationships" xmlns:p="http://schemas.openxmlformats.org/presentationml/2006/main">
+  <p:cSld>
+    <p:spTree>
+      <p:nvGrpSpPr>
+        <p:cNvPr id="1" name=""/>
+        <p:cNvGrpSpPr/>
+        <p:nvPr/>
+      </p:nvGrpSpPr>
+      <p:grpSpPr>
+        <a:xfrm>
+          <a:off x="0" y="0"/>
+          <a:ext cx="0" cy="0"/>
+          <a:chOff x="0" y="0"/>
+          <a:chExt cx="0" cy="0"/>
+        </a:xfrm>
+      </p:grpSpPr>
+      <p:sp>
+        <p:nvSpPr>
+          <p:cNvPr id="2" name="Title 1"/>
+          <p:cNvSpPr>
+            <a:spLocks noGrp="1"/>
+          </p:cNvSpPr>
+          <p:nvPr>
+            <p:ph type="title"/>
+          </p:nvPr>
+        </p:nvSpPr>
+        <p:spPr/>
+        <p:txBody>
+          <a:bodyPr/>
+          <a:lstStyle/>
+          <a:p>
+            <a:r>
+              <a:rPr lang="en-US" dirty="0"/>
+              <a:t>Thank you.</a:t>
+            </a:r>
+          </a:p>
+        </p:txBody>
+      </p:sp>
+    </p:spTree>
+    <p:extLst>
+      <p:ext uri="{BB962C8B-B14F-4D97-AF65-F5344CB8AC3E}">
+        <p14:creationId xmlns:p14="http://schemas.microsoft.com/office/powerpoint/2010/main" val="1244281241"/>
+      </p:ext>
+    </p:extLst>
+  </p:cSld>
+  <p:clrMapOvr>
+    <a:masterClrMapping/>
+  </p:clrMapOvr>
+  <mc:AlternateContent xmlns:mc="http://schemas.openxmlformats.org/markup-compatibility/2006" xmlns:p14="http://schemas.microsoft.com/office/powerpoint/2010/main">
+    <mc:Choice Requires="p14">
+      <p:transition spd="med" p14:dur="700">
+        <p:fade/>
+      </p:transition>
+    </mc:Choice>
+    <mc:Fallback xmlns="">
+      <p:transition spd="med">
+        <p:fade/>
+      </p:transition>
+    </mc:Fallback>
+  </mc:AlternateContent>
+</p:sld>
+</file>
+
+<file path=ppt/slides/slide13.xml><?xml version="1.0" encoding="utf-8"?>
+<p:sld xmlns:a="http://schemas.openxmlformats.org/drawingml/2006/main" xmlns:r="http://schemas.openxmlformats.org/officeDocument/2006/relationships" xmlns:p="http://schemas.openxmlformats.org/presentationml/2006/main">
+  <p:cSld>
+    <p:spTree>
+      <p:nvGrpSpPr>
+        <p:cNvPr id="1" name=""/>
+        <p:cNvGrpSpPr/>
+        <p:nvPr/>
+      </p:nvGrpSpPr>
+      <p:grpSpPr>
+        <a:xfrm>
+          <a:off x="0" y="0"/>
+          <a:ext cx="0" cy="0"/>
+          <a:chOff x="0" y="0"/>
+          <a:chExt cx="0" cy="0"/>
+        </a:xfrm>
+      </p:grpSpPr>
+    </p:spTree>
+    <p:extLst>
+      <p:ext uri="{BB962C8B-B14F-4D97-AF65-F5344CB8AC3E}">
+        <p14:creationId xmlns:p14="http://schemas.microsoft.com/office/powerpoint/2010/main" val="1778337276"/>
+      </p:ext>
+    </p:extLst>
+  </p:cSld>
+  <p:clrMapOvr>
+    <a:masterClrMapping/>
+  </p:clrMapOvr>
+  <p:transition>
+    <p:fade/>
+  </p:transition>
+</p:sld>
+</file>
+
+<file path=ppt/slides/slide2.xml><?xml version="1.0" encoding="utf-8"?>
+<p:sld xmlns:a="http://schemas.openxmlformats.org/drawingml/2006/main" xmlns:r="http://schemas.openxmlformats.org/officeDocument/2006/relationships" xmlns:p="http://schemas.openxmlformats.org/presentationml/2006/main">
+  <p:cSld>
+    <p:spTree>
+      <p:nvGrpSpPr>
+        <p:cNvPr id="1" name=""/>
+        <p:cNvGrpSpPr/>
+        <p:nvPr/>
+      </p:nvGrpSpPr>
+      <p:grpSpPr>
+        <a:xfrm>
+          <a:off x="0" y="0"/>
+          <a:ext cx="0" cy="0"/>
+          <a:chOff x="0" y="0"/>
+          <a:chExt cx="0" cy="0"/>
+        </a:xfrm>
+      </p:grpSpPr>
+      <p:pic>
+        <p:nvPicPr>
+          <p:cNvPr id="6" name="Picture 5" descr="A person standing in a room&#10;&#10;Description generated with very high confidence">
+            <a:extLst>
+              <a:ext uri="{FF2B5EF4-FFF2-40B4-BE49-F238E27FC236}">
+                <a16:creationId xmlns:a16="http://schemas.microsoft.com/office/drawing/2014/main" id="{297CE05B-2BFB-9245-A0F0-B1C807F7EAA6}"/>
+              </a:ext>
+            </a:extLst>
+          </p:cNvPr>
+          <p:cNvPicPr>
+            <a:picLocks noChangeAspect="1"/>
+          </p:cNvPicPr>
+          <p:nvPr/>
+        </p:nvPicPr>
+        <p:blipFill>
+          <a:blip r:embed="rId3" cstate="screen">
+            <a:extLst>
+              <a:ext uri="{28A0092B-C50C-407E-A947-70E740481C1C}">
+                <a14:useLocalDpi xmlns:a14="http://schemas.microsoft.com/office/drawing/2010/main"/>
+              </a:ext>
+            </a:extLst>
+          </a:blip>
+          <a:stretch>
+            <a:fillRect/>
+          </a:stretch>
+        </p:blipFill>
+        <p:spPr>
+          <a:xfrm>
+            <a:off x="1942064" y="0"/>
+            <a:ext cx="10494411" cy="6994525"/>
+          </a:xfrm>
+          <a:prstGeom prst="rect">
+            <a:avLst/>
+          </a:prstGeom>
+        </p:spPr>
+      </p:pic>
+      <p:sp>
+        <p:nvSpPr>
+          <p:cNvPr id="7" name="Rectangle 6">
+            <a:extLst>
+              <a:ext uri="{FF2B5EF4-FFF2-40B4-BE49-F238E27FC236}">
+                <a16:creationId xmlns:a16="http://schemas.microsoft.com/office/drawing/2014/main" id="{9A852F9E-D476-2648-BBF6-16FE76BAE418}"/>
+              </a:ext>
+            </a:extLst>
+          </p:cNvPr>
+          <p:cNvSpPr/>
+          <p:nvPr/>
+        </p:nvSpPr>
+        <p:spPr bwMode="auto">
+          <a:xfrm>
+            <a:off x="0" y="0"/>
+            <a:ext cx="10048876" cy="6994525"/>
+          </a:xfrm>
+          <a:prstGeom prst="rect">
+            <a:avLst/>
+          </a:prstGeom>
+          <a:gradFill flip="none" rotWithShape="1">
+            <a:gsLst>
+              <a:gs pos="0">
+                <a:schemeClr val="accent1">
+                  <a:lumMod val="5000"/>
+                  <a:lumOff val="95000"/>
+                  <a:alpha val="0"/>
+                </a:schemeClr>
+              </a:gs>
+              <a:gs pos="59000">
+                <a:schemeClr val="bg1"/>
+              </a:gs>
+              <a:gs pos="100000">
+                <a:schemeClr val="bg1"/>
+              </a:gs>
+            </a:gsLst>
+            <a:lin ang="10800000" scaled="0"/>
+            <a:tileRect/>
+          </a:gradFill>
+          <a:ln>
+            <a:noFill/>
+            <a:headEnd type="none" w="med" len="med"/>
+            <a:tailEnd type="none" w="med" len="med"/>
+          </a:ln>
+          <a:effectLst/>
+        </p:spPr>
+        <p:style>
+          <a:lnRef idx="1">
+            <a:schemeClr val="accent2"/>
+          </a:lnRef>
+          <a:fillRef idx="3">
+            <a:schemeClr val="accent2"/>
+          </a:fillRef>
+          <a:effectRef idx="2">
+            <a:schemeClr val="accent2"/>
+          </a:effectRef>
+          <a:fontRef idx="minor">
+            <a:schemeClr val="lt1"/>
+          </a:fontRef>
+        </p:style>
+        <p:txBody>
+          <a:bodyPr rot="0" spcFirstLastPara="0" vertOverflow="overflow" horzOverflow="overflow" vert="horz" wrap="square" lIns="182880" tIns="146304" rIns="182880" bIns="146304" numCol="1" spcCol="0" rtlCol="0" fromWordArt="0" anchor="t" anchorCtr="0" forceAA="0" compatLnSpc="1">
+            <a:prstTxWarp prst="textNoShape">
+              <a:avLst/>
+            </a:prstTxWarp>
+            <a:noAutofit/>
+          </a:bodyPr>
+          <a:lstStyle/>
+          <a:p>
+            <a:pPr algn="ctr" defTabSz="932472" fontAlgn="base">
+              <a:lnSpc>
+                <a:spcPct val="90000"/>
+              </a:lnSpc>
+              <a:spcBef>
+                <a:spcPct val="0"/>
+              </a:spcBef>
+              <a:spcAft>
+                <a:spcPct val="0"/>
+              </a:spcAft>
+            </a:pPr>
+            <a:endParaRPr lang="en-US" sz="2400" err="1">
+              <a:gradFill>
+                <a:gsLst>
+                  <a:gs pos="0">
+                    <a:srgbClr val="FFFFFF"/>
+                  </a:gs>
+                  <a:gs pos="100000">
+                    <a:srgbClr val="FFFFFF"/>
+                  </a:gs>
+                </a:gsLst>
+                <a:lin ang="5400000" scaled="0"/>
+              </a:gradFill>
+              <a:ea typeface="Segoe UI" pitchFamily="34" charset="0"/>
+              <a:cs typeface="Segoe UI" pitchFamily="34" charset="0"/>
+            </a:endParaRPr>
+          </a:p>
+        </p:txBody>
+      </p:sp>
+      <p:sp>
+        <p:nvSpPr>
+          <p:cNvPr id="4" name="Title 3"/>
+          <p:cNvSpPr>
+            <a:spLocks noGrp="1"/>
+          </p:cNvSpPr>
+          <p:nvPr>
+            <p:ph type="title"/>
+          </p:nvPr>
+        </p:nvSpPr>
+        <p:spPr>
+          <a:xfrm>
+            <a:off x="465138" y="960438"/>
+            <a:ext cx="3722689" cy="917575"/>
+          </a:xfrm>
+        </p:spPr>
+        <p:txBody>
+          <a:bodyPr/>
+          <a:lstStyle/>
+          <a:p>
+            <a:r>
+              <a:rPr lang="en-US" sz="2800" dirty="0"/>
+              <a:t>Overview</a:t>
+            </a:r>
+          </a:p>
+        </p:txBody>
+      </p:sp>
+      <p:sp>
+        <p:nvSpPr>
+          <p:cNvPr id="5" name="Text Placeholder 4"/>
+          <p:cNvSpPr>
+            <a:spLocks noGrp="1"/>
+          </p:cNvSpPr>
+          <p:nvPr>
+            <p:ph type="body" sz="quarter" idx="10"/>
+          </p:nvPr>
+        </p:nvSpPr>
+        <p:spPr>
+          <a:xfrm>
+            <a:off x="465138" y="2574721"/>
+            <a:ext cx="3914774" cy="3862387"/>
+          </a:xfrm>
+        </p:spPr>
+        <p:txBody>
+          <a:bodyPr/>
+          <a:lstStyle/>
+          <a:p>
+            <a:pPr>
+              <a:spcBef>
+                <a:spcPts val="1200"/>
+              </a:spcBef>
+            </a:pPr>
+            <a:r>
+              <a:rPr lang="en-US" sz="2000" dirty="0"/>
+              <a:t>Objects &amp; Files involved in Deployment</a:t>
+            </a:r>
+          </a:p>
+          <a:p>
+            <a:pPr>
+              <a:spcBef>
+                <a:spcPts val="1200"/>
+              </a:spcBef>
+            </a:pPr>
+            <a:r>
+              <a:rPr lang="en-US" sz="2000" dirty="0"/>
+              <a:t>Build, Bundle &amp; Ship</a:t>
+            </a:r>
+          </a:p>
+          <a:p>
+            <a:pPr>
+              <a:spcBef>
+                <a:spcPts val="1200"/>
+              </a:spcBef>
+            </a:pPr>
+            <a:r>
+              <a:rPr lang="en-US" sz="2000" dirty="0"/>
+              <a:t>Deploying SharePoint Assets</a:t>
+            </a:r>
+          </a:p>
+          <a:p>
+            <a:pPr>
+              <a:spcBef>
+                <a:spcPts val="1200"/>
+              </a:spcBef>
+            </a:pPr>
+            <a:r>
+              <a:rPr lang="en-US" sz="2000" dirty="0"/>
+              <a:t>Deployment Steps</a:t>
+            </a:r>
+          </a:p>
+        </p:txBody>
+      </p:sp>
+    </p:spTree>
+    <p:extLst>
+      <p:ext uri="{BB962C8B-B14F-4D97-AF65-F5344CB8AC3E}">
+        <p14:creationId xmlns:p14="http://schemas.microsoft.com/office/powerpoint/2010/main" val="1049797930"/>
+      </p:ext>
+    </p:extLst>
+  </p:cSld>
+  <p:clrMapOvr>
+    <a:masterClrMapping/>
+  </p:clrMapOvr>
+  <mc:AlternateContent xmlns:mc="http://schemas.openxmlformats.org/markup-compatibility/2006" xmlns:p159="http://schemas.microsoft.com/office/powerpoint/2015/09/main">
+    <mc:Choice Requires="p159">
+      <p:transition spd="slow">
+        <p159:morph option="byObject"/>
+      </p:transition>
+    </mc:Choice>
+    <mc:Fallback xmlns="">
+      <p:transition spd="slow">
+        <p:fade/>
+      </p:transition>
+    </mc:Fallback>
+  </mc:AlternateContent>
+</p:sld>
+</file>
+
+<file path=ppt/slides/slide3.xml><?xml version="1.0" encoding="utf-8"?>
+<p:sld xmlns:a="http://schemas.openxmlformats.org/drawingml/2006/main" xmlns:r="http://schemas.openxmlformats.org/officeDocument/2006/relationships" xmlns:p="http://schemas.openxmlformats.org/presentationml/2006/main">
+  <p:cSld>
+    <p:spTree>
+      <p:nvGrpSpPr>
+        <p:cNvPr id="1" name=""/>
+        <p:cNvGrpSpPr/>
+        <p:nvPr/>
+      </p:nvGrpSpPr>
+      <p:grpSpPr>
+        <a:xfrm>
+          <a:off x="0" y="0"/>
+          <a:ext cx="0" cy="0"/>
+          <a:chOff x="0" y="0"/>
+          <a:chExt cx="0" cy="0"/>
+        </a:xfrm>
+      </p:grpSpPr>
+      <p:sp>
+        <p:nvSpPr>
+          <p:cNvPr id="4" name="Text Placeholder 3"/>
+          <p:cNvSpPr>
+            <a:spLocks noGrp="1"/>
+          </p:cNvSpPr>
+          <p:nvPr>
+            <p:ph type="body" sz="quarter" idx="10"/>
+          </p:nvPr>
+        </p:nvSpPr>
+        <p:spPr>
+          <a:xfrm>
+            <a:off x="464400" y="1212850"/>
+            <a:ext cx="11574000" cy="5053691"/>
+          </a:xfrm>
+        </p:spPr>
+        <p:txBody>
+          <a:bodyPr/>
+          <a:lstStyle/>
+          <a:p>
+            <a:r>
+              <a:rPr lang="en-US" dirty="0"/>
+              <a:t>Installation &amp; registration files</a:t>
+            </a:r>
+          </a:p>
+          <a:p>
+            <a:pPr lvl="1"/>
+            <a:r>
+              <a:rPr lang="en-US" dirty="0"/>
+              <a:t>Included in SharePoint package deployed to SharePoint app catalogs</a:t>
+            </a:r>
+          </a:p>
+          <a:p>
+            <a:pPr lvl="1"/>
+            <a:r>
+              <a:rPr lang="en-US" dirty="0"/>
+              <a:t>Makes SharePoint aware of components</a:t>
+            </a:r>
+          </a:p>
+          <a:p>
+            <a:pPr lvl="1"/>
+            <a:r>
+              <a:rPr lang="en-US" dirty="0"/>
+              <a:t>Includes:</a:t>
+            </a:r>
+          </a:p>
+          <a:p>
+            <a:pPr lvl="2"/>
+            <a:r>
+              <a:rPr lang="en-US" dirty="0"/>
+              <a:t>App manifest</a:t>
+            </a:r>
+          </a:p>
+          <a:p>
+            <a:pPr lvl="2"/>
+            <a:r>
+              <a:rPr lang="en-US" dirty="0"/>
+              <a:t>Feature framework files</a:t>
+            </a:r>
+          </a:p>
+          <a:p>
+            <a:pPr lvl="2"/>
+            <a:r>
+              <a:rPr lang="en-US" dirty="0"/>
+              <a:t>etc.</a:t>
+            </a:r>
+          </a:p>
+          <a:p>
+            <a:endParaRPr lang="en-US" dirty="0"/>
+          </a:p>
+          <a:p>
+            <a:r>
+              <a:rPr lang="en-US" dirty="0"/>
+              <a:t>Component runtime files &amp; dependencies</a:t>
+            </a:r>
+          </a:p>
+          <a:p>
+            <a:pPr lvl="1"/>
+            <a:r>
+              <a:rPr lang="en-US" dirty="0"/>
+              <a:t>Optionally included in SharePoint package or deployed to another location (CDN)</a:t>
+            </a:r>
+          </a:p>
+          <a:p>
+            <a:pPr lvl="1"/>
+            <a:r>
+              <a:rPr lang="en-US" dirty="0"/>
+              <a:t>Referenced by SharePoint when components are loaded on pages</a:t>
+            </a:r>
+          </a:p>
+          <a:p>
+            <a:pPr lvl="1"/>
+            <a:r>
+              <a:rPr lang="en-US" dirty="0"/>
+              <a:t>Includes:</a:t>
+            </a:r>
+          </a:p>
+          <a:p>
+            <a:pPr lvl="2"/>
+            <a:r>
+              <a:rPr lang="en-US" dirty="0"/>
+              <a:t>JavaScript bundles</a:t>
+            </a:r>
+          </a:p>
+          <a:p>
+            <a:pPr lvl="2"/>
+            <a:r>
+              <a:rPr lang="en-US" dirty="0"/>
+              <a:t>Images</a:t>
+            </a:r>
+          </a:p>
+          <a:p>
+            <a:pPr lvl="2"/>
+            <a:r>
+              <a:rPr lang="en-US" dirty="0"/>
+              <a:t>CSS</a:t>
+            </a:r>
+          </a:p>
+          <a:p>
+            <a:pPr lvl="2"/>
+            <a:r>
+              <a:rPr lang="en-US" dirty="0"/>
+              <a:t>etc.</a:t>
+            </a:r>
+          </a:p>
+        </p:txBody>
+      </p:sp>
+      <p:sp>
+        <p:nvSpPr>
+          <p:cNvPr id="2" name="Title 1"/>
+          <p:cNvSpPr>
+            <a:spLocks noGrp="1"/>
+          </p:cNvSpPr>
+          <p:nvPr>
+            <p:ph type="title"/>
+          </p:nvPr>
+        </p:nvSpPr>
+        <p:spPr>
+          <a:xfrm>
+            <a:off x="464400" y="633600"/>
+            <a:ext cx="11574000" cy="387798"/>
+          </a:xfrm>
+        </p:spPr>
+        <p:txBody>
+          <a:bodyPr/>
+          <a:lstStyle/>
+          <a:p>
+            <a:r>
+              <a:rPr lang="en-US" dirty="0"/>
+              <a:t>SharePoint Framework Deployment Artifacts</a:t>
+            </a:r>
+            <a:endParaRPr lang="fi-FI" dirty="0"/>
+          </a:p>
+        </p:txBody>
+      </p:sp>
+    </p:spTree>
+    <p:extLst>
+      <p:ext uri="{BB962C8B-B14F-4D97-AF65-F5344CB8AC3E}">
+        <p14:creationId xmlns:p14="http://schemas.microsoft.com/office/powerpoint/2010/main" val="616216480"/>
+      </p:ext>
+    </p:extLst>
+  </p:cSld>
+  <p:clrMapOvr>
+    <a:masterClrMapping/>
+  </p:clrMapOvr>
+  <p:transition>
+    <p:fade/>
+  </p:transition>
+</p:sld>
+</file>
+
+<file path=ppt/slides/slide4.xml><?xml version="1.0" encoding="utf-8"?>
+<p:sld xmlns:a="http://schemas.openxmlformats.org/drawingml/2006/main" xmlns:r="http://schemas.openxmlformats.org/officeDocument/2006/relationships" xmlns:p="http://schemas.openxmlformats.org/presentationml/2006/main">
+  <p:cSld>
+    <p:spTree>
+      <p:nvGrpSpPr>
+        <p:cNvPr id="1" name=""/>
+        <p:cNvGrpSpPr/>
+        <p:nvPr/>
+      </p:nvGrpSpPr>
+      <p:grpSpPr>
+        <a:xfrm>
+          <a:off x="0" y="0"/>
+          <a:ext cx="0" cy="0"/>
+          <a:chOff x="0" y="0"/>
+          <a:chExt cx="0" cy="0"/>
+        </a:xfrm>
+      </p:grpSpPr>
+      <p:graphicFrame>
+        <p:nvGraphicFramePr>
+          <p:cNvPr id="4" name="Diagram 3">
+            <a:extLst>
+              <a:ext uri="{FF2B5EF4-FFF2-40B4-BE49-F238E27FC236}">
+                <a16:creationId xmlns:a16="http://schemas.microsoft.com/office/drawing/2014/main" id="{65E1CF3C-9FC3-2441-89BC-49E435641216}"/>
+              </a:ext>
+            </a:extLst>
+          </p:cNvPr>
+          <p:cNvGraphicFramePr/>
+          <p:nvPr>
+            <p:extLst>
+              <p:ext uri="{D42A27DB-BD31-4B8C-83A1-F6EECF244321}">
+                <p14:modId xmlns:p14="http://schemas.microsoft.com/office/powerpoint/2010/main" val="996724043"/>
+              </p:ext>
+            </p:extLst>
+          </p:nvPr>
+        </p:nvGraphicFramePr>
+        <p:xfrm>
+          <a:off x="464400" y="1212850"/>
+          <a:ext cx="11574000" cy="5290679"/>
+        </p:xfrm>
+        <a:graphic>
+          <a:graphicData uri="http://schemas.openxmlformats.org/drawingml/2006/diagram">
+            <dgm:relIds xmlns:dgm="http://schemas.openxmlformats.org/drawingml/2006/diagram" xmlns:r="http://schemas.openxmlformats.org/officeDocument/2006/relationships" r:dm="rId3" r:lo="rId4" r:qs="rId5" r:cs="rId6"/>
+          </a:graphicData>
+        </a:graphic>
+      </p:graphicFrame>
+      <p:sp>
+        <p:nvSpPr>
+          <p:cNvPr id="3" name="Title 2">
+            <a:extLst>
+              <a:ext uri="{FF2B5EF4-FFF2-40B4-BE49-F238E27FC236}">
+                <a16:creationId xmlns:a16="http://schemas.microsoft.com/office/drawing/2014/main" id="{E70447BF-20D5-4444-A33F-9245742A1AA6}"/>
+              </a:ext>
+            </a:extLst>
+          </p:cNvPr>
+          <p:cNvSpPr>
+            <a:spLocks noGrp="1"/>
+          </p:cNvSpPr>
+          <p:nvPr>
+            <p:ph type="title"/>
+          </p:nvPr>
+        </p:nvSpPr>
+        <p:spPr>
+          <a:xfrm>
+            <a:off x="464400" y="633600"/>
+            <a:ext cx="11574000" cy="387798"/>
+          </a:xfrm>
+        </p:spPr>
+        <p:txBody>
+          <a:bodyPr/>
+          <a:lstStyle/>
+          <a:p>
+            <a:r>
+              <a:rPr lang="en-US" dirty="0"/>
+              <a:t>Build, Bundle &amp; Package Solution</a:t>
+            </a:r>
+          </a:p>
+        </p:txBody>
+      </p:sp>
+    </p:spTree>
+    <p:extLst>
+      <p:ext uri="{BB962C8B-B14F-4D97-AF65-F5344CB8AC3E}">
+        <p14:creationId xmlns:p14="http://schemas.microsoft.com/office/powerpoint/2010/main" val="636881059"/>
+      </p:ext>
+    </p:extLst>
+  </p:cSld>
+  <p:clrMapOvr>
+    <a:masterClrMapping/>
+  </p:clrMapOvr>
+  <p:transition>
+    <p:fade/>
+  </p:transition>
+</p:sld>
+</file>
+
+<file path=ppt/slides/slide5.xml><?xml version="1.0" encoding="utf-8"?>
+<p:sld xmlns:a="http://schemas.openxmlformats.org/drawingml/2006/main" xmlns:r="http://schemas.openxmlformats.org/officeDocument/2006/relationships" xmlns:p="http://schemas.openxmlformats.org/presentationml/2006/main">
+  <p:cSld>
+    <p:spTree>
+      <p:nvGrpSpPr>
+        <p:cNvPr id="1" name=""/>
+        <p:cNvGrpSpPr/>
+        <p:nvPr/>
+      </p:nvGrpSpPr>
+      <p:grpSpPr>
+        <a:xfrm>
+          <a:off x="0" y="0"/>
+          <a:ext cx="0" cy="0"/>
+          <a:chOff x="0" y="0"/>
+          <a:chExt cx="0" cy="0"/>
+        </a:xfrm>
+      </p:grpSpPr>
+      <p:graphicFrame>
+        <p:nvGraphicFramePr>
+          <p:cNvPr id="4" name="Diagram 3">
+            <a:extLst>
+              <a:ext uri="{FF2B5EF4-FFF2-40B4-BE49-F238E27FC236}">
+                <a16:creationId xmlns:a16="http://schemas.microsoft.com/office/drawing/2014/main" id="{2FA9A1F6-D5B2-9540-99EF-D9E220537E71}"/>
+              </a:ext>
+            </a:extLst>
+          </p:cNvPr>
+          <p:cNvGraphicFramePr/>
+          <p:nvPr>
+            <p:extLst>
+              <p:ext uri="{D42A27DB-BD31-4B8C-83A1-F6EECF244321}">
+                <p14:modId xmlns:p14="http://schemas.microsoft.com/office/powerpoint/2010/main" val="2083538813"/>
+              </p:ext>
+            </p:extLst>
+          </p:nvPr>
+        </p:nvGraphicFramePr>
+        <p:xfrm>
+          <a:off x="464400" y="1212850"/>
+          <a:ext cx="11574000" cy="2751522"/>
+        </p:xfrm>
+        <a:graphic>
+          <a:graphicData uri="http://schemas.openxmlformats.org/drawingml/2006/diagram">
+            <dgm:relIds xmlns:dgm="http://schemas.openxmlformats.org/drawingml/2006/diagram" xmlns:r="http://schemas.openxmlformats.org/officeDocument/2006/relationships" r:dm="rId3" r:lo="rId4" r:qs="rId5" r:cs="rId6"/>
+          </a:graphicData>
+        </a:graphic>
+      </p:graphicFrame>
+      <p:sp>
+        <p:nvSpPr>
+          <p:cNvPr id="3" name="Title 2">
+            <a:extLst>
+              <a:ext uri="{FF2B5EF4-FFF2-40B4-BE49-F238E27FC236}">
+                <a16:creationId xmlns:a16="http://schemas.microsoft.com/office/drawing/2014/main" id="{DE7A6D9B-CB7A-434E-96DD-43CE1875DA5C}"/>
+              </a:ext>
+            </a:extLst>
+          </p:cNvPr>
+          <p:cNvSpPr>
+            <a:spLocks noGrp="1"/>
+          </p:cNvSpPr>
+          <p:nvPr>
+            <p:ph type="title"/>
+          </p:nvPr>
+        </p:nvSpPr>
+        <p:spPr>
+          <a:xfrm>
+            <a:off x="464400" y="633600"/>
+            <a:ext cx="11574000" cy="387798"/>
+          </a:xfrm>
+        </p:spPr>
+        <p:txBody>
+          <a:bodyPr/>
+          <a:lstStyle/>
+          <a:p>
+            <a:r>
+              <a:rPr lang="en-US" dirty="0"/>
+              <a:t>Different Build / Packaging Modes: Debug &amp; Production</a:t>
+            </a:r>
+          </a:p>
+        </p:txBody>
+      </p:sp>
+    </p:spTree>
+    <p:extLst>
+      <p:ext uri="{BB962C8B-B14F-4D97-AF65-F5344CB8AC3E}">
+        <p14:creationId xmlns:p14="http://schemas.microsoft.com/office/powerpoint/2010/main" val="2649642459"/>
+      </p:ext>
+    </p:extLst>
+  </p:cSld>
+  <p:clrMapOvr>
+    <a:masterClrMapping/>
+  </p:clrMapOvr>
+  <p:transition>
+    <p:fade/>
+  </p:transition>
+</p:sld>
+</file>
+
+<file path=ppt/slides/slide6.xml><?xml version="1.0" encoding="utf-8"?>
+<p:sld xmlns:a="http://schemas.openxmlformats.org/drawingml/2006/main" xmlns:r="http://schemas.openxmlformats.org/officeDocument/2006/relationships" xmlns:p="http://schemas.openxmlformats.org/presentationml/2006/main">
+  <p:cSld>
+    <p:spTree>
+      <p:nvGrpSpPr>
+        <p:cNvPr id="1" name=""/>
+        <p:cNvGrpSpPr/>
+        <p:nvPr/>
+      </p:nvGrpSpPr>
+      <p:grpSpPr>
+        <a:xfrm>
+          <a:off x="0" y="0"/>
+          <a:ext cx="0" cy="0"/>
+          <a:chOff x="0" y="0"/>
+          <a:chExt cx="0" cy="0"/>
+        </a:xfrm>
+      </p:grpSpPr>
+      <p:graphicFrame>
+        <p:nvGraphicFramePr>
+          <p:cNvPr id="6" name="Diagram 5">
+            <a:extLst>
+              <a:ext uri="{FF2B5EF4-FFF2-40B4-BE49-F238E27FC236}">
+                <a16:creationId xmlns:a16="http://schemas.microsoft.com/office/drawing/2014/main" id="{9CC89528-7618-3149-96B1-9679A6B3AB9C}"/>
+              </a:ext>
+            </a:extLst>
+          </p:cNvPr>
+          <p:cNvGraphicFramePr/>
+          <p:nvPr>
+            <p:extLst>
+              <p:ext uri="{D42A27DB-BD31-4B8C-83A1-F6EECF244321}">
+                <p14:modId xmlns:p14="http://schemas.microsoft.com/office/powerpoint/2010/main" val="1853089444"/>
+              </p:ext>
+            </p:extLst>
+          </p:nvPr>
+        </p:nvGraphicFramePr>
+        <p:xfrm>
+          <a:off x="464400" y="1212850"/>
+          <a:ext cx="11574000" cy="3801041"/>
+        </p:xfrm>
+        <a:graphic>
+          <a:graphicData uri="http://schemas.openxmlformats.org/drawingml/2006/diagram">
+            <dgm:relIds xmlns:dgm="http://schemas.openxmlformats.org/drawingml/2006/diagram" xmlns:r="http://schemas.openxmlformats.org/officeDocument/2006/relationships" r:dm="rId3" r:lo="rId4" r:qs="rId5" r:cs="rId6"/>
+          </a:graphicData>
+        </a:graphic>
+      </p:graphicFrame>
+      <p:sp>
+        <p:nvSpPr>
+          <p:cNvPr id="3" name="Title 2">
+            <a:extLst>
+              <a:ext uri="{FF2B5EF4-FFF2-40B4-BE49-F238E27FC236}">
+                <a16:creationId xmlns:a16="http://schemas.microsoft.com/office/drawing/2014/main" id="{CF36977B-B03C-5942-AC28-551CFBC321D9}"/>
+              </a:ext>
+            </a:extLst>
+          </p:cNvPr>
+          <p:cNvSpPr>
+            <a:spLocks noGrp="1"/>
+          </p:cNvSpPr>
+          <p:nvPr>
+            <p:ph type="title"/>
+          </p:nvPr>
+        </p:nvSpPr>
+        <p:spPr/>
+        <p:txBody>
+          <a:bodyPr/>
+          <a:lstStyle/>
+          <a:p>
+            <a:r>
+              <a:rPr lang="en-US" dirty="0"/>
+              <a:t>Deploying SharePoint Assets</a:t>
+            </a:r>
+          </a:p>
+        </p:txBody>
+      </p:sp>
+    </p:spTree>
+    <p:extLst>
+      <p:ext uri="{BB962C8B-B14F-4D97-AF65-F5344CB8AC3E}">
+        <p14:creationId xmlns:p14="http://schemas.microsoft.com/office/powerpoint/2010/main" val="11873069"/>
+      </p:ext>
+    </p:extLst>
+  </p:cSld>
+  <p:clrMapOvr>
+    <a:masterClrMapping/>
+  </p:clrMapOvr>
+  <p:transition>
+    <p:fade/>
+  </p:transition>
+</p:sld>
+</file>
+
+<file path=ppt/slides/slide7.xml><?xml version="1.0" encoding="utf-8"?>
+<p:sld xmlns:a="http://schemas.openxmlformats.org/drawingml/2006/main" xmlns:r="http://schemas.openxmlformats.org/officeDocument/2006/relationships" xmlns:p="http://schemas.openxmlformats.org/presentationml/2006/main">
+  <p:cSld>
+    <p:spTree>
+      <p:nvGrpSpPr>
+        <p:cNvPr id="1" name=""/>
+        <p:cNvGrpSpPr/>
+        <p:nvPr/>
+      </p:nvGrpSpPr>
+      <p:grpSpPr>
+        <a:xfrm>
+          <a:off x="0" y="0"/>
+          <a:ext cx="0" cy="0"/>
+          <a:chOff x="0" y="0"/>
+          <a:chExt cx="0" cy="0"/>
+        </a:xfrm>
+      </p:grpSpPr>
+      <p:sp>
+        <p:nvSpPr>
+          <p:cNvPr id="2" name="Text Placeholder 1">
+            <a:extLst>
+              <a:ext uri="{FF2B5EF4-FFF2-40B4-BE49-F238E27FC236}">
+                <a16:creationId xmlns:a16="http://schemas.microsoft.com/office/drawing/2014/main" id="{B8D436EE-1FA6-DF48-9B7F-2AA8BD2DD4CC}"/>
+              </a:ext>
+            </a:extLst>
+          </p:cNvPr>
+          <p:cNvSpPr>
+            <a:spLocks noGrp="1"/>
+          </p:cNvSpPr>
+          <p:nvPr>
+            <p:ph type="body" sz="quarter" idx="10"/>
+          </p:nvPr>
+        </p:nvSpPr>
+        <p:spPr>
+          <a:xfrm>
+            <a:off x="464400" y="1212850"/>
+            <a:ext cx="11574000" cy="1938992"/>
+          </a:xfrm>
+        </p:spPr>
+        <p:txBody>
+          <a:bodyPr/>
+          <a:lstStyle/>
+          <a:p>
+            <a:r>
+              <a:rPr lang="en-US" dirty="0"/>
+              <a:t>Automatically deploy components to all sites in:</a:t>
+            </a:r>
+          </a:p>
+          <a:p>
+            <a:pPr lvl="1"/>
+            <a:r>
+              <a:rPr lang="en-US" dirty="0"/>
+              <a:t>the tenant if deploying to the tenant app catalog</a:t>
+            </a:r>
+          </a:p>
+          <a:p>
+            <a:pPr lvl="1"/>
+            <a:r>
+              <a:rPr lang="en-US" dirty="0"/>
+              <a:t>a site collection if deploying to a site collection app catalog</a:t>
+            </a:r>
+          </a:p>
+          <a:p>
+            <a:endParaRPr lang="en-US" dirty="0"/>
+          </a:p>
+          <a:p>
+            <a:r>
+              <a:rPr lang="en-US" dirty="0"/>
+              <a:t>Bypasses need to manually add app to sites where components will be used</a:t>
+            </a:r>
+          </a:p>
+        </p:txBody>
+      </p:sp>
+      <p:sp>
+        <p:nvSpPr>
+          <p:cNvPr id="3" name="Title 2">
+            <a:extLst>
+              <a:ext uri="{FF2B5EF4-FFF2-40B4-BE49-F238E27FC236}">
+                <a16:creationId xmlns:a16="http://schemas.microsoft.com/office/drawing/2014/main" id="{9FD8D0F7-929A-EB47-8E8D-C24EC1E647C1}"/>
+              </a:ext>
+            </a:extLst>
+          </p:cNvPr>
+          <p:cNvSpPr>
+            <a:spLocks noGrp="1"/>
+          </p:cNvSpPr>
+          <p:nvPr>
+            <p:ph type="title"/>
+          </p:nvPr>
+        </p:nvSpPr>
+        <p:spPr>
+          <a:xfrm>
+            <a:off x="464400" y="633600"/>
+            <a:ext cx="11574000" cy="387798"/>
+          </a:xfrm>
+        </p:spPr>
+        <p:txBody>
+          <a:bodyPr/>
+          <a:lstStyle/>
+          <a:p>
+            <a:r>
+              <a:rPr lang="en-US" dirty="0"/>
+              <a:t>Tenant (or Site Collection) Wide Deployment</a:t>
+            </a:r>
+          </a:p>
+        </p:txBody>
+      </p:sp>
+      <p:pic>
+        <p:nvPicPr>
+          <p:cNvPr id="5" name="Picture 4" descr="Graphical user interface, application&#10;&#10;Description automatically generated">
+            <a:extLst>
+              <a:ext uri="{FF2B5EF4-FFF2-40B4-BE49-F238E27FC236}">
+                <a16:creationId xmlns:a16="http://schemas.microsoft.com/office/drawing/2014/main" id="{8BFAAC49-DDAC-E237-944F-F2ACC3CD9F0E}"/>
+              </a:ext>
+            </a:extLst>
+          </p:cNvPr>
+          <p:cNvPicPr>
+            <a:picLocks noChangeAspect="1"/>
+          </p:cNvPicPr>
+          <p:nvPr/>
+        </p:nvPicPr>
+        <p:blipFill>
+          <a:blip r:embed="rId3"/>
+          <a:stretch>
+            <a:fillRect/>
+          </a:stretch>
+        </p:blipFill>
+        <p:spPr>
+          <a:xfrm>
+            <a:off x="5165563" y="3343294"/>
+            <a:ext cx="6000000" cy="3400000"/>
+          </a:xfrm>
+          <a:prstGeom prst="rect">
+            <a:avLst/>
+          </a:prstGeom>
+        </p:spPr>
+      </p:pic>
+      <p:pic>
+        <p:nvPicPr>
+          <p:cNvPr id="7" name="Picture 6" descr="Graphical user interface, text, application, email&#10;&#10;Description automatically generated">
+            <a:extLst>
+              <a:ext uri="{FF2B5EF4-FFF2-40B4-BE49-F238E27FC236}">
+                <a16:creationId xmlns:a16="http://schemas.microsoft.com/office/drawing/2014/main" id="{CB0C29A1-5856-82EA-613E-83BBFCD83BA6}"/>
+              </a:ext>
+            </a:extLst>
+          </p:cNvPr>
+          <p:cNvPicPr>
+            <a:picLocks noChangeAspect="1"/>
+          </p:cNvPicPr>
+          <p:nvPr/>
+        </p:nvPicPr>
+        <p:blipFill>
+          <a:blip r:embed="rId4"/>
+          <a:stretch>
+            <a:fillRect/>
+          </a:stretch>
+        </p:blipFill>
+        <p:spPr>
+          <a:xfrm>
+            <a:off x="1808878" y="3343294"/>
+            <a:ext cx="2732960" cy="3497262"/>
+          </a:xfrm>
+          <a:prstGeom prst="rect">
+            <a:avLst/>
+          </a:prstGeom>
+        </p:spPr>
+      </p:pic>
+    </p:spTree>
+    <p:extLst>
+      <p:ext uri="{BB962C8B-B14F-4D97-AF65-F5344CB8AC3E}">
+        <p14:creationId xmlns:p14="http://schemas.microsoft.com/office/powerpoint/2010/main" val="3840237472"/>
+      </p:ext>
+    </p:extLst>
+  </p:cSld>
+  <p:clrMapOvr>
+    <a:masterClrMapping/>
+  </p:clrMapOvr>
+  <p:transition>
+    <p:fade/>
+  </p:transition>
+</p:sld>
+</file>
+
+<file path=ppt/slides/slide8.xml><?xml version="1.0" encoding="utf-8"?>
+<p:sld xmlns:a="http://schemas.openxmlformats.org/drawingml/2006/main" xmlns:r="http://schemas.openxmlformats.org/officeDocument/2006/relationships" xmlns:p="http://schemas.openxmlformats.org/presentationml/2006/main">
+  <p:cSld>
+    <p:spTree>
+      <p:nvGrpSpPr>
+        <p:cNvPr id="1" name=""/>
+        <p:cNvGrpSpPr/>
+        <p:nvPr/>
+      </p:nvGrpSpPr>
+      <p:grpSpPr>
+        <a:xfrm>
+          <a:off x="0" y="0"/>
+          <a:ext cx="0" cy="0"/>
+          <a:chOff x="0" y="0"/>
+          <a:chExt cx="0" cy="0"/>
+        </a:xfrm>
+      </p:grpSpPr>
+      <p:sp>
+        <p:nvSpPr>
+          <p:cNvPr id="2" name="Text Placeholder 1">
+            <a:extLst>
+              <a:ext uri="{FF2B5EF4-FFF2-40B4-BE49-F238E27FC236}">
+                <a16:creationId xmlns:a16="http://schemas.microsoft.com/office/drawing/2014/main" id="{FDF2398F-5F8F-D744-94A0-E4BF1AB71E13}"/>
+              </a:ext>
+            </a:extLst>
+          </p:cNvPr>
+          <p:cNvSpPr>
+            <a:spLocks noGrp="1"/>
+          </p:cNvSpPr>
+          <p:nvPr>
+            <p:ph type="body" sz="quarter" idx="10"/>
+          </p:nvPr>
+        </p:nvSpPr>
+        <p:spPr>
+          <a:xfrm>
+            <a:off x="464400" y="1212850"/>
+            <a:ext cx="11574000" cy="5346079"/>
+          </a:xfrm>
+        </p:spPr>
+        <p:txBody>
+          <a:bodyPr/>
+          <a:lstStyle/>
+          <a:p>
+            <a:r>
+              <a:rPr lang="en-US" dirty="0"/>
+              <a:t>Build the project</a:t>
+            </a:r>
+          </a:p>
+          <a:p>
+            <a:pPr lvl="1"/>
+            <a:r>
+              <a:rPr lang="en-US" dirty="0">
+                <a:latin typeface="Courier New" panose="02070309020205020404" pitchFamily="49" charset="0"/>
+                <a:cs typeface="Courier New" panose="02070309020205020404" pitchFamily="49" charset="0"/>
+              </a:rPr>
+              <a:t>gulp build</a:t>
+            </a:r>
+          </a:p>
+          <a:p>
+            <a:endParaRPr lang="en-US" dirty="0"/>
+          </a:p>
+          <a:p>
+            <a:r>
+              <a:rPr lang="en-US" dirty="0"/>
+              <a:t>Generate the bundle &amp; manifests</a:t>
+            </a:r>
+          </a:p>
+          <a:p>
+            <a:pPr lvl="1"/>
+            <a:r>
+              <a:rPr lang="en-US" dirty="0">
+                <a:latin typeface="Courier New" panose="02070309020205020404" pitchFamily="49" charset="0"/>
+                <a:cs typeface="Courier New" panose="02070309020205020404" pitchFamily="49" charset="0"/>
+              </a:rPr>
+              <a:t>gulp bundle --ship</a:t>
+            </a:r>
+          </a:p>
+          <a:p>
+            <a:endParaRPr lang="en-US" dirty="0"/>
+          </a:p>
+          <a:p>
+            <a:r>
+              <a:rPr lang="en-US" dirty="0"/>
+              <a:t>Generate the SharePoint package</a:t>
+            </a:r>
+          </a:p>
+          <a:p>
+            <a:pPr lvl="1"/>
+            <a:r>
+              <a:rPr lang="en-US" dirty="0">
+                <a:latin typeface="Courier New" panose="02070309020205020404" pitchFamily="49" charset="0"/>
+                <a:cs typeface="Courier New" panose="02070309020205020404" pitchFamily="49" charset="0"/>
+              </a:rPr>
+              <a:t>gulp package-solution –ship</a:t>
+            </a:r>
+          </a:p>
+          <a:p>
+            <a:endParaRPr lang="en-US" dirty="0"/>
+          </a:p>
+          <a:p>
+            <a:r>
+              <a:rPr lang="en-US" dirty="0"/>
+              <a:t>Upload the package (*.</a:t>
+            </a:r>
+            <a:r>
+              <a:rPr lang="en-US" dirty="0" err="1"/>
+              <a:t>sppkg</a:t>
+            </a:r>
+            <a:r>
+              <a:rPr lang="en-US" dirty="0"/>
+              <a:t>) to the </a:t>
+            </a:r>
+            <a:br>
+              <a:rPr lang="en-US" dirty="0"/>
+            </a:br>
+            <a:r>
+              <a:rPr lang="en-US" dirty="0"/>
+              <a:t>app catalog</a:t>
+            </a:r>
+          </a:p>
+          <a:p>
+            <a:endParaRPr lang="en-US" dirty="0"/>
+          </a:p>
+          <a:p>
+            <a:r>
+              <a:rPr lang="en-US" dirty="0"/>
+              <a:t>Install the app from the site collection’s </a:t>
+            </a:r>
+            <a:br>
+              <a:rPr lang="en-US" dirty="0"/>
+            </a:br>
+            <a:r>
+              <a:rPr lang="en-US" b="1" dirty="0"/>
+              <a:t>Site Contents </a:t>
+            </a:r>
+            <a:r>
+              <a:rPr lang="en-US" dirty="0"/>
+              <a:t>page</a:t>
+            </a:r>
+          </a:p>
+        </p:txBody>
+      </p:sp>
+      <p:sp>
+        <p:nvSpPr>
+          <p:cNvPr id="3" name="Title 2">
+            <a:extLst>
+              <a:ext uri="{FF2B5EF4-FFF2-40B4-BE49-F238E27FC236}">
+                <a16:creationId xmlns:a16="http://schemas.microsoft.com/office/drawing/2014/main" id="{70344BF1-1627-234B-A27E-01BD0332DA94}"/>
+              </a:ext>
+            </a:extLst>
+          </p:cNvPr>
+          <p:cNvSpPr>
+            <a:spLocks noGrp="1"/>
+          </p:cNvSpPr>
+          <p:nvPr>
+            <p:ph type="title"/>
+          </p:nvPr>
+        </p:nvSpPr>
+        <p:spPr>
+          <a:xfrm>
+            <a:off x="464400" y="633600"/>
+            <a:ext cx="11574000" cy="387798"/>
+          </a:xfrm>
+        </p:spPr>
+        <p:txBody>
+          <a:bodyPr/>
+          <a:lstStyle/>
+          <a:p>
+            <a:r>
+              <a:rPr lang="en-US" dirty="0"/>
+              <a:t>Deployment &amp; Installation Steps</a:t>
+            </a:r>
+          </a:p>
+        </p:txBody>
+      </p:sp>
+      <p:pic>
+        <p:nvPicPr>
+          <p:cNvPr id="7" name="Picture 6">
+            <a:extLst>
+              <a:ext uri="{FF2B5EF4-FFF2-40B4-BE49-F238E27FC236}">
+                <a16:creationId xmlns:a16="http://schemas.microsoft.com/office/drawing/2014/main" id="{C7B5015E-FBD6-4BBD-A7D0-2900398EDE79}"/>
+              </a:ext>
+            </a:extLst>
+          </p:cNvPr>
+          <p:cNvPicPr>
+            <a:picLocks noChangeAspect="1"/>
+          </p:cNvPicPr>
+          <p:nvPr/>
+        </p:nvPicPr>
+        <p:blipFill>
+          <a:blip r:embed="rId3"/>
+          <a:stretch>
+            <a:fillRect/>
+          </a:stretch>
+        </p:blipFill>
+        <p:spPr>
+          <a:xfrm>
+            <a:off x="6593564" y="827499"/>
+            <a:ext cx="5444836" cy="2789995"/>
+          </a:xfrm>
+          <a:prstGeom prst="rect">
+            <a:avLst/>
+          </a:prstGeom>
+        </p:spPr>
+      </p:pic>
+      <p:pic>
+        <p:nvPicPr>
+          <p:cNvPr id="9" name="Picture 8">
+            <a:extLst>
+              <a:ext uri="{FF2B5EF4-FFF2-40B4-BE49-F238E27FC236}">
+                <a16:creationId xmlns:a16="http://schemas.microsoft.com/office/drawing/2014/main" id="{60E06CCB-E82D-4009-BC7A-B1B9565C01B4}"/>
+              </a:ext>
+            </a:extLst>
+          </p:cNvPr>
+          <p:cNvPicPr>
+            <a:picLocks noChangeAspect="1"/>
+          </p:cNvPicPr>
+          <p:nvPr/>
+        </p:nvPicPr>
+        <p:blipFill>
+          <a:blip r:embed="rId4"/>
+          <a:stretch>
+            <a:fillRect/>
+          </a:stretch>
+        </p:blipFill>
+        <p:spPr>
+          <a:xfrm>
+            <a:off x="6593564" y="3933418"/>
+            <a:ext cx="5444836" cy="2816963"/>
+          </a:xfrm>
+          <a:prstGeom prst="rect">
+            <a:avLst/>
+          </a:prstGeom>
+        </p:spPr>
+      </p:pic>
+    </p:spTree>
+    <p:extLst>
+      <p:ext uri="{BB962C8B-B14F-4D97-AF65-F5344CB8AC3E}">
+        <p14:creationId xmlns:p14="http://schemas.microsoft.com/office/powerpoint/2010/main" val="2054403159"/>
+      </p:ext>
+    </p:extLst>
+  </p:cSld>
+  <p:clrMapOvr>
+    <a:masterClrMapping/>
+  </p:clrMapOvr>
+  <p:transition>
+    <p:fade/>
+  </p:transition>
+</p:sld>
+</file>
+
+<file path=ppt/slides/slide9.xml><?xml version="1.0" encoding="utf-8"?>
+<p:sld xmlns:a="http://schemas.openxmlformats.org/drawingml/2006/main" xmlns:r="http://schemas.openxmlformats.org/officeDocument/2006/relationships" xmlns:p="http://schemas.openxmlformats.org/presentationml/2006/main">
+  <p:cSld>
+    <p:spTree>
+      <p:nvGrpSpPr>
+        <p:cNvPr id="1" name=""/>
+        <p:cNvGrpSpPr/>
+        <p:nvPr/>
+      </p:nvGrpSpPr>
+      <p:grpSpPr>
+        <a:xfrm>
+          <a:off x="0" y="0"/>
+          <a:ext cx="0" cy="0"/>
+          <a:chOff x="0" y="0"/>
+          <a:chExt cx="0" cy="0"/>
+        </a:xfrm>
+      </p:grpSpPr>
+      <p:sp>
+        <p:nvSpPr>
+          <p:cNvPr id="2" name="Title 1"/>
+          <p:cNvSpPr>
+            <a:spLocks noGrp="1"/>
+          </p:cNvSpPr>
+          <p:nvPr>
+            <p:ph type="title"/>
+          </p:nvPr>
+        </p:nvSpPr>
+        <p:spPr/>
+        <p:txBody>
+          <a:bodyPr/>
+          <a:lstStyle/>
+          <a:p>
+            <a:r>
+              <a:rPr lang="en-US" dirty="0"/>
+              <a:t>Demo</a:t>
+            </a:r>
+            <a:br>
+              <a:rPr lang="en-US" dirty="0"/>
+            </a:br>
+            <a:r>
+              <a:rPr lang="en-US" sz="2400" dirty="0"/>
+              <a:t>Build, Bundle, Package, Deploy &amp; Install</a:t>
+            </a:r>
+            <a:br>
+              <a:rPr lang="en-US" sz="2400" dirty="0"/>
+            </a:br>
+            <a:r>
+              <a:rPr lang="en-US" sz="2400" dirty="0"/>
+              <a:t>a SharePoint Framework Solution</a:t>
+            </a:r>
+            <a:endParaRPr lang="en-US" dirty="0"/>
+          </a:p>
+        </p:txBody>
+      </p:sp>
+    </p:spTree>
+    <p:extLst>
+      <p:ext uri="{BB962C8B-B14F-4D97-AF65-F5344CB8AC3E}">
+        <p14:creationId xmlns:p14="http://schemas.microsoft.com/office/powerpoint/2010/main" val="528453639"/>
       </p:ext>
     </p:extLst>
   </p:cSld>

--- a/01-intro.pptx
+++ b/01-intro.pptx
@@ -9829,7 +9829,7 @@
               <a:rPr lang="en-US" smtClean="0">
                 <a:latin typeface="Segoe UI" pitchFamily="34" charset="0"/>
               </a:rPr>
-              <a:t>4/30/2022 11:15 AM</a:t>
+              <a:t>11/19/2022 4:11 PM</a:t>
             </a:fld>
             <a:endParaRPr lang="en-US" dirty="0">
               <a:latin typeface="Segoe UI" pitchFamily="34" charset="0"/>
@@ -10126,7 +10126,7 @@
           <a:p>
             <a:fld id="{D18B56EA-E28F-4F92-9F16-7A6F2501B303}" type="datetime8">
               <a:rPr lang="en-US" smtClean="0"/>
-              <a:t>4/30/2022 11:15 AM</a:t>
+              <a:t>11/19/2022 4:11 PM</a:t>
             </a:fld>
             <a:endParaRPr lang="en-US" dirty="0"/>
           </a:p>
@@ -10509,7 +10509,7 @@
           <a:p>
             <a:fld id="{D18B56EA-E28F-4F92-9F16-7A6F2501B303}" type="datetime8">
               <a:rPr lang="en-US" smtClean="0"/>
-              <a:t>4/30/2022 11:15 AM</a:t>
+              <a:t>11/19/2022 4:11 PM</a:t>
             </a:fld>
             <a:endParaRPr lang="en-US" dirty="0"/>
           </a:p>
@@ -10690,7 +10690,7 @@
           <a:p>
             <a:fld id="{D18B56EA-E28F-4F92-9F16-7A6F2501B303}" type="datetime8">
               <a:rPr lang="en-US" smtClean="0"/>
-              <a:t>4/30/2022 11:15 AM</a:t>
+              <a:t>11/19/2022 4:11 PM</a:t>
             </a:fld>
             <a:endParaRPr lang="en-US" dirty="0"/>
           </a:p>
@@ -10871,7 +10871,7 @@
           <a:p>
             <a:fld id="{D18B56EA-E28F-4F92-9F16-7A6F2501B303}" type="datetime8">
               <a:rPr lang="en-US" smtClean="0"/>
-              <a:t>4/30/2022 11:15 AM</a:t>
+              <a:t>11/19/2022 4:11 PM</a:t>
             </a:fld>
             <a:endParaRPr lang="en-US" dirty="0"/>
           </a:p>
@@ -11052,7 +11052,7 @@
           <a:p>
             <a:fld id="{D18B56EA-E28F-4F92-9F16-7A6F2501B303}" type="datetime8">
               <a:rPr lang="en-US" smtClean="0"/>
-              <a:t>4/30/2022 11:15 AM</a:t>
+              <a:t>11/19/2022 4:11 PM</a:t>
             </a:fld>
             <a:endParaRPr lang="en-US" dirty="0"/>
           </a:p>
@@ -11236,7 +11236,7 @@
           <a:p>
             <a:fld id="{D18B56EA-E28F-4F92-9F16-7A6F2501B303}" type="datetime8">
               <a:rPr lang="en-US" smtClean="0"/>
-              <a:t>4/30/2022 11:15 AM</a:t>
+              <a:t>11/19/2022 4:11 PM</a:t>
             </a:fld>
             <a:endParaRPr lang="en-US" dirty="0"/>
           </a:p>
@@ -11906,7 +11906,7 @@
           <a:p>
             <a:fld id="{D18B56EA-E28F-4F92-9F16-7A6F2501B303}" type="datetime8">
               <a:rPr lang="en-US" smtClean="0"/>
-              <a:t>4/30/2022 11:15 AM</a:t>
+              <a:t>11/19/2022 4:11 PM</a:t>
             </a:fld>
             <a:endParaRPr lang="en-US" dirty="0"/>
           </a:p>
@@ -12209,7 +12209,7 @@
           <a:p>
             <a:fld id="{D18B56EA-E28F-4F92-9F16-7A6F2501B303}" type="datetime8">
               <a:rPr lang="en-US" smtClean="0"/>
-              <a:t>4/30/2022 11:15 AM</a:t>
+              <a:t>11/19/2022 4:11 PM</a:t>
             </a:fld>
             <a:endParaRPr lang="en-US" dirty="0"/>
           </a:p>
@@ -12495,7 +12495,7 @@
           <a:p>
             <a:fld id="{D18B56EA-E28F-4F92-9F16-7A6F2501B303}" type="datetime8">
               <a:rPr lang="en-US" smtClean="0"/>
-              <a:t>4/30/2022 11:15 AM</a:t>
+              <a:t>11/19/2022 4:11 PM</a:t>
             </a:fld>
             <a:endParaRPr lang="en-US" dirty="0"/>
           </a:p>
@@ -12733,7 +12733,7 @@
           <a:p>
             <a:fld id="{D18B56EA-E28F-4F92-9F16-7A6F2501B303}" type="datetime8">
               <a:rPr lang="en-US" smtClean="0"/>
-              <a:t>4/30/2022 11:16 AM</a:t>
+              <a:t>11/19/2022 4:11 PM</a:t>
             </a:fld>
             <a:endParaRPr lang="en-US" dirty="0"/>
           </a:p>
@@ -12985,7 +12985,7 @@
           <a:p>
             <a:fld id="{D18B56EA-E28F-4F92-9F16-7A6F2501B303}" type="datetime8">
               <a:rPr lang="en-US" smtClean="0"/>
-              <a:t>4/30/2022 11:15 AM</a:t>
+              <a:t>11/19/2022 4:11 PM</a:t>
             </a:fld>
             <a:endParaRPr lang="en-US" dirty="0"/>
           </a:p>
@@ -13166,7 +13166,7 @@
           <a:p>
             <a:fld id="{D18B56EA-E28F-4F92-9F16-7A6F2501B303}" type="datetime8">
               <a:rPr lang="en-US" smtClean="0"/>
-              <a:t>4/30/2022 11:15 AM</a:t>
+              <a:t>11/19/2022 4:11 PM</a:t>
             </a:fld>
             <a:endParaRPr lang="en-US" dirty="0"/>
           </a:p>
@@ -26643,7 +26643,7 @@
                 <a:latin typeface="+mj-lt"/>
                 <a:hlinkClick r:id="rId3"/>
               </a:rPr>
-              <a:t>https://docs.microsoft.com/en-us/sharepoint/dev/spfx/sharepoint-framework-overview</a:t>
+              <a:t>https://learn.microsoft.com/en-us/sharepoint/dev/spfx/sharepoint-framework-overview</a:t>
             </a:r>
             <a:endParaRPr lang="en-US" sz="1800" dirty="0">
               <a:latin typeface="+mj-lt"/>
@@ -26698,7 +26698,7 @@
                 <a:latin typeface="+mj-lt"/>
                 <a:hlinkClick r:id="rId4"/>
               </a:rPr>
-              <a:t>https://docs.microsoft.com/sharepoint/dev/spfx/web-parts/get-started/serve-your-web-part-in-a-sharepoint-page</a:t>
+              <a:t>https://learn.microsoft.com/sharepoint/dev/spfx/web-parts/get-started/serve-your-web-part-in-a-sharepoint-page</a:t>
             </a:r>
             <a:r>
               <a:rPr lang="en-US" sz="1600" dirty="0">
